--- a/lesson-2/Students materials - 2 - Whitebox techniques.pptx
+++ b/lesson-2/Students materials - 2 - Whitebox techniques.pptx
@@ -631,35 +631,35 @@
           <a:p>
             <a:pPr lvl="0"/>
             <a:r>
-              <a:rPr lang="de-DE" altLang="de-DE" noProof="0" smtClean="0"/>
+              <a:rPr lang="de-DE" altLang="de-DE" noProof="0"/>
               <a:t>Mastertextformat bearbeiten</a:t>
             </a:r>
           </a:p>
           <a:p>
             <a:pPr lvl="1"/>
             <a:r>
-              <a:rPr lang="de-DE" altLang="de-DE" noProof="0" smtClean="0"/>
+              <a:rPr lang="de-DE" altLang="de-DE" noProof="0"/>
               <a:t>Zweite Ebene</a:t>
             </a:r>
           </a:p>
           <a:p>
             <a:pPr lvl="2"/>
             <a:r>
-              <a:rPr lang="de-DE" altLang="de-DE" noProof="0" smtClean="0"/>
+              <a:rPr lang="de-DE" altLang="de-DE" noProof="0"/>
               <a:t>Dritte Ebene</a:t>
             </a:r>
           </a:p>
           <a:p>
             <a:pPr lvl="3"/>
             <a:r>
-              <a:rPr lang="de-DE" altLang="de-DE" noProof="0" smtClean="0"/>
+              <a:rPr lang="de-DE" altLang="de-DE" noProof="0"/>
               <a:t>Vierte Ebene</a:t>
             </a:r>
           </a:p>
           <a:p>
             <a:pPr lvl="4"/>
             <a:r>
-              <a:rPr lang="de-DE" altLang="de-DE" noProof="0" smtClean="0"/>
+              <a:rPr lang="de-DE" altLang="de-DE" noProof="0"/>
               <a:t>Fünfte Ebene</a:t>
             </a:r>
           </a:p>
@@ -941,99 +941,99 @@
           <a:lstStyle/>
           <a:p>
             <a:r>
-              <a:rPr lang="pl-PL" dirty="0" err="1" smtClean="0"/>
+              <a:rPr lang="pl-PL" dirty="0" err="1"/>
               <a:t>Download</a:t>
             </a:r>
             <a:r>
-              <a:rPr lang="pl-PL" dirty="0" smtClean="0"/>
+              <a:rPr lang="pl-PL" dirty="0"/>
               <a:t> </a:t>
             </a:r>
             <a:r>
-              <a:rPr lang="pl-PL" dirty="0" err="1" smtClean="0"/>
+              <a:rPr lang="pl-PL" dirty="0" err="1"/>
               <a:t>source</a:t>
             </a:r>
             <a:r>
-              <a:rPr lang="pl-PL" dirty="0" smtClean="0"/>
+              <a:rPr lang="pl-PL" dirty="0"/>
               <a:t> </a:t>
             </a:r>
             <a:r>
-              <a:rPr lang="pl-PL" dirty="0" err="1" smtClean="0"/>
+              <a:rPr lang="pl-PL" dirty="0" err="1"/>
               <a:t>code</a:t>
             </a:r>
             <a:r>
-              <a:rPr lang="pl-PL" dirty="0" smtClean="0"/>
+              <a:rPr lang="pl-PL" dirty="0"/>
               <a:t> for </a:t>
             </a:r>
             <a:r>
-              <a:rPr lang="pl-PL" dirty="0" err="1" smtClean="0"/>
+              <a:rPr lang="pl-PL" dirty="0" err="1"/>
               <a:t>this</a:t>
             </a:r>
             <a:r>
-              <a:rPr lang="pl-PL" dirty="0" smtClean="0"/>
+              <a:rPr lang="pl-PL" dirty="0"/>
               <a:t> </a:t>
             </a:r>
             <a:r>
-              <a:rPr lang="pl-PL" dirty="0" err="1" smtClean="0"/>
+              <a:rPr lang="pl-PL" dirty="0" err="1"/>
               <a:t>lesson</a:t>
             </a:r>
             <a:r>
-              <a:rPr lang="pl-PL" dirty="0" smtClean="0"/>
+              <a:rPr lang="pl-PL" dirty="0"/>
               <a:t> (lesson-2). </a:t>
             </a:r>
             <a:r>
-              <a:rPr lang="pl-PL" dirty="0" err="1" smtClean="0"/>
+              <a:rPr lang="pl-PL" dirty="0" err="1"/>
               <a:t>If</a:t>
             </a:r>
             <a:r>
-              <a:rPr lang="pl-PL" baseline="0" dirty="0" smtClean="0"/>
+              <a:rPr lang="pl-PL" baseline="0" dirty="0"/>
               <a:t> </a:t>
             </a:r>
             <a:r>
-              <a:rPr lang="pl-PL" baseline="0" dirty="0" err="1" smtClean="0"/>
+              <a:rPr lang="pl-PL" baseline="0" dirty="0" err="1"/>
               <a:t>required</a:t>
             </a:r>
             <a:r>
-              <a:rPr lang="pl-PL" baseline="0" dirty="0" smtClean="0"/>
+              <a:rPr lang="pl-PL" baseline="0" dirty="0"/>
               <a:t> </a:t>
             </a:r>
             <a:r>
-              <a:rPr lang="pl-PL" baseline="0" dirty="0" err="1" smtClean="0"/>
+              <a:rPr lang="pl-PL" baseline="0" dirty="0" err="1"/>
               <a:t>install</a:t>
             </a:r>
             <a:r>
-              <a:rPr lang="pl-PL" baseline="0" dirty="0" smtClean="0"/>
+              <a:rPr lang="pl-PL" baseline="0" dirty="0"/>
               <a:t> </a:t>
             </a:r>
             <a:r>
-              <a:rPr lang="pl-PL" baseline="0" dirty="0" err="1" smtClean="0"/>
+              <a:rPr lang="pl-PL" baseline="0" dirty="0" err="1"/>
               <a:t>Gradle</a:t>
             </a:r>
             <a:r>
-              <a:rPr lang="pl-PL" baseline="0" dirty="0" smtClean="0"/>
+              <a:rPr lang="pl-PL" baseline="0" dirty="0"/>
               <a:t>, </a:t>
             </a:r>
             <a:r>
-              <a:rPr lang="pl-PL" baseline="0" dirty="0" err="1" smtClean="0"/>
+              <a:rPr lang="pl-PL" baseline="0" dirty="0" err="1"/>
               <a:t>Eclipse</a:t>
             </a:r>
             <a:r>
-              <a:rPr lang="pl-PL" baseline="0" dirty="0" smtClean="0"/>
+              <a:rPr lang="pl-PL" baseline="0" dirty="0"/>
               <a:t> and </a:t>
             </a:r>
             <a:r>
-              <a:rPr lang="pl-PL" baseline="0" dirty="0" err="1" smtClean="0"/>
+              <a:rPr lang="pl-PL" baseline="0" dirty="0" err="1"/>
               <a:t>Gradle</a:t>
             </a:r>
             <a:r>
-              <a:rPr lang="pl-PL" baseline="0" dirty="0" smtClean="0"/>
+              <a:rPr lang="pl-PL" baseline="0" dirty="0"/>
               <a:t> plug in for </a:t>
             </a:r>
             <a:r>
-              <a:rPr lang="pl-PL" baseline="0" dirty="0" err="1" smtClean="0"/>
+              <a:rPr lang="pl-PL" baseline="0" dirty="0" err="1"/>
               <a:t>Eclipse</a:t>
             </a:r>
             <a:r>
-              <a:rPr lang="pl-PL" baseline="0" dirty="0" smtClean="0"/>
+              <a:rPr lang="pl-PL" baseline="0" dirty="0"/>
               <a:t>.</a:t>
             </a:r>
             <a:endParaRPr lang="pl-PL" dirty="0"/>
@@ -1207,67 +1207,67 @@
           <a:lstStyle/>
           <a:p>
             <a:r>
-              <a:rPr lang="pl-PL" dirty="0" err="1" smtClean="0"/>
+              <a:rPr lang="pl-PL" dirty="0" err="1"/>
               <a:t>Build</a:t>
             </a:r>
             <a:r>
-              <a:rPr lang="pl-PL" baseline="0" dirty="0" smtClean="0"/>
+              <a:rPr lang="pl-PL" baseline="0" dirty="0"/>
               <a:t> </a:t>
             </a:r>
             <a:r>
-              <a:rPr lang="pl-PL" baseline="0" dirty="0" err="1" smtClean="0"/>
+              <a:rPr lang="pl-PL" baseline="0" dirty="0" err="1"/>
               <a:t>project</a:t>
             </a:r>
             <a:r>
-              <a:rPr lang="pl-PL" baseline="0" dirty="0" smtClean="0"/>
+              <a:rPr lang="pl-PL" baseline="0" dirty="0"/>
               <a:t> </a:t>
             </a:r>
             <a:r>
-              <a:rPr lang="pl-PL" baseline="0" dirty="0" err="1" smtClean="0"/>
+              <a:rPr lang="pl-PL" baseline="0" dirty="0" err="1"/>
               <a:t>using</a:t>
             </a:r>
             <a:r>
-              <a:rPr lang="pl-PL" baseline="0" dirty="0" smtClean="0"/>
+              <a:rPr lang="pl-PL" baseline="0" dirty="0"/>
               <a:t> </a:t>
             </a:r>
             <a:r>
-              <a:rPr lang="pl-PL" baseline="0" dirty="0" err="1" smtClean="0"/>
+              <a:rPr lang="pl-PL" baseline="0" dirty="0" err="1"/>
               <a:t>gradle</a:t>
             </a:r>
             <a:r>
-              <a:rPr lang="pl-PL" baseline="0" dirty="0" smtClean="0"/>
+              <a:rPr lang="pl-PL" baseline="0" dirty="0"/>
               <a:t> </a:t>
             </a:r>
             <a:r>
-              <a:rPr lang="pl-PL" baseline="0" dirty="0" err="1" smtClean="0"/>
+              <a:rPr lang="pl-PL" baseline="0" dirty="0" err="1"/>
               <a:t>build</a:t>
             </a:r>
             <a:r>
-              <a:rPr lang="pl-PL" baseline="0" dirty="0" smtClean="0"/>
+              <a:rPr lang="pl-PL" baseline="0" dirty="0"/>
               <a:t> </a:t>
             </a:r>
             <a:r>
-              <a:rPr lang="pl-PL" baseline="0" dirty="0" err="1" smtClean="0"/>
+              <a:rPr lang="pl-PL" baseline="0" dirty="0" err="1"/>
               <a:t>command</a:t>
             </a:r>
             <a:r>
-              <a:rPr lang="pl-PL" baseline="0" dirty="0" smtClean="0"/>
+              <a:rPr lang="pl-PL" baseline="0" dirty="0"/>
               <a:t> </a:t>
             </a:r>
             <a:r>
-              <a:rPr lang="pl-PL" baseline="0" dirty="0" err="1" smtClean="0"/>
+              <a:rPr lang="pl-PL" baseline="0" dirty="0" err="1"/>
               <a:t>or</a:t>
             </a:r>
             <a:r>
-              <a:rPr lang="pl-PL" baseline="0" dirty="0" smtClean="0"/>
+              <a:rPr lang="pl-PL" baseline="0" dirty="0"/>
               <a:t> via </a:t>
             </a:r>
             <a:r>
-              <a:rPr lang="pl-PL" baseline="0" dirty="0" err="1" smtClean="0"/>
+              <a:rPr lang="pl-PL" baseline="0" dirty="0" err="1"/>
               <a:t>Eclipse</a:t>
             </a:r>
             <a:r>
-              <a:rPr lang="pl-PL" baseline="0" dirty="0" smtClean="0"/>
+              <a:rPr lang="pl-PL" baseline="0" dirty="0"/>
               <a:t> IDE.</a:t>
             </a:r>
             <a:endParaRPr lang="en-US" dirty="0"/>
@@ -1356,83 +1356,83 @@
           <a:lstStyle/>
           <a:p>
             <a:r>
-              <a:rPr lang="pl-PL" dirty="0" smtClean="0"/>
+              <a:rPr lang="pl-PL" dirty="0"/>
               <a:t>In the </a:t>
             </a:r>
             <a:r>
-              <a:rPr lang="pl-PL" dirty="0" err="1" smtClean="0"/>
+              <a:rPr lang="pl-PL" dirty="0" err="1"/>
               <a:t>source</a:t>
             </a:r>
             <a:r>
-              <a:rPr lang="pl-PL" dirty="0" smtClean="0"/>
+              <a:rPr lang="pl-PL" dirty="0"/>
               <a:t> </a:t>
             </a:r>
             <a:r>
-              <a:rPr lang="pl-PL" dirty="0" err="1" smtClean="0"/>
+              <a:rPr lang="pl-PL" dirty="0" err="1"/>
               <a:t>code</a:t>
             </a:r>
             <a:r>
-              <a:rPr lang="pl-PL" dirty="0" smtClean="0"/>
+              <a:rPr lang="pl-PL" dirty="0"/>
               <a:t> </a:t>
             </a:r>
             <a:r>
-              <a:rPr lang="pl-PL" dirty="0" err="1" smtClean="0"/>
+              <a:rPr lang="pl-PL" dirty="0" err="1"/>
               <a:t>that</a:t>
             </a:r>
             <a:r>
-              <a:rPr lang="pl-PL" dirty="0" smtClean="0"/>
+              <a:rPr lang="pl-PL" dirty="0"/>
               <a:t> </a:t>
             </a:r>
             <a:r>
-              <a:rPr lang="pl-PL" dirty="0" err="1" smtClean="0"/>
+              <a:rPr lang="pl-PL" dirty="0" err="1"/>
               <a:t>supports</a:t>
             </a:r>
             <a:r>
-              <a:rPr lang="pl-PL" dirty="0" smtClean="0"/>
+              <a:rPr lang="pl-PL" dirty="0"/>
               <a:t> </a:t>
             </a:r>
             <a:r>
-              <a:rPr lang="pl-PL" dirty="0" err="1" smtClean="0"/>
+              <a:rPr lang="pl-PL" dirty="0" err="1"/>
               <a:t>this</a:t>
             </a:r>
             <a:r>
-              <a:rPr lang="pl-PL" dirty="0" smtClean="0"/>
+              <a:rPr lang="pl-PL" dirty="0"/>
               <a:t> </a:t>
             </a:r>
             <a:r>
-              <a:rPr lang="pl-PL" dirty="0" err="1" smtClean="0"/>
+              <a:rPr lang="pl-PL" dirty="0" err="1"/>
               <a:t>lesson</a:t>
             </a:r>
             <a:r>
-              <a:rPr lang="pl-PL" dirty="0" smtClean="0"/>
+              <a:rPr lang="pl-PL" dirty="0"/>
               <a:t> </a:t>
             </a:r>
             <a:r>
-              <a:rPr lang="pl-PL" dirty="0" err="1" smtClean="0"/>
+              <a:rPr lang="pl-PL" dirty="0" err="1"/>
               <a:t>find</a:t>
             </a:r>
             <a:r>
-              <a:rPr lang="pl-PL" baseline="0" dirty="0" smtClean="0"/>
+              <a:rPr lang="pl-PL" baseline="0" dirty="0"/>
               <a:t> </a:t>
             </a:r>
             <a:r>
-              <a:rPr lang="pl-PL" baseline="0" dirty="0" err="1" smtClean="0"/>
+              <a:rPr lang="pl-PL" baseline="0" dirty="0" err="1"/>
               <a:t>class</a:t>
             </a:r>
             <a:r>
-              <a:rPr lang="pl-PL" baseline="0" dirty="0" smtClean="0"/>
+              <a:rPr lang="pl-PL" baseline="0" dirty="0"/>
               <a:t> </a:t>
             </a:r>
             <a:r>
-              <a:rPr lang="pl-PL" baseline="0" dirty="0" err="1" smtClean="0"/>
+              <a:rPr lang="pl-PL" baseline="0" dirty="0" err="1"/>
               <a:t>AnserEntity</a:t>
             </a:r>
             <a:r>
-              <a:rPr lang="pl-PL" baseline="0" dirty="0" smtClean="0"/>
+              <a:rPr lang="pl-PL" baseline="0" dirty="0"/>
               <a:t> in </a:t>
             </a:r>
             <a:r>
-              <a:rPr lang="pl-PL" sz="1200" kern="1200" dirty="0" err="1" smtClean="0">
+              <a:rPr lang="pl-PL" sz="1200" kern="1200" dirty="0" err="1">
                 <a:solidFill>
                   <a:schemeClr val="tx1"/>
                 </a:solidFill>
@@ -1443,7 +1443,7 @@
               <a:t>com.gft.structuraltest.testconference.registrationdata</a:t>
             </a:r>
             <a:r>
-              <a:rPr lang="pl-PL" sz="1200" kern="1200" dirty="0" smtClean="0">
+              <a:rPr lang="pl-PL" sz="1200" kern="1200" dirty="0">
                 <a:solidFill>
                   <a:schemeClr val="tx1"/>
                 </a:solidFill>
@@ -1454,7 +1454,7 @@
               <a:t> </a:t>
             </a:r>
             <a:r>
-              <a:rPr lang="pl-PL" sz="1200" kern="1200" dirty="0" err="1" smtClean="0">
+              <a:rPr lang="pl-PL" sz="1200" kern="1200" dirty="0" err="1">
                 <a:solidFill>
                   <a:schemeClr val="tx1"/>
                 </a:solidFill>
@@ -1465,7 +1465,7 @@
               <a:t>package</a:t>
             </a:r>
             <a:r>
-              <a:rPr lang="pl-PL" sz="1200" kern="1200" dirty="0" smtClean="0">
+              <a:rPr lang="pl-PL" sz="1200" kern="1200" dirty="0">
                 <a:solidFill>
                   <a:schemeClr val="tx1"/>
                 </a:solidFill>
@@ -1476,7 +1476,7 @@
               <a:t>. </a:t>
             </a:r>
             <a:r>
-              <a:rPr lang="pl-PL" sz="1200" kern="1200" dirty="0" err="1" smtClean="0">
+              <a:rPr lang="pl-PL" sz="1200" kern="1200" dirty="0" err="1">
                 <a:solidFill>
                   <a:schemeClr val="tx1"/>
                 </a:solidFill>
@@ -1487,7 +1487,7 @@
               <a:t>There</a:t>
             </a:r>
             <a:r>
-              <a:rPr lang="pl-PL" sz="1200" kern="1200" dirty="0" smtClean="0">
+              <a:rPr lang="pl-PL" sz="1200" kern="1200" dirty="0">
                 <a:solidFill>
                   <a:schemeClr val="tx1"/>
                 </a:solidFill>
@@ -1498,7 +1498,7 @@
               <a:t> </a:t>
             </a:r>
             <a:r>
-              <a:rPr lang="pl-PL" sz="1200" kern="1200" dirty="0" err="1" smtClean="0">
+              <a:rPr lang="pl-PL" sz="1200" kern="1200" dirty="0" err="1">
                 <a:solidFill>
                   <a:schemeClr val="tx1"/>
                 </a:solidFill>
@@ -1509,7 +1509,7 @@
               <a:t>is</a:t>
             </a:r>
             <a:r>
-              <a:rPr lang="pl-PL" sz="1200" kern="1200" baseline="0" dirty="0" smtClean="0">
+              <a:rPr lang="pl-PL" sz="1200" kern="1200" baseline="0" dirty="0">
                 <a:solidFill>
                   <a:schemeClr val="tx1"/>
                 </a:solidFill>
@@ -1520,7 +1520,7 @@
               <a:t> a </a:t>
             </a:r>
             <a:r>
-              <a:rPr lang="pl-PL" sz="1200" kern="1200" baseline="0" dirty="0" err="1" smtClean="0">
+              <a:rPr lang="pl-PL" sz="1200" kern="1200" baseline="0" dirty="0" err="1">
                 <a:solidFill>
                   <a:schemeClr val="tx1"/>
                 </a:solidFill>
@@ -1531,7 +1531,7 @@
               <a:t>template</a:t>
             </a:r>
             <a:r>
-              <a:rPr lang="pl-PL" sz="1200" kern="1200" baseline="0" dirty="0" smtClean="0">
+              <a:rPr lang="pl-PL" sz="1200" kern="1200" baseline="0" dirty="0">
                 <a:solidFill>
                   <a:schemeClr val="tx1"/>
                 </a:solidFill>
@@ -1542,7 +1542,7 @@
               <a:t> test for </a:t>
             </a:r>
             <a:r>
-              <a:rPr lang="pl-PL" sz="1200" kern="1200" baseline="0" dirty="0" err="1" smtClean="0">
+              <a:rPr lang="pl-PL" sz="1200" kern="1200" baseline="0" dirty="0" err="1">
                 <a:solidFill>
                   <a:schemeClr val="tx1"/>
                 </a:solidFill>
@@ -1553,7 +1553,7 @@
               <a:t>method</a:t>
             </a:r>
             <a:r>
-              <a:rPr lang="pl-PL" sz="1200" kern="1200" baseline="0" dirty="0" smtClean="0">
+              <a:rPr lang="pl-PL" sz="1200" kern="1200" baseline="0" dirty="0">
                 <a:solidFill>
                   <a:schemeClr val="tx1"/>
                 </a:solidFill>
@@ -1564,7 +1564,7 @@
               <a:t> </a:t>
             </a:r>
             <a:r>
-              <a:rPr lang="pl-PL" sz="1200" kern="1200" dirty="0" err="1" smtClean="0">
+              <a:rPr lang="pl-PL" sz="1200" kern="1200" dirty="0" err="1">
                 <a:solidFill>
                   <a:schemeClr val="tx1"/>
                 </a:solidFill>
@@ -1575,7 +1575,7 @@
               <a:t>equals</a:t>
             </a:r>
             <a:r>
-              <a:rPr lang="pl-PL" sz="1200" kern="1200" dirty="0" smtClean="0">
+              <a:rPr lang="pl-PL" sz="1200" kern="1200" dirty="0">
                 <a:solidFill>
                   <a:schemeClr val="tx1"/>
                 </a:solidFill>
@@ -1586,7 +1586,7 @@
               <a:t>() of </a:t>
             </a:r>
             <a:r>
-              <a:rPr lang="pl-PL" sz="1200" kern="1200" dirty="0" err="1" smtClean="0">
+              <a:rPr lang="pl-PL" sz="1200" kern="1200" dirty="0" err="1">
                 <a:solidFill>
                   <a:schemeClr val="tx1"/>
                 </a:solidFill>
@@ -1597,7 +1597,7 @@
               <a:t>this</a:t>
             </a:r>
             <a:r>
-              <a:rPr lang="pl-PL" sz="1200" kern="1200" dirty="0" smtClean="0">
+              <a:rPr lang="pl-PL" sz="1200" kern="1200" dirty="0">
                 <a:solidFill>
                   <a:schemeClr val="tx1"/>
                 </a:solidFill>
@@ -1608,7 +1608,7 @@
               <a:t> </a:t>
             </a:r>
             <a:r>
-              <a:rPr lang="pl-PL" sz="1200" kern="1200" baseline="0" dirty="0" err="1" smtClean="0">
+              <a:rPr lang="pl-PL" sz="1200" kern="1200" baseline="0" dirty="0" err="1">
                 <a:solidFill>
                   <a:schemeClr val="tx1"/>
                 </a:solidFill>
@@ -1619,7 +1619,7 @@
               <a:t>class</a:t>
             </a:r>
             <a:r>
-              <a:rPr lang="pl-PL" sz="1200" kern="1200" baseline="0" dirty="0" smtClean="0">
+              <a:rPr lang="pl-PL" sz="1200" kern="1200" baseline="0" dirty="0">
                 <a:solidFill>
                   <a:schemeClr val="tx1"/>
                 </a:solidFill>
@@ -1630,7 +1630,7 @@
               <a:t>. </a:t>
             </a:r>
             <a:r>
-              <a:rPr lang="pl-PL" sz="1200" kern="1200" baseline="0" dirty="0" err="1" smtClean="0">
+              <a:rPr lang="pl-PL" sz="1200" kern="1200" baseline="0" dirty="0" err="1">
                 <a:solidFill>
                   <a:schemeClr val="tx1"/>
                 </a:solidFill>
@@ -1641,7 +1641,7 @@
               <a:t>Based</a:t>
             </a:r>
             <a:r>
-              <a:rPr lang="pl-PL" sz="1200" kern="1200" baseline="0" dirty="0" smtClean="0">
+              <a:rPr lang="pl-PL" sz="1200" kern="1200" baseline="0" dirty="0">
                 <a:solidFill>
                   <a:schemeClr val="tx1"/>
                 </a:solidFill>
@@ -1652,7 +1652,7 @@
               <a:t> on the </a:t>
             </a:r>
             <a:r>
-              <a:rPr lang="pl-PL" sz="1200" kern="1200" baseline="0" dirty="0" err="1" smtClean="0">
+              <a:rPr lang="pl-PL" sz="1200" kern="1200" baseline="0" dirty="0" err="1">
                 <a:solidFill>
                   <a:schemeClr val="tx1"/>
                 </a:solidFill>
@@ -1663,7 +1663,7 @@
               <a:t>example</a:t>
             </a:r>
             <a:r>
-              <a:rPr lang="pl-PL" sz="1200" kern="1200" baseline="0" dirty="0" smtClean="0">
+              <a:rPr lang="pl-PL" sz="1200" kern="1200" baseline="0" dirty="0">
                 <a:solidFill>
                   <a:schemeClr val="tx1"/>
                 </a:solidFill>
@@ -1674,7 +1674,7 @@
               <a:t> </a:t>
             </a:r>
             <a:r>
-              <a:rPr lang="pl-PL" sz="1200" kern="1200" baseline="0" dirty="0" err="1" smtClean="0">
+              <a:rPr lang="pl-PL" sz="1200" kern="1200" baseline="0" dirty="0" err="1">
                 <a:solidFill>
                   <a:schemeClr val="tx1"/>
                 </a:solidFill>
@@ -1685,7 +1685,7 @@
               <a:t>add</a:t>
             </a:r>
             <a:r>
-              <a:rPr lang="pl-PL" sz="1200" kern="1200" baseline="0" dirty="0" smtClean="0">
+              <a:rPr lang="pl-PL" sz="1200" kern="1200" baseline="0" dirty="0">
                 <a:solidFill>
                   <a:schemeClr val="tx1"/>
                 </a:solidFill>
@@ -1696,7 +1696,7 @@
               <a:t> </a:t>
             </a:r>
             <a:r>
-              <a:rPr lang="pl-PL" sz="1200" kern="1200" baseline="0" dirty="0" err="1" smtClean="0">
+              <a:rPr lang="pl-PL" sz="1200" kern="1200" baseline="0" dirty="0" err="1">
                 <a:solidFill>
                   <a:schemeClr val="tx1"/>
                 </a:solidFill>
@@ -1707,7 +1707,7 @@
               <a:t>new</a:t>
             </a:r>
             <a:r>
-              <a:rPr lang="pl-PL" sz="1200" kern="1200" baseline="0" dirty="0" smtClean="0">
+              <a:rPr lang="pl-PL" sz="1200" kern="1200" baseline="0" dirty="0">
                 <a:solidFill>
                   <a:schemeClr val="tx1"/>
                 </a:solidFill>
@@ -1718,7 +1718,7 @@
               <a:t> </a:t>
             </a:r>
             <a:r>
-              <a:rPr lang="pl-PL" sz="1200" kern="1200" baseline="0" dirty="0" err="1" smtClean="0">
+              <a:rPr lang="pl-PL" sz="1200" kern="1200" baseline="0" dirty="0" err="1">
                 <a:solidFill>
                   <a:schemeClr val="tx1"/>
                 </a:solidFill>
@@ -1729,7 +1729,7 @@
               <a:t>tests</a:t>
             </a:r>
             <a:r>
-              <a:rPr lang="pl-PL" sz="1200" kern="1200" baseline="0" dirty="0" smtClean="0">
+              <a:rPr lang="pl-PL" sz="1200" kern="1200" baseline="0" dirty="0">
                 <a:solidFill>
                   <a:schemeClr val="tx1"/>
                 </a:solidFill>
@@ -1740,7 +1740,7 @@
               <a:t> to </a:t>
             </a:r>
             <a:r>
-              <a:rPr lang="pl-PL" sz="1200" kern="1200" baseline="0" dirty="0" err="1" smtClean="0">
+              <a:rPr lang="pl-PL" sz="1200" kern="1200" baseline="0" dirty="0" err="1">
                 <a:solidFill>
                   <a:schemeClr val="tx1"/>
                 </a:solidFill>
@@ -1751,7 +1751,7 @@
               <a:t>cover</a:t>
             </a:r>
             <a:r>
-              <a:rPr lang="pl-PL" sz="1200" kern="1200" baseline="0" dirty="0" smtClean="0">
+              <a:rPr lang="pl-PL" sz="1200" kern="1200" baseline="0" dirty="0">
                 <a:solidFill>
                   <a:schemeClr val="tx1"/>
                 </a:solidFill>
@@ -1762,7 +1762,7 @@
               <a:t> </a:t>
             </a:r>
             <a:r>
-              <a:rPr lang="pl-PL" sz="1200" kern="1200" baseline="0" dirty="0" err="1" smtClean="0">
+              <a:rPr lang="pl-PL" sz="1200" kern="1200" baseline="0" dirty="0" err="1">
                 <a:solidFill>
                   <a:schemeClr val="tx1"/>
                 </a:solidFill>
@@ -1773,7 +1773,7 @@
               <a:t>all</a:t>
             </a:r>
             <a:r>
-              <a:rPr lang="pl-PL" sz="1200" kern="1200" baseline="0" dirty="0" smtClean="0">
+              <a:rPr lang="pl-PL" sz="1200" kern="1200" baseline="0" dirty="0">
                 <a:solidFill>
                   <a:schemeClr val="tx1"/>
                 </a:solidFill>
@@ -1784,7 +1784,7 @@
               <a:t> </a:t>
             </a:r>
             <a:r>
-              <a:rPr lang="pl-PL" sz="1200" kern="1200" baseline="0" dirty="0" err="1" smtClean="0">
+              <a:rPr lang="pl-PL" sz="1200" kern="1200" baseline="0" dirty="0" err="1">
                 <a:solidFill>
                   <a:schemeClr val="tx1"/>
                 </a:solidFill>
@@ -1795,7 +1795,7 @@
               <a:t>statements</a:t>
             </a:r>
             <a:r>
-              <a:rPr lang="pl-PL" sz="1200" kern="1200" baseline="0" dirty="0" smtClean="0">
+              <a:rPr lang="pl-PL" sz="1200" kern="1200" baseline="0" dirty="0">
                 <a:solidFill>
                   <a:schemeClr val="tx1"/>
                 </a:solidFill>
@@ -1806,7 +1806,7 @@
               <a:t> in </a:t>
             </a:r>
             <a:r>
-              <a:rPr lang="pl-PL" sz="1200" kern="1200" baseline="0" dirty="0" err="1" smtClean="0">
+              <a:rPr lang="pl-PL" sz="1200" kern="1200" baseline="0" dirty="0" err="1">
                 <a:solidFill>
                   <a:schemeClr val="tx1"/>
                 </a:solidFill>
@@ -1817,7 +1817,7 @@
               <a:t>this</a:t>
             </a:r>
             <a:r>
-              <a:rPr lang="pl-PL" sz="1200" kern="1200" baseline="0" dirty="0" smtClean="0">
+              <a:rPr lang="pl-PL" sz="1200" kern="1200" baseline="0" dirty="0">
                 <a:solidFill>
                   <a:schemeClr val="tx1"/>
                 </a:solidFill>
@@ -1828,7 +1828,7 @@
               <a:t> </a:t>
             </a:r>
             <a:r>
-              <a:rPr lang="pl-PL" sz="1200" kern="1200" baseline="0" dirty="0" err="1" smtClean="0">
+              <a:rPr lang="pl-PL" sz="1200" kern="1200" baseline="0" dirty="0" err="1">
                 <a:solidFill>
                   <a:schemeClr val="tx1"/>
                 </a:solidFill>
@@ -1839,7 +1839,7 @@
               <a:t>method</a:t>
             </a:r>
             <a:r>
-              <a:rPr lang="pl-PL" sz="1200" kern="1200" baseline="0" dirty="0" smtClean="0">
+              <a:rPr lang="pl-PL" sz="1200" kern="1200" baseline="0" dirty="0">
                 <a:solidFill>
                   <a:schemeClr val="tx1"/>
                 </a:solidFill>
@@ -1935,71 +1935,71 @@
           <a:lstStyle/>
           <a:p>
             <a:r>
-              <a:rPr lang="pl-PL" dirty="0" smtClean="0"/>
+              <a:rPr lang="pl-PL" dirty="0"/>
               <a:t>Run </a:t>
             </a:r>
             <a:r>
-              <a:rPr lang="pl-PL" dirty="0" err="1" smtClean="0"/>
+              <a:rPr lang="pl-PL" dirty="0" err="1"/>
               <a:t>gradle</a:t>
             </a:r>
             <a:r>
-              <a:rPr lang="pl-PL" dirty="0" smtClean="0"/>
+              <a:rPr lang="pl-PL" dirty="0"/>
               <a:t> </a:t>
             </a:r>
             <a:r>
-              <a:rPr lang="pl-PL" dirty="0" err="1" smtClean="0"/>
+              <a:rPr lang="pl-PL" dirty="0" err="1"/>
               <a:t>jacocoTestReport</a:t>
             </a:r>
             <a:r>
-              <a:rPr lang="pl-PL" dirty="0" smtClean="0"/>
+              <a:rPr lang="pl-PL" dirty="0"/>
               <a:t> </a:t>
             </a:r>
             <a:r>
-              <a:rPr lang="pl-PL" dirty="0" err="1" smtClean="0"/>
+              <a:rPr lang="pl-PL" dirty="0" err="1"/>
               <a:t>task</a:t>
             </a:r>
             <a:r>
-              <a:rPr lang="pl-PL" dirty="0" smtClean="0"/>
+              <a:rPr lang="pl-PL" dirty="0"/>
               <a:t> to </a:t>
             </a:r>
             <a:r>
-              <a:rPr lang="pl-PL" dirty="0" err="1" smtClean="0"/>
+              <a:rPr lang="pl-PL" dirty="0" err="1"/>
               <a:t>get</a:t>
             </a:r>
             <a:r>
-              <a:rPr lang="pl-PL" dirty="0" smtClean="0"/>
+              <a:rPr lang="pl-PL" dirty="0"/>
               <a:t> </a:t>
             </a:r>
             <a:r>
-              <a:rPr lang="pl-PL" dirty="0" err="1" smtClean="0"/>
+              <a:rPr lang="pl-PL" dirty="0" err="1"/>
               <a:t>coverage</a:t>
             </a:r>
             <a:r>
-              <a:rPr lang="pl-PL" dirty="0" smtClean="0"/>
+              <a:rPr lang="pl-PL" dirty="0"/>
               <a:t> </a:t>
             </a:r>
             <a:r>
-              <a:rPr lang="pl-PL" dirty="0" err="1" smtClean="0"/>
+              <a:rPr lang="pl-PL" dirty="0" err="1"/>
               <a:t>metric</a:t>
             </a:r>
             <a:r>
-              <a:rPr lang="pl-PL" dirty="0" smtClean="0"/>
+              <a:rPr lang="pl-PL" dirty="0"/>
               <a:t> for </a:t>
             </a:r>
             <a:r>
-              <a:rPr lang="pl-PL" dirty="0" err="1" smtClean="0"/>
+              <a:rPr lang="pl-PL" dirty="0" err="1"/>
               <a:t>you</a:t>
             </a:r>
             <a:r>
-              <a:rPr lang="pl-PL" dirty="0" smtClean="0"/>
+              <a:rPr lang="pl-PL" dirty="0"/>
               <a:t> unit </a:t>
             </a:r>
             <a:r>
-              <a:rPr lang="pl-PL" dirty="0" err="1" smtClean="0"/>
+              <a:rPr lang="pl-PL" dirty="0" err="1"/>
               <a:t>tests</a:t>
             </a:r>
             <a:r>
-              <a:rPr lang="pl-PL" dirty="0" smtClean="0"/>
+              <a:rPr lang="pl-PL" dirty="0"/>
               <a:t>.</a:t>
             </a:r>
             <a:endParaRPr lang="en-US" dirty="0"/>
@@ -2088,71 +2088,71 @@
           <a:lstStyle/>
           <a:p>
             <a:r>
-              <a:rPr lang="pl-PL" dirty="0" err="1" smtClean="0"/>
+              <a:rPr lang="pl-PL" dirty="0" err="1"/>
               <a:t>Add</a:t>
             </a:r>
             <a:r>
-              <a:rPr lang="pl-PL" dirty="0" smtClean="0"/>
+              <a:rPr lang="pl-PL" dirty="0"/>
               <a:t> </a:t>
             </a:r>
             <a:r>
-              <a:rPr lang="pl-PL" dirty="0" err="1" smtClean="0"/>
+              <a:rPr lang="pl-PL" dirty="0" err="1"/>
               <a:t>aditional</a:t>
             </a:r>
             <a:r>
-              <a:rPr lang="pl-PL" dirty="0" smtClean="0"/>
+              <a:rPr lang="pl-PL" dirty="0"/>
               <a:t> </a:t>
             </a:r>
             <a:r>
-              <a:rPr lang="pl-PL" dirty="0" err="1" smtClean="0"/>
+              <a:rPr lang="pl-PL" dirty="0" err="1"/>
               <a:t>tests</a:t>
             </a:r>
             <a:r>
-              <a:rPr lang="pl-PL" dirty="0" smtClean="0"/>
+              <a:rPr lang="pl-PL" dirty="0"/>
               <a:t> to </a:t>
             </a:r>
             <a:r>
-              <a:rPr lang="pl-PL" dirty="0" err="1" smtClean="0"/>
+              <a:rPr lang="pl-PL" dirty="0" err="1"/>
               <a:t>validation</a:t>
             </a:r>
             <a:r>
-              <a:rPr lang="pl-PL" dirty="0" smtClean="0"/>
+              <a:rPr lang="pl-PL" dirty="0"/>
               <a:t> </a:t>
             </a:r>
             <a:r>
-              <a:rPr lang="pl-PL" dirty="0" err="1" smtClean="0"/>
+              <a:rPr lang="pl-PL" dirty="0" err="1"/>
               <a:t>method</a:t>
             </a:r>
             <a:r>
-              <a:rPr lang="pl-PL" dirty="0" smtClean="0"/>
+              <a:rPr lang="pl-PL" dirty="0"/>
               <a:t> in </a:t>
             </a:r>
             <a:r>
-              <a:rPr lang="pl-PL" dirty="0" err="1" smtClean="0"/>
+              <a:rPr lang="pl-PL" dirty="0" err="1"/>
               <a:t>ContactsDetails</a:t>
             </a:r>
             <a:r>
-              <a:rPr lang="pl-PL" dirty="0" smtClean="0"/>
+              <a:rPr lang="pl-PL" dirty="0"/>
               <a:t> </a:t>
             </a:r>
             <a:r>
-              <a:rPr lang="pl-PL" dirty="0" err="1" smtClean="0"/>
+              <a:rPr lang="pl-PL" dirty="0" err="1"/>
               <a:t>class</a:t>
             </a:r>
             <a:r>
-              <a:rPr lang="pl-PL" dirty="0" smtClean="0"/>
+              <a:rPr lang="pl-PL" dirty="0"/>
               <a:t> in </a:t>
             </a:r>
             <a:r>
-              <a:rPr lang="pl-PL" dirty="0" err="1" smtClean="0"/>
+              <a:rPr lang="pl-PL" dirty="0" err="1"/>
               <a:t>package</a:t>
             </a:r>
             <a:r>
-              <a:rPr lang="pl-PL" baseline="0" dirty="0" smtClean="0"/>
+              <a:rPr lang="pl-PL" baseline="0" dirty="0"/>
               <a:t> </a:t>
             </a:r>
             <a:r>
-              <a:rPr lang="pl-PL" sz="1200" kern="1200" dirty="0" err="1" smtClean="0">
+              <a:rPr lang="pl-PL" sz="1200" kern="1200" dirty="0" err="1">
                 <a:solidFill>
                   <a:schemeClr val="tx1"/>
                 </a:solidFill>
@@ -3229,7 +3229,7 @@
             <a:pPr eaLnBrk="1" hangingPunct="1">
               <a:defRPr/>
             </a:pPr>
-            <a:endParaRPr lang="en-US" altLang="en-US" sz="1625" dirty="0" smtClean="0"/>
+            <a:endParaRPr lang="en-US" altLang="en-US" sz="1625" dirty="0"/>
           </a:p>
         </p:txBody>
       </p:sp>
@@ -3366,7 +3366,7 @@
           <a:p>
             <a:pPr lvl="0"/>
             <a:r>
-              <a:rPr lang="de-DE" dirty="0" smtClean="0"/>
+              <a:rPr lang="de-DE" dirty="0"/>
               <a:t>Click to edit Master text style</a:t>
             </a:r>
           </a:p>
@@ -3404,7 +3404,7 @@
           </a:lstStyle>
           <a:p>
             <a:r>
-              <a:rPr lang="de-DE" dirty="0" smtClean="0"/>
+              <a:rPr lang="de-DE" dirty="0"/>
               <a:t>Click to edit Master title style</a:t>
             </a:r>
             <a:endParaRPr lang="en-US" dirty="0"/>
@@ -3724,10 +3724,10 @@
           <a:p>
             <a:pPr lvl="0"/>
             <a:r>
-              <a:rPr lang="en-GB" altLang="de-DE" noProof="0" dirty="0" smtClean="0"/>
+              <a:rPr lang="en-GB" altLang="de-DE" noProof="0" dirty="0"/>
               <a:t>Click to edit Master text styles</a:t>
             </a:r>
-            <a:endParaRPr lang="de-DE" altLang="de-DE" noProof="0" dirty="0" smtClean="0"/>
+            <a:endParaRPr lang="de-DE" altLang="de-DE" noProof="0" dirty="0"/>
           </a:p>
         </p:txBody>
       </p:sp>
@@ -4044,10 +4044,10 @@
           <a:p>
             <a:pPr lvl="0"/>
             <a:r>
-              <a:rPr lang="en-GB" altLang="de-DE" noProof="0" dirty="0" smtClean="0"/>
+              <a:rPr lang="en-GB" altLang="de-DE" noProof="0" dirty="0"/>
               <a:t>Click to edit Master text styles</a:t>
             </a:r>
-            <a:endParaRPr lang="de-DE" altLang="de-DE" noProof="0" dirty="0" smtClean="0"/>
+            <a:endParaRPr lang="de-DE" altLang="de-DE" noProof="0" dirty="0"/>
           </a:p>
         </p:txBody>
       </p:sp>
@@ -4104,7 +4104,7 @@
           <a:p>
             <a:pPr lvl="0"/>
             <a:r>
-              <a:rPr lang="en-GB" dirty="0" smtClean="0"/>
+              <a:rPr lang="en-GB" dirty="0"/>
               <a:t>Click to edit Master title style</a:t>
             </a:r>
             <a:endParaRPr lang="de-DE" dirty="0"/>
@@ -4263,36 +4263,36 @@
           <a:p>
             <a:pPr lvl="0"/>
             <a:r>
-              <a:rPr lang="en-GB" noProof="0" dirty="0" smtClean="0"/>
+              <a:rPr lang="en-GB" noProof="0" dirty="0"/>
               <a:t>Click to edit Master text styles</a:t>
             </a:r>
-            <a:endParaRPr lang="de-DE" noProof="0" dirty="0" smtClean="0"/>
+            <a:endParaRPr lang="de-DE" noProof="0" dirty="0"/>
           </a:p>
           <a:p>
             <a:pPr lvl="1"/>
             <a:r>
-              <a:rPr lang="de-DE" noProof="0" dirty="0" smtClean="0"/>
+              <a:rPr lang="de-DE" noProof="0" dirty="0"/>
               <a:t>Second level</a:t>
             </a:r>
           </a:p>
           <a:p>
             <a:pPr lvl="2"/>
             <a:r>
-              <a:rPr lang="de-DE" noProof="0" dirty="0" smtClean="0"/>
+              <a:rPr lang="de-DE" noProof="0" dirty="0"/>
               <a:t>Third level</a:t>
             </a:r>
           </a:p>
           <a:p>
             <a:pPr lvl="3"/>
             <a:r>
-              <a:rPr lang="de-DE" noProof="0" dirty="0" smtClean="0"/>
+              <a:rPr lang="de-DE" noProof="0" dirty="0"/>
               <a:t>Fourth level</a:t>
             </a:r>
           </a:p>
           <a:p>
             <a:pPr lvl="4"/>
             <a:r>
-              <a:rPr lang="de-DE" noProof="0" dirty="0" smtClean="0"/>
+              <a:rPr lang="de-DE" noProof="0" dirty="0"/>
               <a:t>Fifth level</a:t>
             </a:r>
             <a:endParaRPr lang="en-GB" noProof="0" dirty="0"/>
@@ -4326,10 +4326,9 @@
           </a:lstStyle>
           <a:p>
             <a:r>
-              <a:rPr lang="de-DE" dirty="0" smtClean="0"/>
+              <a:rPr lang="de-DE" dirty="0"/>
               <a:t>Click to add Master title style</a:t>
             </a:r>
-            <a:endParaRPr lang="de-DE" dirty="0"/>
           </a:p>
         </p:txBody>
       </p:sp>
@@ -4447,13 +4446,13 @@
           <a:p>
             <a:pPr lvl="0"/>
             <a:r>
-              <a:rPr lang="en-GB" noProof="0" dirty="0" smtClean="0"/>
+              <a:rPr lang="en-GB" noProof="0" dirty="0"/>
               <a:t>Click to edit Master text styles</a:t>
             </a:r>
           </a:p>
           <a:p>
             <a:pPr lvl="0"/>
-            <a:endParaRPr lang="de-DE" noProof="0" dirty="0" smtClean="0"/>
+            <a:endParaRPr lang="de-DE" noProof="0" dirty="0"/>
           </a:p>
         </p:txBody>
       </p:sp>
@@ -4541,13 +4540,13 @@
           <a:p>
             <a:pPr lvl="0"/>
             <a:r>
-              <a:rPr lang="en-GB" noProof="0" dirty="0" smtClean="0"/>
+              <a:rPr lang="en-GB" noProof="0" dirty="0"/>
               <a:t>Click to edit Master text styles</a:t>
             </a:r>
           </a:p>
           <a:p>
             <a:pPr lvl="0"/>
-            <a:endParaRPr lang="de-DE" noProof="0" dirty="0" smtClean="0"/>
+            <a:endParaRPr lang="de-DE" noProof="0" dirty="0"/>
           </a:p>
         </p:txBody>
       </p:sp>
@@ -4574,7 +4573,7 @@
           <a:lstStyle/>
           <a:p>
             <a:r>
-              <a:rPr lang="en-GB" dirty="0" smtClean="0"/>
+              <a:rPr lang="en-GB" dirty="0"/>
               <a:t>Click to edit Master title style</a:t>
             </a:r>
             <a:endParaRPr lang="de-DE" dirty="0"/>
@@ -4697,7 +4696,7 @@
           <a:p>
             <a:pPr lvl="0"/>
             <a:r>
-              <a:rPr lang="en-GB" noProof="0" dirty="0" smtClean="0"/>
+              <a:rPr lang="en-GB" noProof="0" dirty="0"/>
               <a:t>Click to edit Master text styles</a:t>
             </a:r>
           </a:p>
@@ -4808,35 +4807,35 @@
           <a:p>
             <a:pPr lvl="0"/>
             <a:r>
-              <a:rPr lang="en-GB" noProof="0" dirty="0" smtClean="0"/>
+              <a:rPr lang="en-GB" noProof="0" dirty="0"/>
               <a:t>Click to edit Master text styles</a:t>
             </a:r>
           </a:p>
           <a:p>
             <a:pPr lvl="1"/>
             <a:r>
-              <a:rPr lang="en-GB" noProof="0" dirty="0" smtClean="0"/>
+              <a:rPr lang="en-GB" noProof="0" dirty="0"/>
               <a:t>Second level</a:t>
             </a:r>
           </a:p>
           <a:p>
             <a:pPr lvl="2"/>
             <a:r>
-              <a:rPr lang="en-GB" noProof="0" dirty="0" smtClean="0"/>
+              <a:rPr lang="en-GB" noProof="0" dirty="0"/>
               <a:t>Third level</a:t>
             </a:r>
           </a:p>
           <a:p>
             <a:pPr lvl="3"/>
             <a:r>
-              <a:rPr lang="en-GB" noProof="0" dirty="0" smtClean="0"/>
+              <a:rPr lang="en-GB" noProof="0" dirty="0"/>
               <a:t>Fourth level</a:t>
             </a:r>
           </a:p>
           <a:p>
             <a:pPr lvl="4"/>
             <a:r>
-              <a:rPr lang="en-GB" noProof="0" dirty="0" smtClean="0"/>
+              <a:rPr lang="en-GB" noProof="0" dirty="0"/>
               <a:t>Fifth level</a:t>
             </a:r>
           </a:p>
@@ -4865,7 +4864,7 @@
           <a:lstStyle/>
           <a:p>
             <a:r>
-              <a:rPr lang="en-GB" dirty="0" smtClean="0"/>
+              <a:rPr lang="en-GB" dirty="0"/>
               <a:t>Click to edit Master title style</a:t>
             </a:r>
             <a:endParaRPr lang="de-DE" dirty="0"/>
@@ -4955,7 +4954,7 @@
           <a:p>
             <a:pPr lvl="0"/>
             <a:r>
-              <a:rPr lang="en-GB" noProof="0" dirty="0" smtClean="0"/>
+              <a:rPr lang="en-GB" noProof="0" dirty="0"/>
               <a:t>Click to edit Master text styles</a:t>
             </a:r>
           </a:p>
@@ -5064,35 +5063,35 @@
           <a:p>
             <a:pPr lvl="0"/>
             <a:r>
-              <a:rPr lang="en-GB" noProof="0" dirty="0" smtClean="0"/>
+              <a:rPr lang="en-GB" noProof="0" dirty="0"/>
               <a:t>Click to edit Master text styles</a:t>
             </a:r>
           </a:p>
           <a:p>
             <a:pPr lvl="1"/>
             <a:r>
-              <a:rPr lang="en-GB" noProof="0" dirty="0" smtClean="0"/>
+              <a:rPr lang="en-GB" noProof="0" dirty="0"/>
               <a:t>Second level</a:t>
             </a:r>
           </a:p>
           <a:p>
             <a:pPr lvl="2"/>
             <a:r>
-              <a:rPr lang="en-GB" noProof="0" dirty="0" smtClean="0"/>
+              <a:rPr lang="en-GB" noProof="0" dirty="0"/>
               <a:t>Third level</a:t>
             </a:r>
           </a:p>
           <a:p>
             <a:pPr lvl="3"/>
             <a:r>
-              <a:rPr lang="en-GB" noProof="0" dirty="0" smtClean="0"/>
+              <a:rPr lang="en-GB" noProof="0" dirty="0"/>
               <a:t>Fourth level</a:t>
             </a:r>
           </a:p>
           <a:p>
             <a:pPr lvl="4"/>
             <a:r>
-              <a:rPr lang="en-GB" noProof="0" dirty="0" smtClean="0"/>
+              <a:rPr lang="en-GB" noProof="0" dirty="0"/>
               <a:t>Fifth level</a:t>
             </a:r>
           </a:p>
@@ -5154,7 +5153,7 @@
           <a:lstStyle/>
           <a:p>
             <a:r>
-              <a:rPr lang="en-GB" dirty="0" smtClean="0"/>
+              <a:rPr lang="en-GB" dirty="0"/>
               <a:t>Click to edit Master title style</a:t>
             </a:r>
             <a:endParaRPr lang="de-DE" dirty="0"/>
@@ -5332,82 +5331,82 @@
           <a:p>
             <a:pPr lvl="0"/>
             <a:r>
-              <a:rPr lang="en-GB" altLang="en-US" dirty="0" err="1" smtClean="0"/>
+              <a:rPr lang="en-GB" altLang="en-US" dirty="0" err="1"/>
               <a:t>Mastertextformat</a:t>
             </a:r>
             <a:r>
-              <a:rPr lang="en-GB" altLang="en-US" dirty="0" smtClean="0"/>
+              <a:rPr lang="en-GB" altLang="en-US" dirty="0"/>
               <a:t> </a:t>
             </a:r>
             <a:r>
-              <a:rPr lang="en-GB" altLang="en-US" dirty="0" err="1" smtClean="0"/>
+              <a:rPr lang="en-GB" altLang="en-US" dirty="0" err="1"/>
               <a:t>bearbeiten</a:t>
             </a:r>
-            <a:endParaRPr lang="en-GB" altLang="en-US" dirty="0" smtClean="0"/>
+            <a:endParaRPr lang="en-GB" altLang="en-US" dirty="0"/>
           </a:p>
           <a:p>
             <a:pPr lvl="1"/>
             <a:r>
-              <a:rPr lang="en-GB" altLang="en-US" dirty="0" err="1" smtClean="0"/>
+              <a:rPr lang="en-GB" altLang="en-US" dirty="0" err="1"/>
               <a:t>Zweite</a:t>
             </a:r>
             <a:r>
-              <a:rPr lang="en-GB" altLang="en-US" dirty="0" smtClean="0"/>
+              <a:rPr lang="en-GB" altLang="en-US" dirty="0"/>
               <a:t> </a:t>
             </a:r>
             <a:r>
-              <a:rPr lang="en-GB" altLang="en-US" dirty="0" err="1" smtClean="0"/>
+              <a:rPr lang="en-GB" altLang="en-US" dirty="0" err="1"/>
               <a:t>Ebene</a:t>
             </a:r>
-            <a:endParaRPr lang="en-GB" altLang="en-US" dirty="0" smtClean="0"/>
+            <a:endParaRPr lang="en-GB" altLang="en-US" dirty="0"/>
           </a:p>
           <a:p>
             <a:pPr lvl="2"/>
             <a:r>
-              <a:rPr lang="en-GB" altLang="en-US" dirty="0" err="1" smtClean="0"/>
+              <a:rPr lang="en-GB" altLang="en-US" dirty="0" err="1"/>
               <a:t>Dritte</a:t>
             </a:r>
             <a:r>
-              <a:rPr lang="en-GB" altLang="en-US" dirty="0" smtClean="0"/>
+              <a:rPr lang="en-GB" altLang="en-US" dirty="0"/>
               <a:t> </a:t>
             </a:r>
             <a:r>
-              <a:rPr lang="en-GB" altLang="en-US" dirty="0" err="1" smtClean="0"/>
+              <a:rPr lang="en-GB" altLang="en-US" dirty="0" err="1"/>
               <a:t>Ebene</a:t>
             </a:r>
-            <a:endParaRPr lang="en-GB" altLang="en-US" dirty="0" smtClean="0"/>
+            <a:endParaRPr lang="en-GB" altLang="en-US" dirty="0"/>
           </a:p>
           <a:p>
             <a:pPr lvl="3"/>
             <a:r>
-              <a:rPr lang="en-GB" altLang="en-US" dirty="0" err="1" smtClean="0"/>
+              <a:rPr lang="en-GB" altLang="en-US" dirty="0" err="1"/>
               <a:t>Vierte</a:t>
             </a:r>
             <a:r>
-              <a:rPr lang="en-GB" altLang="en-US" dirty="0" smtClean="0"/>
+              <a:rPr lang="en-GB" altLang="en-US" dirty="0"/>
               <a:t> </a:t>
             </a:r>
             <a:r>
-              <a:rPr lang="en-GB" altLang="en-US" dirty="0" err="1" smtClean="0"/>
+              <a:rPr lang="en-GB" altLang="en-US" dirty="0" err="1"/>
               <a:t>Ebene</a:t>
             </a:r>
-            <a:endParaRPr lang="en-GB" altLang="en-US" dirty="0" smtClean="0"/>
+            <a:endParaRPr lang="en-GB" altLang="en-US" dirty="0"/>
           </a:p>
           <a:p>
             <a:pPr lvl="4"/>
             <a:r>
-              <a:rPr lang="en-GB" altLang="en-US" dirty="0" err="1" smtClean="0"/>
+              <a:rPr lang="en-GB" altLang="en-US" dirty="0" err="1"/>
               <a:t>Fünfte</a:t>
             </a:r>
             <a:r>
-              <a:rPr lang="en-GB" altLang="en-US" dirty="0" smtClean="0"/>
+              <a:rPr lang="en-GB" altLang="en-US" dirty="0"/>
               <a:t> </a:t>
             </a:r>
             <a:r>
-              <a:rPr lang="en-GB" altLang="en-US" dirty="0" err="1" smtClean="0"/>
+              <a:rPr lang="en-GB" altLang="en-US" dirty="0" err="1"/>
               <a:t>Ebene</a:t>
             </a:r>
-            <a:endParaRPr lang="en-GB" altLang="en-US" dirty="0" smtClean="0"/>
+            <a:endParaRPr lang="en-GB" altLang="en-US" dirty="0"/>
           </a:p>
         </p:txBody>
       </p:sp>
@@ -5481,10 +5480,9 @@
           <a:lstStyle/>
           <a:p>
             <a:r>
-              <a:rPr lang="de-DE" dirty="0" smtClean="0"/>
+              <a:rPr lang="de-DE" dirty="0"/>
               <a:t>Titleslide</a:t>
             </a:r>
-            <a:endParaRPr lang="de-DE" dirty="0"/>
           </a:p>
         </p:txBody>
       </p:sp>
@@ -5566,7 +5564,7 @@
           <a:p>
             <a:pPr algn="l"/>
             <a:r>
-              <a:rPr kumimoji="0" lang="en-GB" sz="975" b="0" i="0" u="none" kern="1200" baseline="0" dirty="0" smtClean="0">
+              <a:rPr kumimoji="0" lang="en-GB" sz="975" b="0" i="0" u="none" kern="1200" baseline="0" dirty="0">
                 <a:solidFill>
                   <a:srgbClr val="898989"/>
                 </a:solidFill>
@@ -5577,7 +5575,7 @@
               <a:t>GFT </a:t>
             </a:r>
             <a:r>
-              <a:rPr kumimoji="0" lang="pl-PL" sz="975" b="0" i="0" u="none" kern="1200" baseline="0" dirty="0" smtClean="0">
+              <a:rPr kumimoji="0" lang="pl-PL" sz="975" b="0" i="0" u="none" kern="1200" baseline="0" dirty="0">
                 <a:solidFill>
                   <a:srgbClr val="898989"/>
                 </a:solidFill>
@@ -5587,7 +5585,7 @@
               </a:rPr>
               <a:t>PL</a:t>
             </a:r>
-            <a:endParaRPr kumimoji="0" lang="en-GB" sz="975" b="0" i="0" u="none" kern="1200" baseline="0" dirty="0" smtClean="0">
+            <a:endParaRPr kumimoji="0" lang="en-GB" sz="975" b="0" i="0" u="none" kern="1200" baseline="0" dirty="0">
               <a:solidFill>
                 <a:srgbClr val="898989"/>
               </a:solidFill>
@@ -5651,7 +5649,7 @@
               <a:pPr lvl="0"/>
               <a:t>‹#›</a:t>
             </a:fld>
-            <a:endParaRPr lang="en-GB" dirty="0" smtClean="0"/>
+            <a:endParaRPr lang="en-GB" dirty="0"/>
           </a:p>
         </p:txBody>
       </p:sp>
@@ -5687,9 +5685,9 @@
                 <a:ea typeface="MS PGothic" panose="020B0600070205080204" pitchFamily="34" charset="-128"/>
                 <a:cs typeface="+mn-cs"/>
               </a:rPr>
-              <a:t>19-Oct-15</a:t>
+              <a:t>27-Oct-16</a:t>
             </a:fld>
-            <a:endParaRPr kumimoji="0" lang="en-GB" sz="975" b="0" i="0" u="none" kern="1200" baseline="0" dirty="0" smtClean="0">
+            <a:endParaRPr kumimoji="0" lang="en-GB" sz="975" b="0" i="0" u="none" kern="1200" baseline="0" dirty="0">
               <a:solidFill>
                 <a:srgbClr val="898989"/>
               </a:solidFill>
@@ -5715,13 +5713,6 @@
   <p:transition spd="slow">
     <p:push dir="u"/>
   </p:transition>
-  <p:timing>
-    <p:tnLst>
-      <p:par>
-        <p:cTn id="1" dur="indefinite" restart="never" nodeType="tmRoot"/>
-      </p:par>
-    </p:tnLst>
-  </p:timing>
   <p:hf hdr="0"/>
   <p:txStyles>
     <p:titleStyle>
@@ -6279,30 +6270,18 @@
               <a:defRPr/>
             </a:pPr>
             <a:r>
-              <a:rPr lang="en-US" dirty="0" smtClean="0">
+              <a:rPr lang="en-US" dirty="0">
                 <a:ea typeface="MS PGothic" panose="020B0600070205080204" pitchFamily="34" charset="-128"/>
               </a:rPr>
               <a:t>Static testing techniques</a:t>
             </a:r>
-            <a:r>
-              <a:rPr lang="en-US" noProof="0" dirty="0" smtClean="0">
+            <a:br>
+              <a:rPr lang="en-US" noProof="0" dirty="0">
                 <a:ea typeface="MS PGothic" panose="020B0600070205080204" pitchFamily="34" charset="-128"/>
               </a:rPr>
-              <a:t/>
-            </a:r>
+            </a:br>
             <a:br>
-              <a:rPr lang="en-US" noProof="0" dirty="0" smtClean="0">
-                <a:ea typeface="MS PGothic" panose="020B0600070205080204" pitchFamily="34" charset="-128"/>
-              </a:rPr>
-            </a:br>
-            <a:r>
-              <a:rPr lang="en-US" noProof="0" dirty="0" smtClean="0">
-                <a:ea typeface="MS PGothic" panose="020B0600070205080204" pitchFamily="34" charset="-128"/>
-              </a:rPr>
-              <a:t/>
-            </a:r>
-            <a:br>
-              <a:rPr lang="en-US" noProof="0" dirty="0" smtClean="0">
+              <a:rPr lang="en-US" noProof="0" dirty="0">
                 <a:ea typeface="MS PGothic" panose="020B0600070205080204" pitchFamily="34" charset="-128"/>
               </a:rPr>
             </a:br>
@@ -6353,18 +6332,7 @@
                 <a:ea typeface="MS PGothic" panose="020B0600070205080204" pitchFamily="34" charset="-128"/>
                 <a:cs typeface="ＭＳ Ｐゴシック" charset="0"/>
               </a:rPr>
-              <a:t> </a:t>
-            </a:r>
-            <a:r>
-              <a:rPr lang="pl-PL" sz="1200" spc="-54" dirty="0" smtClean="0">
-                <a:solidFill>
-                  <a:srgbClr val="213E7F"/>
-                </a:solidFill>
-                <a:latin typeface="+mj-lt"/>
-                <a:ea typeface="MS PGothic" panose="020B0600070205080204" pitchFamily="34" charset="-128"/>
-                <a:cs typeface="ＭＳ Ｐゴシック" charset="0"/>
-              </a:rPr>
-              <a:t>Jacek Okrojek</a:t>
+              <a:t> Jacek Okrojek</a:t>
             </a:r>
             <a:endParaRPr lang="en-GB" sz="1200" spc="-54" dirty="0">
               <a:solidFill>
@@ -6377,7 +6345,7 @@
           </a:p>
           <a:p>
             <a:r>
-              <a:rPr lang="pl-PL" sz="1200" spc="-54" dirty="0" smtClean="0">
+              <a:rPr lang="pl-PL" sz="1200" spc="-54" dirty="0">
                 <a:solidFill>
                   <a:srgbClr val="213E7F"/>
                 </a:solidFill>
@@ -6388,7 +6356,7 @@
               <a:t>13 </a:t>
             </a:r>
             <a:r>
-              <a:rPr lang="pl-PL" sz="1200" spc="-54" dirty="0" err="1" smtClean="0">
+              <a:rPr lang="pl-PL" sz="1200" spc="-54" dirty="0" err="1">
                 <a:solidFill>
                   <a:srgbClr val="213E7F"/>
                 </a:solidFill>
@@ -6399,18 +6367,7 @@
               <a:t>October</a:t>
             </a:r>
             <a:r>
-              <a:rPr lang="pl-PL" sz="1200" spc="-54" dirty="0" smtClean="0">
-                <a:solidFill>
-                  <a:srgbClr val="213E7F"/>
-                </a:solidFill>
-                <a:latin typeface="+mj-lt"/>
-                <a:ea typeface="MS PGothic" panose="020B0600070205080204" pitchFamily="34" charset="-128"/>
-                <a:cs typeface="ＭＳ Ｐゴシック" charset="0"/>
-              </a:rPr>
-              <a:t> </a:t>
-            </a:r>
-            <a:r>
-              <a:rPr lang="en-GB" sz="1200" spc="-54" dirty="0" smtClean="0">
+              <a:rPr lang="pl-PL" sz="1200" spc="-54" dirty="0">
                 <a:solidFill>
                   <a:srgbClr val="213E7F"/>
                 </a:solidFill>
@@ -6429,7 +6386,7 @@
                 <a:ea typeface="MS PGothic" panose="020B0600070205080204" pitchFamily="34" charset="-128"/>
                 <a:cs typeface="ＭＳ Ｐゴシック" charset="0"/>
               </a:rPr>
-              <a:t>2015</a:t>
+              <a:t> 2015</a:t>
             </a:r>
           </a:p>
           <a:p>
@@ -6453,18 +6410,7 @@
                 <a:ea typeface="MS PGothic" panose="020B0600070205080204" pitchFamily="34" charset="-128"/>
                 <a:cs typeface="ＭＳ Ｐゴシック" charset="0"/>
               </a:rPr>
-              <a:t> </a:t>
-            </a:r>
-            <a:r>
-              <a:rPr lang="pl-PL" sz="1200" spc="-54" dirty="0" smtClean="0">
-                <a:solidFill>
-                  <a:srgbClr val="213E7F"/>
-                </a:solidFill>
-                <a:latin typeface="+mj-lt"/>
-                <a:ea typeface="MS PGothic" panose="020B0600070205080204" pitchFamily="34" charset="-128"/>
-                <a:cs typeface="ＭＳ Ｐゴシック" charset="0"/>
-              </a:rPr>
-              <a:t>1.0</a:t>
+              <a:t> 1.0</a:t>
             </a:r>
             <a:endParaRPr lang="en-GB" sz="1200" spc="-54" dirty="0">
               <a:solidFill>
@@ -6490,13 +6436,6 @@
   <p:transition spd="slow">
     <p:push dir="u"/>
   </p:transition>
-  <p:timing>
-    <p:tnLst>
-      <p:par>
-        <p:cTn id="1" dur="indefinite" restart="never" nodeType="tmRoot"/>
-      </p:par>
-    </p:tnLst>
-  </p:timing>
 </p:sld>
 </file>
 
@@ -6538,54 +6477,54 @@
           <a:lstStyle/>
           <a:p>
             <a:r>
-              <a:rPr lang="en-US" dirty="0" smtClean="0"/>
+              <a:rPr lang="en-US" dirty="0"/>
               <a:t>According to its definition by McCabe1996 </a:t>
             </a:r>
             <a:r>
-              <a:rPr lang="en-US" dirty="0" err="1" smtClean="0"/>
+              <a:rPr lang="en-US" dirty="0" err="1"/>
               <a:t>cyclomatic</a:t>
             </a:r>
             <a:r>
-              <a:rPr lang="en-US" dirty="0" smtClean="0"/>
+              <a:rPr lang="en-US" dirty="0"/>
               <a:t> complexity is the minimum number of paths that can, in (linear) combination, generate all possible paths through a method. Thus the complexity value can serve as an indication for the number of unit test cases to fully cover a certain piece of software. </a:t>
             </a:r>
           </a:p>
           <a:p>
             <a:r>
-              <a:rPr lang="en-US" dirty="0" err="1" smtClean="0"/>
+              <a:rPr lang="en-US" dirty="0" err="1"/>
               <a:t>JaCoCo</a:t>
             </a:r>
             <a:r>
-              <a:rPr lang="en-US" dirty="0" smtClean="0"/>
+              <a:rPr lang="en-US" dirty="0"/>
               <a:t> calculates </a:t>
             </a:r>
             <a:r>
-              <a:rPr lang="en-US" dirty="0" err="1" smtClean="0"/>
+              <a:rPr lang="en-US" dirty="0" err="1"/>
               <a:t>cyclomatic</a:t>
             </a:r>
             <a:r>
-              <a:rPr lang="en-US" dirty="0" smtClean="0"/>
+              <a:rPr lang="en-US" dirty="0"/>
               <a:t> complexity of a method with the following equivalent equation based on the number of branches (B) and the number of decision points (D):</a:t>
             </a:r>
           </a:p>
           <a:p>
             <a:pPr lvl="1"/>
             <a:r>
-              <a:rPr lang="en-US" dirty="0" smtClean="0"/>
+              <a:rPr lang="en-US" dirty="0"/>
               <a:t>v(G) = B - D + 1</a:t>
             </a:r>
           </a:p>
           <a:p>
             <a:r>
-              <a:rPr lang="en-US" dirty="0" smtClean="0"/>
+              <a:rPr lang="en-US" dirty="0"/>
               <a:t>There are studies showing that </a:t>
             </a:r>
             <a:r>
-              <a:rPr lang="en-US" dirty="0" err="1" smtClean="0"/>
+              <a:rPr lang="en-US" dirty="0" err="1"/>
               <a:t>cyclomatic</a:t>
             </a:r>
             <a:r>
-              <a:rPr lang="en-US" dirty="0" smtClean="0"/>
+              <a:rPr lang="en-US" dirty="0"/>
               <a:t> complexity lower then 8 leads to fewer faults and better quality but there is constant debate on how reliable are results of those studies</a:t>
             </a:r>
           </a:p>
@@ -6610,15 +6549,15 @@
           <a:lstStyle/>
           <a:p>
             <a:r>
-              <a:rPr lang="en-US" dirty="0" err="1" smtClean="0"/>
+              <a:rPr lang="en-US" dirty="0" err="1"/>
               <a:t>Cyclomatic</a:t>
             </a:r>
             <a:r>
-              <a:rPr lang="en-US" dirty="0" smtClean="0"/>
+              <a:rPr lang="en-US" dirty="0"/>
               <a:t> </a:t>
             </a:r>
             <a:r>
-              <a:rPr lang="en-US" dirty="0" err="1" smtClean="0"/>
+              <a:rPr lang="en-US" dirty="0" err="1"/>
               <a:t>comlexity</a:t>
             </a:r>
             <a:endParaRPr lang="en-US" dirty="0"/>
@@ -6707,131 +6646,85 @@
           <a:p>
             <a:pPr defTabSz="452438"/>
             <a:r>
-              <a:rPr lang="pl-PL" sz="1000" dirty="0" smtClean="0">
+              <a:rPr lang="pl-PL" sz="1000" dirty="0">
                 <a:latin typeface="Courier New" panose="02070309020205020404" pitchFamily="49" charset="0"/>
                 <a:cs typeface="Courier New" panose="02070309020205020404" pitchFamily="49" charset="0"/>
               </a:rPr>
               <a:t>	</a:t>
             </a:r>
             <a:r>
-              <a:rPr lang="pl-PL" sz="1000" dirty="0" err="1" smtClean="0">
+              <a:rPr lang="pl-PL" sz="1000" dirty="0" err="1">
                 <a:latin typeface="Courier New" panose="02070309020205020404" pitchFamily="49" charset="0"/>
                 <a:cs typeface="Courier New" panose="02070309020205020404" pitchFamily="49" charset="0"/>
               </a:rPr>
               <a:t>if</a:t>
             </a:r>
             <a:r>
-              <a:rPr lang="pl-PL" sz="1000" dirty="0" smtClean="0">
-                <a:latin typeface="Courier New" panose="02070309020205020404" pitchFamily="49" charset="0"/>
-                <a:cs typeface="Courier New" panose="02070309020205020404" pitchFamily="49" charset="0"/>
-              </a:rPr>
-              <a:t>( A&gt;1 </a:t>
-            </a:r>
-            <a:r>
-              <a:rPr lang="pl-PL" sz="1000" dirty="0">
-                <a:latin typeface="Courier New" panose="02070309020205020404" pitchFamily="49" charset="0"/>
-                <a:cs typeface="Courier New" panose="02070309020205020404" pitchFamily="49" charset="0"/>
-              </a:rPr>
-              <a:t>&amp;&amp; </a:t>
-            </a:r>
-            <a:r>
-              <a:rPr lang="pl-PL" sz="1000" dirty="0" smtClean="0">
-                <a:latin typeface="Courier New" panose="02070309020205020404" pitchFamily="49" charset="0"/>
-                <a:cs typeface="Courier New" panose="02070309020205020404" pitchFamily="49" charset="0"/>
-              </a:rPr>
-              <a:t>B==0</a:t>
-            </a:r>
-            <a:r>
-              <a:rPr lang="pl-PL" sz="1000" dirty="0">
-                <a:latin typeface="Courier New" panose="02070309020205020404" pitchFamily="49" charset="0"/>
-                <a:cs typeface="Courier New" panose="02070309020205020404" pitchFamily="49" charset="0"/>
-              </a:rPr>
-              <a:t>) {</a:t>
+              <a:rPr lang="pl-PL" sz="1000" dirty="0">
+                <a:latin typeface="Courier New" panose="02070309020205020404" pitchFamily="49" charset="0"/>
+                <a:cs typeface="Courier New" panose="02070309020205020404" pitchFamily="49" charset="0"/>
+              </a:rPr>
+              <a:t>( A&gt;1 &amp;&amp; B==0) {</a:t>
             </a:r>
           </a:p>
           <a:p>
             <a:pPr defTabSz="452438"/>
             <a:r>
-              <a:rPr lang="pl-PL" sz="1000" dirty="0" smtClean="0">
-                <a:latin typeface="Courier New" panose="02070309020205020404" pitchFamily="49" charset="0"/>
-                <a:cs typeface="Courier New" panose="02070309020205020404" pitchFamily="49" charset="0"/>
-              </a:rPr>
-              <a:t>		X=X/A</a:t>
-            </a:r>
-            <a:r>
-              <a:rPr lang="pl-PL" sz="1000" dirty="0">
-                <a:latin typeface="Courier New" panose="02070309020205020404" pitchFamily="49" charset="0"/>
-                <a:cs typeface="Courier New" panose="02070309020205020404" pitchFamily="49" charset="0"/>
-              </a:rPr>
-              <a:t>;</a:t>
+              <a:rPr lang="pl-PL" sz="1000" dirty="0">
+                <a:latin typeface="Courier New" panose="02070309020205020404" pitchFamily="49" charset="0"/>
+                <a:cs typeface="Courier New" panose="02070309020205020404" pitchFamily="49" charset="0"/>
+              </a:rPr>
+              <a:t>		X=X/A;</a:t>
             </a:r>
           </a:p>
           <a:p>
             <a:pPr defTabSz="452438"/>
             <a:r>
-              <a:rPr lang="pl-PL" sz="1000" dirty="0" smtClean="0">
+              <a:rPr lang="pl-PL" sz="1000" dirty="0">
                 <a:latin typeface="Courier New" panose="02070309020205020404" pitchFamily="49" charset="0"/>
                 <a:cs typeface="Courier New" panose="02070309020205020404" pitchFamily="49" charset="0"/>
               </a:rPr>
               <a:t>	}</a:t>
             </a:r>
-            <a:endParaRPr lang="pl-PL" sz="1000" dirty="0">
-              <a:latin typeface="Courier New" panose="02070309020205020404" pitchFamily="49" charset="0"/>
-              <a:cs typeface="Courier New" panose="02070309020205020404" pitchFamily="49" charset="0"/>
-            </a:endParaRPr>
           </a:p>
           <a:p>
             <a:pPr defTabSz="452438"/>
             <a:r>
-              <a:rPr lang="pl-PL" sz="1000" dirty="0" smtClean="0">
+              <a:rPr lang="pl-PL" sz="1000" dirty="0">
                 <a:latin typeface="Courier New" panose="02070309020205020404" pitchFamily="49" charset="0"/>
                 <a:cs typeface="Courier New" panose="02070309020205020404" pitchFamily="49" charset="0"/>
               </a:rPr>
               <a:t>	</a:t>
             </a:r>
             <a:r>
-              <a:rPr lang="pl-PL" sz="1000" dirty="0" err="1" smtClean="0">
+              <a:rPr lang="pl-PL" sz="1000" dirty="0" err="1">
                 <a:latin typeface="Courier New" panose="02070309020205020404" pitchFamily="49" charset="0"/>
                 <a:cs typeface="Courier New" panose="02070309020205020404" pitchFamily="49" charset="0"/>
               </a:rPr>
               <a:t>if</a:t>
             </a:r>
             <a:r>
-              <a:rPr lang="pl-PL" sz="1000" dirty="0" smtClean="0">
-                <a:latin typeface="Courier New" panose="02070309020205020404" pitchFamily="49" charset="0"/>
-                <a:cs typeface="Courier New" panose="02070309020205020404" pitchFamily="49" charset="0"/>
-              </a:rPr>
-              <a:t>(A==2 || </a:t>
-            </a:r>
-            <a:r>
-              <a:rPr lang="pl-PL" sz="1000" dirty="0">
-                <a:latin typeface="Courier New" panose="02070309020205020404" pitchFamily="49" charset="0"/>
-                <a:cs typeface="Courier New" panose="02070309020205020404" pitchFamily="49" charset="0"/>
-              </a:rPr>
-              <a:t>X&gt;1) {</a:t>
+              <a:rPr lang="pl-PL" sz="1000" dirty="0">
+                <a:latin typeface="Courier New" panose="02070309020205020404" pitchFamily="49" charset="0"/>
+                <a:cs typeface="Courier New" panose="02070309020205020404" pitchFamily="49" charset="0"/>
+              </a:rPr>
+              <a:t>(A==2 || X&gt;1) {</a:t>
             </a:r>
           </a:p>
           <a:p>
             <a:pPr defTabSz="452438"/>
             <a:r>
-              <a:rPr lang="pl-PL" sz="1000" dirty="0" smtClean="0">
-                <a:latin typeface="Courier New" panose="02070309020205020404" pitchFamily="49" charset="0"/>
-                <a:cs typeface="Courier New" panose="02070309020205020404" pitchFamily="49" charset="0"/>
-              </a:rPr>
-              <a:t>		X=X+1</a:t>
-            </a:r>
-            <a:r>
-              <a:rPr lang="pl-PL" sz="1000" dirty="0">
-                <a:latin typeface="Courier New" panose="02070309020205020404" pitchFamily="49" charset="0"/>
-                <a:cs typeface="Courier New" panose="02070309020205020404" pitchFamily="49" charset="0"/>
-              </a:rPr>
-              <a:t>;</a:t>
+              <a:rPr lang="pl-PL" sz="1000" dirty="0">
+                <a:latin typeface="Courier New" panose="02070309020205020404" pitchFamily="49" charset="0"/>
+                <a:cs typeface="Courier New" panose="02070309020205020404" pitchFamily="49" charset="0"/>
+              </a:rPr>
+              <a:t>		X=X+1;</a:t>
             </a:r>
           </a:p>
           <a:p>
             <a:pPr defTabSz="452438"/>
             <a:r>
-              <a:rPr lang="pl-PL" sz="1000" dirty="0" smtClean="0">
+              <a:rPr lang="pl-PL" sz="1000" dirty="0">
                 <a:latin typeface="Courier New" panose="02070309020205020404" pitchFamily="49" charset="0"/>
                 <a:cs typeface="Courier New" panose="02070309020205020404" pitchFamily="49" charset="0"/>
               </a:rPr>
@@ -6845,19 +6738,8 @@
                 <a:latin typeface="Courier New" panose="02070309020205020404" pitchFamily="49" charset="0"/>
                 <a:cs typeface="Courier New" panose="02070309020205020404" pitchFamily="49" charset="0"/>
               </a:rPr>
-              <a:t>	</a:t>
-            </a:r>
-            <a:r>
-              <a:rPr lang="pl-PL" sz="1000" dirty="0" smtClean="0">
-                <a:latin typeface="Courier New" panose="02070309020205020404" pitchFamily="49" charset="0"/>
-                <a:cs typeface="Courier New" panose="02070309020205020404" pitchFamily="49" charset="0"/>
-              </a:rPr>
-              <a:t>return X;</a:t>
-            </a:r>
-            <a:endParaRPr lang="pl-PL" sz="1000" dirty="0">
-              <a:latin typeface="Courier New" panose="02070309020205020404" pitchFamily="49" charset="0"/>
-              <a:cs typeface="Courier New" panose="02070309020205020404" pitchFamily="49" charset="0"/>
-            </a:endParaRPr>
+              <a:t>	return X;</a:t>
+            </a:r>
           </a:p>
           <a:p>
             <a:pPr defTabSz="452438"/>
@@ -6927,7 +6809,7 @@
               <a:buNone/>
               <a:tabLst/>
             </a:pPr>
-            <a:endParaRPr kumimoji="0" lang="pl-PL" sz="1500" b="0" i="0" u="none" strike="noStrike" cap="none" normalizeH="0" baseline="0" smtClean="0">
+            <a:endParaRPr kumimoji="0" lang="pl-PL" sz="1500" b="0" i="0" u="none" strike="noStrike" cap="none" normalizeH="0" baseline="0">
               <a:ln>
                 <a:noFill/>
               </a:ln>
@@ -6992,7 +6874,7 @@
               <a:buNone/>
               <a:tabLst/>
             </a:pPr>
-            <a:endParaRPr kumimoji="0" lang="pl-PL" sz="1500" b="0" i="0" u="none" strike="noStrike" cap="none" normalizeH="0" baseline="0" smtClean="0">
+            <a:endParaRPr kumimoji="0" lang="pl-PL" sz="1500" b="0" i="0" u="none" strike="noStrike" cap="none" normalizeH="0" baseline="0">
               <a:ln>
                 <a:noFill/>
               </a:ln>
@@ -7057,7 +6939,7 @@
               <a:buNone/>
               <a:tabLst/>
             </a:pPr>
-            <a:endParaRPr kumimoji="0" lang="pl-PL" sz="1500" b="0" i="0" u="none" strike="noStrike" cap="none" normalizeH="0" baseline="0" smtClean="0">
+            <a:endParaRPr kumimoji="0" lang="pl-PL" sz="1500" b="0" i="0" u="none" strike="noStrike" cap="none" normalizeH="0" baseline="0">
               <a:ln>
                 <a:noFill/>
               </a:ln>
@@ -7122,7 +7004,7 @@
               <a:buNone/>
               <a:tabLst/>
             </a:pPr>
-            <a:endParaRPr kumimoji="0" lang="pl-PL" sz="1500" b="0" i="0" u="none" strike="noStrike" cap="none" normalizeH="0" baseline="0" smtClean="0">
+            <a:endParaRPr kumimoji="0" lang="pl-PL" sz="1500" b="0" i="0" u="none" strike="noStrike" cap="none" normalizeH="0" baseline="0">
               <a:ln>
                 <a:noFill/>
               </a:ln>
@@ -7187,7 +7069,7 @@
               <a:buNone/>
               <a:tabLst/>
             </a:pPr>
-            <a:endParaRPr kumimoji="0" lang="pl-PL" sz="1500" b="0" i="0" u="none" strike="noStrike" cap="none" normalizeH="0" baseline="0" smtClean="0">
+            <a:endParaRPr kumimoji="0" lang="pl-PL" sz="1500" b="0" i="0" u="none" strike="noStrike" cap="none" normalizeH="0" baseline="0">
               <a:ln>
                 <a:noFill/>
               </a:ln>
@@ -7252,7 +7134,7 @@
               <a:buNone/>
               <a:tabLst/>
             </a:pPr>
-            <a:endParaRPr kumimoji="0" lang="pl-PL" sz="1500" b="0" i="0" u="none" strike="noStrike" cap="none" normalizeH="0" baseline="0" smtClean="0">
+            <a:endParaRPr kumimoji="0" lang="pl-PL" sz="1500" b="0" i="0" u="none" strike="noStrike" cap="none" normalizeH="0" baseline="0">
               <a:ln>
                 <a:noFill/>
               </a:ln>
@@ -7317,7 +7199,7 @@
               <a:buNone/>
               <a:tabLst/>
             </a:pPr>
-            <a:endParaRPr kumimoji="0" lang="pl-PL" sz="1500" b="0" i="0" u="none" strike="noStrike" cap="none" normalizeH="0" baseline="0" smtClean="0">
+            <a:endParaRPr kumimoji="0" lang="pl-PL" sz="1500" b="0" i="0" u="none" strike="noStrike" cap="none" normalizeH="0" baseline="0">
               <a:ln>
                 <a:noFill/>
               </a:ln>
@@ -7343,13 +7225,6 @@
   <p:transition spd="slow">
     <p:push dir="u"/>
   </p:transition>
-  <p:timing>
-    <p:tnLst>
-      <p:par>
-        <p:cTn id="1" dur="indefinite" restart="never" nodeType="tmRoot"/>
-      </p:par>
-    </p:tnLst>
-  </p:timing>
 </p:sld>
 </file>
 
@@ -7408,149 +7283,140 @@
             </a:r>
             <a:r>
               <a:rPr lang="pl-PL" dirty="0"/>
-              <a:t> software (</a:t>
-            </a:r>
-            <a:r>
-              <a:rPr lang="pl-PL" dirty="0" smtClean="0"/>
-              <a:t>DO-178B)</a:t>
+              <a:t> software (DO-178B)</a:t>
+            </a:r>
+          </a:p>
+          <a:p>
+            <a:r>
+              <a:rPr lang="pl-PL" dirty="0" err="1"/>
+              <a:t>Higher</a:t>
+            </a:r>
+            <a:r>
+              <a:rPr lang="pl-PL" dirty="0"/>
+              <a:t> </a:t>
+            </a:r>
+            <a:r>
+              <a:rPr lang="pl-PL" dirty="0" err="1"/>
+              <a:t>coverage</a:t>
+            </a:r>
+            <a:r>
+              <a:rPr lang="pl-PL" dirty="0"/>
+              <a:t> for </a:t>
+            </a:r>
+            <a:r>
+              <a:rPr lang="pl-PL" dirty="0" err="1"/>
+              <a:t>critical</a:t>
+            </a:r>
+            <a:r>
+              <a:rPr lang="pl-PL" dirty="0"/>
+              <a:t> </a:t>
+            </a:r>
+            <a:r>
+              <a:rPr lang="pl-PL" dirty="0" err="1"/>
+              <a:t>or</a:t>
+            </a:r>
+            <a:r>
+              <a:rPr lang="pl-PL" dirty="0"/>
+              <a:t> </a:t>
+            </a:r>
+            <a:r>
+              <a:rPr lang="pl-PL" dirty="0" err="1"/>
+              <a:t>complex</a:t>
+            </a:r>
+            <a:r>
+              <a:rPr lang="pl-PL" dirty="0"/>
+              <a:t> </a:t>
+            </a:r>
+            <a:r>
+              <a:rPr lang="pl-PL" dirty="0" err="1"/>
+              <a:t>parts</a:t>
+            </a:r>
+            <a:r>
+              <a:rPr lang="pl-PL" dirty="0"/>
+              <a:t> of program</a:t>
+            </a:r>
+          </a:p>
+          <a:p>
+            <a:r>
+              <a:rPr lang="pl-PL" dirty="0" err="1"/>
+              <a:t>Usaully</a:t>
+            </a:r>
+            <a:r>
+              <a:rPr lang="pl-PL" dirty="0"/>
+              <a:t> 100% </a:t>
+            </a:r>
+            <a:r>
+              <a:rPr lang="pl-PL" dirty="0" err="1"/>
+              <a:t>coverage</a:t>
+            </a:r>
+            <a:r>
+              <a:rPr lang="pl-PL" dirty="0"/>
+              <a:t> </a:t>
+            </a:r>
+            <a:r>
+              <a:rPr lang="pl-PL" dirty="0" err="1"/>
+              <a:t>means</a:t>
+            </a:r>
+            <a:r>
+              <a:rPr lang="pl-PL" dirty="0"/>
+              <a:t> </a:t>
+            </a:r>
+            <a:r>
+              <a:rPr lang="pl-PL" dirty="0" err="1"/>
+              <a:t>that</a:t>
+            </a:r>
+            <a:r>
+              <a:rPr lang="pl-PL" dirty="0"/>
+              <a:t> test </a:t>
+            </a:r>
+            <a:r>
+              <a:rPr lang="pl-PL" dirty="0" err="1"/>
+              <a:t>were</a:t>
+            </a:r>
+            <a:r>
+              <a:rPr lang="pl-PL" dirty="0"/>
+              <a:t> </a:t>
+            </a:r>
+            <a:r>
+              <a:rPr lang="pl-PL" dirty="0" err="1"/>
+              <a:t>written</a:t>
+            </a:r>
+            <a:r>
+              <a:rPr lang="pl-PL" dirty="0"/>
+              <a:t> </a:t>
+            </a:r>
+            <a:r>
+              <a:rPr lang="pl-PL" dirty="0" err="1"/>
+              <a:t>only</a:t>
+            </a:r>
+            <a:r>
+              <a:rPr lang="pl-PL" dirty="0"/>
+              <a:t> to </a:t>
+            </a:r>
+            <a:r>
+              <a:rPr lang="pl-PL" dirty="0" err="1"/>
+              <a:t>satisfy</a:t>
+            </a:r>
+            <a:r>
+              <a:rPr lang="pl-PL" dirty="0"/>
+              <a:t> </a:t>
+            </a:r>
+            <a:r>
+              <a:rPr lang="pl-PL" dirty="0" err="1"/>
+              <a:t>criteria</a:t>
             </a:r>
             <a:endParaRPr lang="pl-PL" dirty="0"/>
           </a:p>
           <a:p>
-            <a:r>
-              <a:rPr lang="pl-PL" dirty="0" err="1" smtClean="0"/>
-              <a:t>Higher</a:t>
-            </a:r>
-            <a:r>
-              <a:rPr lang="pl-PL" dirty="0" smtClean="0"/>
-              <a:t> </a:t>
-            </a:r>
-            <a:r>
-              <a:rPr lang="pl-PL" dirty="0" err="1" smtClean="0"/>
-              <a:t>coverage</a:t>
-            </a:r>
-            <a:r>
-              <a:rPr lang="pl-PL" dirty="0" smtClean="0"/>
-              <a:t> for </a:t>
-            </a:r>
-            <a:r>
-              <a:rPr lang="pl-PL" dirty="0" err="1" smtClean="0"/>
-              <a:t>critical</a:t>
-            </a:r>
-            <a:r>
-              <a:rPr lang="pl-PL" dirty="0" smtClean="0"/>
-              <a:t> </a:t>
-            </a:r>
-            <a:r>
-              <a:rPr lang="pl-PL" dirty="0" err="1" smtClean="0"/>
-              <a:t>or</a:t>
-            </a:r>
-            <a:r>
-              <a:rPr lang="pl-PL" dirty="0" smtClean="0"/>
-              <a:t> </a:t>
-            </a:r>
-            <a:r>
-              <a:rPr lang="pl-PL" dirty="0" err="1" smtClean="0"/>
-              <a:t>complex</a:t>
-            </a:r>
-            <a:r>
-              <a:rPr lang="pl-PL" dirty="0" smtClean="0"/>
-              <a:t> </a:t>
-            </a:r>
-            <a:r>
-              <a:rPr lang="pl-PL" dirty="0" err="1" smtClean="0"/>
-              <a:t>parts</a:t>
-            </a:r>
-            <a:r>
-              <a:rPr lang="pl-PL" dirty="0" smtClean="0"/>
-              <a:t> of program</a:t>
-            </a:r>
-          </a:p>
-          <a:p>
-            <a:r>
-              <a:rPr lang="pl-PL" dirty="0" err="1" smtClean="0"/>
-              <a:t>Usaully</a:t>
-            </a:r>
-            <a:r>
-              <a:rPr lang="pl-PL" dirty="0" smtClean="0"/>
-              <a:t> 100% </a:t>
-            </a:r>
-            <a:r>
-              <a:rPr lang="pl-PL" dirty="0" err="1" smtClean="0"/>
-              <a:t>coverage</a:t>
-            </a:r>
-            <a:r>
-              <a:rPr lang="pl-PL" dirty="0" smtClean="0"/>
-              <a:t> </a:t>
-            </a:r>
-            <a:r>
-              <a:rPr lang="pl-PL" dirty="0" err="1" smtClean="0"/>
-              <a:t>means</a:t>
-            </a:r>
-            <a:r>
-              <a:rPr lang="pl-PL" dirty="0" smtClean="0"/>
-              <a:t> </a:t>
-            </a:r>
-            <a:r>
-              <a:rPr lang="pl-PL" dirty="0" err="1" smtClean="0"/>
-              <a:t>that</a:t>
-            </a:r>
-            <a:r>
-              <a:rPr lang="pl-PL" dirty="0" smtClean="0"/>
-              <a:t> test </a:t>
-            </a:r>
-            <a:r>
-              <a:rPr lang="pl-PL" dirty="0" err="1" smtClean="0"/>
-              <a:t>were</a:t>
-            </a:r>
-            <a:r>
-              <a:rPr lang="pl-PL" dirty="0" smtClean="0"/>
-              <a:t> </a:t>
-            </a:r>
-            <a:r>
-              <a:rPr lang="pl-PL" dirty="0" err="1" smtClean="0"/>
-              <a:t>written</a:t>
-            </a:r>
-            <a:r>
-              <a:rPr lang="pl-PL" dirty="0" smtClean="0"/>
-              <a:t> </a:t>
-            </a:r>
-            <a:r>
-              <a:rPr lang="pl-PL" dirty="0" err="1" smtClean="0"/>
-              <a:t>only</a:t>
-            </a:r>
-            <a:r>
-              <a:rPr lang="pl-PL" dirty="0" smtClean="0"/>
-              <a:t> to </a:t>
-            </a:r>
-            <a:r>
-              <a:rPr lang="pl-PL" dirty="0" err="1" smtClean="0"/>
-              <a:t>satisfy</a:t>
-            </a:r>
-            <a:r>
-              <a:rPr lang="pl-PL" dirty="0" smtClean="0"/>
-              <a:t> </a:t>
-            </a:r>
-            <a:r>
-              <a:rPr lang="pl-PL" dirty="0" err="1" smtClean="0"/>
-              <a:t>criteria</a:t>
-            </a:r>
             <a:endParaRPr lang="pl-PL" dirty="0"/>
-          </a:p>
-          <a:p>
-            <a:endParaRPr lang="pl-PL" dirty="0" smtClean="0"/>
           </a:p>
           <a:p>
             <a:pPr marL="714375" indent="0">
               <a:buNone/>
             </a:pPr>
             <a:r>
-              <a:rPr lang="pl-PL" i="1" dirty="0" smtClean="0"/>
-              <a:t>"</a:t>
-            </a:r>
-            <a:r>
               <a:rPr lang="pl-PL" i="1" dirty="0"/>
-              <a:t>100% </a:t>
+              <a:t>"100% </a:t>
             </a:r>
             <a:r>
               <a:rPr lang="pl-PL" i="1" dirty="0" err="1"/>
@@ -7682,7 +7548,7 @@
             </a:r>
           </a:p>
           <a:p>
-            <a:endParaRPr lang="pl-PL" dirty="0" smtClean="0"/>
+            <a:endParaRPr lang="pl-PL" dirty="0"/>
           </a:p>
           <a:p>
             <a:endParaRPr lang="en-US" dirty="0"/>
@@ -7705,27 +7571,27 @@
           <a:lstStyle/>
           <a:p>
             <a:r>
-              <a:rPr lang="pl-PL" dirty="0" smtClean="0"/>
+              <a:rPr lang="pl-PL" dirty="0"/>
               <a:t>How much </a:t>
             </a:r>
             <a:r>
-              <a:rPr lang="pl-PL" dirty="0" err="1" smtClean="0"/>
+              <a:rPr lang="pl-PL" dirty="0" err="1"/>
               <a:t>should</a:t>
             </a:r>
             <a:r>
-              <a:rPr lang="pl-PL" dirty="0" smtClean="0"/>
+              <a:rPr lang="pl-PL" dirty="0"/>
               <a:t> </a:t>
             </a:r>
             <a:r>
-              <a:rPr lang="pl-PL" dirty="0" err="1" smtClean="0"/>
+              <a:rPr lang="pl-PL" dirty="0" err="1"/>
               <a:t>you</a:t>
             </a:r>
             <a:r>
-              <a:rPr lang="pl-PL" dirty="0" smtClean="0"/>
+              <a:rPr lang="pl-PL" dirty="0"/>
               <a:t> </a:t>
             </a:r>
             <a:r>
-              <a:rPr lang="pl-PL" dirty="0" err="1" smtClean="0"/>
+              <a:rPr lang="pl-PL" dirty="0" err="1"/>
               <a:t>achieve</a:t>
             </a:r>
             <a:endParaRPr lang="en-US" dirty="0"/>
@@ -7745,13 +7611,6 @@
   <p:transition spd="slow">
     <p:push dir="u"/>
   </p:transition>
-  <p:timing>
-    <p:tnLst>
-      <p:par>
-        <p:cTn id="1" dur="indefinite" restart="never" nodeType="tmRoot"/>
-      </p:par>
-    </p:tnLst>
-  </p:timing>
 </p:sld>
 </file>
 
@@ -7793,70 +7652,70 @@
           <a:lstStyle/>
           <a:p>
             <a:r>
-              <a:rPr lang="en-US" dirty="0" smtClean="0"/>
+              <a:rPr lang="en-US" dirty="0"/>
               <a:t>Build tool</a:t>
             </a:r>
           </a:p>
           <a:p>
             <a:r>
-              <a:rPr lang="en-US" dirty="0" err="1" smtClean="0"/>
+              <a:rPr lang="en-US" dirty="0" err="1"/>
               <a:t>Build.gradle</a:t>
             </a:r>
             <a:r>
-              <a:rPr lang="en-US" dirty="0" smtClean="0"/>
+              <a:rPr lang="en-US" dirty="0"/>
               <a:t> file used for configuration</a:t>
             </a:r>
           </a:p>
           <a:p>
             <a:r>
-              <a:rPr lang="en-US" dirty="0" smtClean="0"/>
+              <a:rPr lang="en-US" dirty="0"/>
               <a:t>Java plugin assumes that</a:t>
             </a:r>
           </a:p>
           <a:p>
             <a:pPr lvl="1"/>
             <a:r>
-              <a:rPr lang="en-US" dirty="0" smtClean="0"/>
+              <a:rPr lang="en-US" dirty="0"/>
               <a:t>/</a:t>
             </a:r>
             <a:r>
-              <a:rPr lang="en-US" dirty="0" err="1" smtClean="0"/>
+              <a:rPr lang="en-US" dirty="0" err="1"/>
               <a:t>src</a:t>
             </a:r>
             <a:r>
-              <a:rPr lang="en-US" dirty="0" smtClean="0"/>
+              <a:rPr lang="en-US" dirty="0"/>
               <a:t>/main/java</a:t>
             </a:r>
           </a:p>
           <a:p>
             <a:pPr lvl="1"/>
             <a:r>
-              <a:rPr lang="en-US" dirty="0" smtClean="0"/>
+              <a:rPr lang="en-US" dirty="0"/>
               <a:t>/</a:t>
             </a:r>
             <a:r>
-              <a:rPr lang="en-US" dirty="0" err="1" smtClean="0"/>
+              <a:rPr lang="en-US" dirty="0" err="1"/>
               <a:t>src</a:t>
             </a:r>
             <a:r>
-              <a:rPr lang="en-US" dirty="0" smtClean="0"/>
+              <a:rPr lang="en-US" dirty="0"/>
               <a:t>/test/java</a:t>
             </a:r>
           </a:p>
           <a:p>
             <a:r>
-              <a:rPr lang="en-US" dirty="0" smtClean="0"/>
+              <a:rPr lang="en-US" dirty="0"/>
               <a:t>Building project</a:t>
             </a:r>
           </a:p>
           <a:p>
             <a:pPr lvl="1"/>
             <a:r>
-              <a:rPr lang="en-US" dirty="0" err="1" smtClean="0"/>
+              <a:rPr lang="en-US" dirty="0" err="1"/>
               <a:t>gradle</a:t>
             </a:r>
             <a:r>
-              <a:rPr lang="en-US" dirty="0" smtClean="0"/>
+              <a:rPr lang="en-US" dirty="0"/>
               <a:t> build</a:t>
             </a:r>
           </a:p>
@@ -7884,7 +7743,7 @@
           <a:lstStyle/>
           <a:p>
             <a:r>
-              <a:rPr lang="en-US" dirty="0" err="1" smtClean="0"/>
+              <a:rPr lang="en-US" dirty="0" err="1"/>
               <a:t>Gradle</a:t>
             </a:r>
             <a:endParaRPr lang="en-US" dirty="0"/>
@@ -7967,13 +7826,6 @@
                 <a:cs typeface="Courier New" panose="02070309020205020404" pitchFamily="49" charset="0"/>
               </a:rPr>
             </a:br>
-            <a:r>
-              <a:rPr lang="pl-PL" sz="1000" dirty="0">
-                <a:latin typeface="Courier New" panose="02070309020205020404" pitchFamily="49" charset="0"/>
-                <a:cs typeface="Courier New" panose="02070309020205020404" pitchFamily="49" charset="0"/>
-              </a:rPr>
-              <a:t/>
-            </a:r>
             <a:br>
               <a:rPr lang="pl-PL" sz="1000" dirty="0">
                 <a:latin typeface="Courier New" panose="02070309020205020404" pitchFamily="49" charset="0"/>
@@ -8013,13 +7865,6 @@
                 <a:cs typeface="Courier New" panose="02070309020205020404" pitchFamily="49" charset="0"/>
               </a:rPr>
             </a:br>
-            <a:r>
-              <a:rPr lang="pl-PL" sz="1000" dirty="0">
-                <a:latin typeface="Courier New" panose="02070309020205020404" pitchFamily="49" charset="0"/>
-                <a:cs typeface="Courier New" panose="02070309020205020404" pitchFamily="49" charset="0"/>
-              </a:rPr>
-              <a:t/>
-            </a:r>
             <a:br>
               <a:rPr lang="pl-PL" sz="1000" dirty="0">
                 <a:latin typeface="Courier New" panose="02070309020205020404" pitchFamily="49" charset="0"/>
@@ -8086,13 +7931,6 @@
                 <a:cs typeface="Courier New" panose="02070309020205020404" pitchFamily="49" charset="0"/>
               </a:rPr>
             </a:br>
-            <a:r>
-              <a:rPr lang="pl-PL" sz="1000" dirty="0">
-                <a:latin typeface="Courier New" panose="02070309020205020404" pitchFamily="49" charset="0"/>
-                <a:cs typeface="Courier New" panose="02070309020205020404" pitchFamily="49" charset="0"/>
-              </a:rPr>
-              <a:t/>
-            </a:r>
             <a:br>
               <a:rPr lang="pl-PL" sz="1000" dirty="0">
                 <a:latin typeface="Courier New" panose="02070309020205020404" pitchFamily="49" charset="0"/>
@@ -8194,21 +8032,7 @@
                 <a:latin typeface="Courier New" panose="02070309020205020404" pitchFamily="49" charset="0"/>
                 <a:cs typeface="Courier New" panose="02070309020205020404" pitchFamily="49" charset="0"/>
               </a:rPr>
-              <a:t>', version: </a:t>
-            </a:r>
-            <a:r>
-              <a:rPr lang="pl-PL" sz="1000" dirty="0" smtClean="0">
-                <a:latin typeface="Courier New" panose="02070309020205020404" pitchFamily="49" charset="0"/>
-                <a:cs typeface="Courier New" panose="02070309020205020404" pitchFamily="49" charset="0"/>
-              </a:rPr>
-              <a:t>'4.11'</a:t>
-            </a:r>
-            <a:r>
-              <a:rPr lang="pl-PL" sz="1000" dirty="0">
-                <a:latin typeface="Courier New" panose="02070309020205020404" pitchFamily="49" charset="0"/>
-                <a:cs typeface="Courier New" panose="02070309020205020404" pitchFamily="49" charset="0"/>
-              </a:rPr>
-              <a:t/>
+              <a:t>', version: '4.11'</a:t>
             </a:r>
             <a:br>
               <a:rPr lang="pl-PL" sz="1000" dirty="0">
@@ -8217,16 +8041,12 @@
               </a:rPr>
             </a:br>
             <a:r>
-              <a:rPr lang="pl-PL" sz="1000" dirty="0" smtClean="0">
+              <a:rPr lang="pl-PL" sz="1000" dirty="0">
                 <a:latin typeface="Courier New" panose="02070309020205020404" pitchFamily="49" charset="0"/>
                 <a:cs typeface="Courier New" panose="02070309020205020404" pitchFamily="49" charset="0"/>
               </a:rPr>
               <a:t>}</a:t>
             </a:r>
-            <a:endParaRPr lang="pl-PL" sz="1000" dirty="0">
-              <a:latin typeface="Courier New" panose="02070309020205020404" pitchFamily="49" charset="0"/>
-              <a:cs typeface="Courier New" panose="02070309020205020404" pitchFamily="49" charset="0"/>
-            </a:endParaRPr>
           </a:p>
         </p:txBody>
       </p:sp>
@@ -8494,10 +8314,10 @@
               <a:buNone/>
             </a:pPr>
             <a:r>
-              <a:rPr lang="pl-PL" sz="1200" b="1" kern="0" dirty="0" err="1" smtClean="0"/>
+              <a:rPr lang="pl-PL" sz="1200" b="1" kern="0" dirty="0" err="1"/>
               <a:t>References</a:t>
             </a:r>
-            <a:endParaRPr lang="pl-PL" sz="1200" b="1" kern="0" dirty="0" smtClean="0"/>
+            <a:endParaRPr lang="pl-PL" sz="1200" b="1" kern="0" dirty="0"/>
           </a:p>
           <a:p>
             <a:pPr marL="0" indent="0">
@@ -8505,28 +8325,28 @@
               <a:buNone/>
             </a:pPr>
             <a:r>
-              <a:rPr lang="pl-PL" sz="1200" kern="0" dirty="0" err="1" smtClean="0"/>
+              <a:rPr lang="pl-PL" sz="1200" kern="0" dirty="0" err="1"/>
               <a:t>Gradle</a:t>
             </a:r>
             <a:r>
-              <a:rPr lang="pl-PL" sz="1200" kern="0" dirty="0" smtClean="0"/>
+              <a:rPr lang="pl-PL" sz="1200" kern="0" dirty="0"/>
               <a:t> </a:t>
             </a:r>
             <a:r>
-              <a:rPr lang="pl-PL" sz="1200" kern="0" dirty="0" err="1" smtClean="0"/>
+              <a:rPr lang="pl-PL" sz="1200" kern="0" dirty="0" err="1"/>
               <a:t>Quick</a:t>
             </a:r>
             <a:r>
-              <a:rPr lang="pl-PL" sz="1200" kern="0" dirty="0" smtClean="0"/>
+              <a:rPr lang="pl-PL" sz="1200" kern="0" dirty="0"/>
               <a:t> Start to Java </a:t>
             </a:r>
             <a:r>
-              <a:rPr lang="en-US" sz="1200" kern="0" dirty="0" smtClean="0">
+              <a:rPr lang="en-US" sz="1200" kern="0" dirty="0">
                 <a:hlinkClick r:id="rId4"/>
               </a:rPr>
               <a:t>https://docs.gradle.org/current/userguide/tutorial_java_projects.html</a:t>
             </a:r>
-            <a:endParaRPr lang="pl-PL" sz="1200" kern="0" dirty="0" smtClean="0"/>
+            <a:endParaRPr lang="pl-PL" sz="1200" kern="0" dirty="0"/>
           </a:p>
           <a:p>
             <a:pPr marL="0" indent="0">
@@ -8534,44 +8354,44 @@
               <a:buNone/>
             </a:pPr>
             <a:r>
-              <a:rPr lang="pl-PL" sz="1200" kern="0" dirty="0" err="1" smtClean="0"/>
+              <a:rPr lang="pl-PL" sz="1200" kern="0" dirty="0" err="1"/>
               <a:t>Buildship</a:t>
             </a:r>
             <a:r>
-              <a:rPr lang="pl-PL" sz="1200" kern="0" dirty="0" smtClean="0"/>
+              <a:rPr lang="pl-PL" sz="1200" kern="0" dirty="0"/>
               <a:t> – </a:t>
             </a:r>
             <a:r>
-              <a:rPr lang="pl-PL" sz="1200" kern="0" dirty="0" err="1" smtClean="0"/>
+              <a:rPr lang="pl-PL" sz="1200" kern="0" dirty="0" err="1"/>
               <a:t>Gradle</a:t>
-            </a:r>
-            <a:r>
-              <a:rPr lang="pl-PL" sz="1200" kern="0" dirty="0" smtClean="0"/>
-              <a:t> </a:t>
-            </a:r>
-            <a:r>
-              <a:rPr lang="pl-PL" sz="1200" kern="0" dirty="0" err="1" smtClean="0"/>
-              <a:t>plugin</a:t>
-            </a:r>
-            <a:r>
-              <a:rPr lang="pl-PL" sz="1200" kern="0" dirty="0" smtClean="0"/>
-              <a:t> for </a:t>
-            </a:r>
-            <a:r>
-              <a:rPr lang="pl-PL" sz="1200" kern="0" dirty="0" err="1" smtClean="0"/>
-              <a:t>Eclipse</a:t>
             </a:r>
             <a:r>
               <a:rPr lang="pl-PL" sz="1200" kern="0" dirty="0"/>
               <a:t> </a:t>
             </a:r>
             <a:r>
-              <a:rPr lang="en-US" sz="1200" kern="0" dirty="0" smtClean="0">
+              <a:rPr lang="pl-PL" sz="1200" kern="0" dirty="0" err="1"/>
+              <a:t>plugin</a:t>
+            </a:r>
+            <a:r>
+              <a:rPr lang="pl-PL" sz="1200" kern="0" dirty="0"/>
+              <a:t> for </a:t>
+            </a:r>
+            <a:r>
+              <a:rPr lang="pl-PL" sz="1200" kern="0" dirty="0" err="1"/>
+              <a:t>Eclipse</a:t>
+            </a:r>
+            <a:r>
+              <a:rPr lang="pl-PL" sz="1200" kern="0" dirty="0"/>
+              <a:t> </a:t>
+            </a:r>
+            <a:r>
+              <a:rPr lang="en-US" sz="1200" kern="0" dirty="0">
                 <a:hlinkClick r:id="rId5"/>
               </a:rPr>
               <a:t>http://projects.eclipse.org/projects/tools.buildship/downloads</a:t>
             </a:r>
-            <a:endParaRPr lang="pl-PL" sz="1200" kern="0" dirty="0" smtClean="0"/>
+            <a:endParaRPr lang="pl-PL" sz="1200" kern="0" dirty="0"/>
           </a:p>
           <a:p>
             <a:pPr marL="0" indent="0">
@@ -8595,13 +8415,6 @@
   <p:transition spd="slow">
     <p:push dir="u"/>
   </p:transition>
-  <p:timing>
-    <p:tnLst>
-      <p:par>
-        <p:cTn id="1" dur="indefinite" restart="never" nodeType="tmRoot"/>
-      </p:par>
-    </p:tnLst>
-  </p:timing>
 </p:sld>
 </file>
 
@@ -8643,24 +8456,24 @@
           <a:lstStyle/>
           <a:p>
             <a:r>
-              <a:rPr lang="en-US" dirty="0" smtClean="0"/>
+              <a:rPr lang="en-US" dirty="0"/>
               <a:t>Testing framework for Java programming language used for unit, integration, system and acceptance tests</a:t>
             </a:r>
           </a:p>
           <a:p>
             <a:r>
-              <a:rPr lang="en-US" dirty="0" smtClean="0"/>
+              <a:rPr lang="en-US" dirty="0"/>
               <a:t>Executes tests and provides tools for checking results</a:t>
             </a:r>
           </a:p>
           <a:p>
-            <a:endParaRPr lang="en-US" dirty="0" smtClean="0"/>
+            <a:endParaRPr lang="en-US" dirty="0"/>
           </a:p>
           <a:p>
             <a:pPr marL="0" indent="0">
               <a:buNone/>
             </a:pPr>
-            <a:endParaRPr lang="en-US" dirty="0" smtClean="0"/>
+            <a:endParaRPr lang="en-US" dirty="0"/>
           </a:p>
         </p:txBody>
       </p:sp>
@@ -8680,7 +8493,7 @@
           <a:lstStyle/>
           <a:p>
             <a:r>
-              <a:rPr lang="en-US" dirty="0" err="1" smtClean="0"/>
+              <a:rPr lang="en-US" dirty="0" err="1"/>
               <a:t>JUnit</a:t>
             </a:r>
             <a:endParaRPr lang="en-US" dirty="0"/>
@@ -8767,7 +8580,7 @@
               <a:t>org.junit.Assert</a:t>
             </a:r>
             <a:r>
-              <a:rPr lang="pl-PL" sz="1000" dirty="0" smtClean="0">
+              <a:rPr lang="pl-PL" sz="1000" dirty="0">
                 <a:latin typeface="Courier New" panose="02070309020205020404" pitchFamily="49" charset="0"/>
                 <a:cs typeface="Courier New" panose="02070309020205020404" pitchFamily="49" charset="0"/>
               </a:rPr>
@@ -9226,18 +9039,11 @@
           </a:p>
           <a:p>
             <a:r>
-              <a:rPr lang="pl-PL" sz="1000" dirty="0" smtClean="0">
-                <a:latin typeface="Courier New" panose="02070309020205020404" pitchFamily="49" charset="0"/>
-                <a:cs typeface="Courier New" panose="02070309020205020404" pitchFamily="49" charset="0"/>
-              </a:rPr>
-              <a:t>        </a:t>
-            </a:r>
-            <a:r>
-              <a:rPr lang="pl-PL" sz="1000" dirty="0">
-                <a:latin typeface="Courier New" panose="02070309020205020404" pitchFamily="49" charset="0"/>
-                <a:cs typeface="Courier New" panose="02070309020205020404" pitchFamily="49" charset="0"/>
-              </a:rPr>
-              <a:t>// </a:t>
+              <a:rPr lang="pl-PL" sz="1000" dirty="0">
+                <a:latin typeface="Courier New" panose="02070309020205020404" pitchFamily="49" charset="0"/>
+                <a:cs typeface="Courier New" panose="02070309020205020404" pitchFamily="49" charset="0"/>
+              </a:rPr>
+              <a:t>        // </a:t>
             </a:r>
             <a:r>
               <a:rPr lang="pl-PL" sz="1000" dirty="0" err="1">
@@ -9282,78 +9088,67 @@
               <a:t> one </a:t>
             </a:r>
             <a:r>
-              <a:rPr lang="pl-PL" sz="1000" dirty="0" err="1" smtClean="0">
+              <a:rPr lang="pl-PL" sz="1000" dirty="0" err="1">
                 <a:latin typeface="Courier New" panose="02070309020205020404" pitchFamily="49" charset="0"/>
                 <a:cs typeface="Courier New" panose="02070309020205020404" pitchFamily="49" charset="0"/>
               </a:rPr>
               <a:t>thing</a:t>
-            </a:r>
-            <a:endParaRPr lang="pl-PL" sz="1000" dirty="0" smtClean="0">
-              <a:latin typeface="Courier New" panose="02070309020205020404" pitchFamily="49" charset="0"/>
-              <a:cs typeface="Courier New" panose="02070309020205020404" pitchFamily="49" charset="0"/>
-            </a:endParaRPr>
-          </a:p>
-          <a:p>
-            <a:r>
-              <a:rPr lang="pl-PL" sz="1000" dirty="0">
-                <a:latin typeface="Courier New" panose="02070309020205020404" pitchFamily="49" charset="0"/>
-                <a:cs typeface="Courier New" panose="02070309020205020404" pitchFamily="49" charset="0"/>
-              </a:rPr>
-              <a:t> </a:t>
-            </a:r>
-            <a:r>
-              <a:rPr lang="pl-PL" sz="1000" dirty="0" smtClean="0">
-                <a:latin typeface="Courier New" panose="02070309020205020404" pitchFamily="49" charset="0"/>
-                <a:cs typeface="Courier New" panose="02070309020205020404" pitchFamily="49" charset="0"/>
-              </a:rPr>
-              <a:t>       </a:t>
-            </a:r>
-            <a:r>
-              <a:rPr lang="pl-PL" sz="1000" dirty="0" err="1" smtClean="0">
-                <a:latin typeface="Courier New" panose="02070309020205020404" pitchFamily="49" charset="0"/>
-                <a:cs typeface="Courier New" panose="02070309020205020404" pitchFamily="49" charset="0"/>
-              </a:rPr>
-              <a:t>assertEquals</a:t>
-            </a:r>
-            <a:r>
-              <a:rPr lang="pl-PL" sz="1000" dirty="0" smtClean="0">
-                <a:latin typeface="Courier New" panose="02070309020205020404" pitchFamily="49" charset="0"/>
-                <a:cs typeface="Courier New" panose="02070309020205020404" pitchFamily="49" charset="0"/>
-              </a:rPr>
-              <a:t>(</a:t>
-            </a:r>
-            <a:r>
-              <a:rPr lang="pl-PL" sz="1000" dirty="0" err="1" smtClean="0">
-                <a:latin typeface="Courier New" panose="02070309020205020404" pitchFamily="49" charset="0"/>
-                <a:cs typeface="Courier New" panose="02070309020205020404" pitchFamily="49" charset="0"/>
-              </a:rPr>
-              <a:t>expected</a:t>
-            </a:r>
-            <a:r>
-              <a:rPr lang="pl-PL" sz="1000" dirty="0" smtClean="0">
-                <a:latin typeface="Courier New" panose="02070309020205020404" pitchFamily="49" charset="0"/>
-                <a:cs typeface="Courier New" panose="02070309020205020404" pitchFamily="49" charset="0"/>
-              </a:rPr>
-              <a:t>, </a:t>
-            </a:r>
-            <a:r>
-              <a:rPr lang="pl-PL" sz="1000" dirty="0" err="1" smtClean="0">
-                <a:latin typeface="Courier New" panose="02070309020205020404" pitchFamily="49" charset="0"/>
-                <a:cs typeface="Courier New" panose="02070309020205020404" pitchFamily="49" charset="0"/>
-              </a:rPr>
-              <a:t>actual</a:t>
-            </a:r>
-            <a:r>
-              <a:rPr lang="pl-PL" sz="1000" dirty="0" smtClean="0">
-                <a:latin typeface="Courier New" panose="02070309020205020404" pitchFamily="49" charset="0"/>
-                <a:cs typeface="Courier New" panose="02070309020205020404" pitchFamily="49" charset="0"/>
-              </a:rPr>
-              <a:t>);</a:t>
             </a:r>
             <a:endParaRPr lang="pl-PL" sz="1000" dirty="0">
               <a:latin typeface="Courier New" panose="02070309020205020404" pitchFamily="49" charset="0"/>
               <a:cs typeface="Courier New" panose="02070309020205020404" pitchFamily="49" charset="0"/>
             </a:endParaRPr>
+          </a:p>
+          <a:p>
+            <a:r>
+              <a:rPr lang="pl-PL" sz="1000" dirty="0">
+                <a:latin typeface="Courier New" panose="02070309020205020404" pitchFamily="49" charset="0"/>
+                <a:cs typeface="Courier New" panose="02070309020205020404" pitchFamily="49" charset="0"/>
+              </a:rPr>
+              <a:t>        </a:t>
+            </a:r>
+            <a:r>
+              <a:rPr lang="pl-PL" sz="1000" dirty="0" err="1">
+                <a:latin typeface="Courier New" panose="02070309020205020404" pitchFamily="49" charset="0"/>
+                <a:cs typeface="Courier New" panose="02070309020205020404" pitchFamily="49" charset="0"/>
+              </a:rPr>
+              <a:t>assertEquals</a:t>
+            </a:r>
+            <a:r>
+              <a:rPr lang="pl-PL" sz="1000" dirty="0">
+                <a:latin typeface="Courier New" panose="02070309020205020404" pitchFamily="49" charset="0"/>
+                <a:cs typeface="Courier New" panose="02070309020205020404" pitchFamily="49" charset="0"/>
+              </a:rPr>
+              <a:t>(</a:t>
+            </a:r>
+            <a:r>
+              <a:rPr lang="pl-PL" sz="1000" dirty="0" err="1">
+                <a:latin typeface="Courier New" panose="02070309020205020404" pitchFamily="49" charset="0"/>
+                <a:cs typeface="Courier New" panose="02070309020205020404" pitchFamily="49" charset="0"/>
+              </a:rPr>
+              <a:t>expected</a:t>
+            </a:r>
+            <a:r>
+              <a:rPr lang="pl-PL" sz="1000" dirty="0">
+                <a:latin typeface="Courier New" panose="02070309020205020404" pitchFamily="49" charset="0"/>
+                <a:cs typeface="Courier New" panose="02070309020205020404" pitchFamily="49" charset="0"/>
+              </a:rPr>
+              <a:t>, </a:t>
+            </a:r>
+            <a:r>
+              <a:rPr lang="pl-PL" sz="1000" dirty="0" err="1">
+                <a:latin typeface="Courier New" panose="02070309020205020404" pitchFamily="49" charset="0"/>
+                <a:cs typeface="Courier New" panose="02070309020205020404" pitchFamily="49" charset="0"/>
+              </a:rPr>
+              <a:t>actual</a:t>
+            </a:r>
+            <a:r>
+              <a:rPr lang="pl-PL" sz="1000" dirty="0">
+                <a:latin typeface="Courier New" panose="02070309020205020404" pitchFamily="49" charset="0"/>
+                <a:cs typeface="Courier New" panose="02070309020205020404" pitchFamily="49" charset="0"/>
+              </a:rPr>
+              <a:t>);</a:t>
+            </a:r>
           </a:p>
           <a:p>
             <a:r>
@@ -10000,52 +9795,46 @@
               <a:buNone/>
             </a:pPr>
             <a:r>
-              <a:rPr lang="pl-PL" sz="1200" b="1" kern="0" dirty="0" err="1" smtClean="0"/>
+              <a:rPr lang="pl-PL" sz="1200" b="1" kern="0" dirty="0" err="1"/>
               <a:t>References</a:t>
             </a:r>
-            <a:endParaRPr lang="pl-PL" sz="1200" b="1" kern="0" dirty="0" smtClean="0"/>
+            <a:endParaRPr lang="pl-PL" sz="1200" b="1" kern="0" dirty="0"/>
           </a:p>
           <a:p>
             <a:pPr marL="0" indent="0">
               <a:buNone/>
             </a:pPr>
             <a:r>
-              <a:rPr lang="pl-PL" sz="1200" kern="0" dirty="0" err="1" smtClean="0"/>
+              <a:rPr lang="pl-PL" sz="1200" kern="0" dirty="0" err="1"/>
               <a:t>JUnit</a:t>
             </a:r>
             <a:r>
-              <a:rPr lang="pl-PL" sz="1200" kern="0" dirty="0" smtClean="0"/>
+              <a:rPr lang="pl-PL" sz="1200" kern="0" dirty="0"/>
               <a:t> </a:t>
             </a:r>
             <a:r>
-              <a:rPr lang="pl-PL" sz="1200" kern="0" dirty="0" err="1" smtClean="0"/>
+              <a:rPr lang="pl-PL" sz="1200" kern="0" dirty="0" err="1"/>
               <a:t>home</a:t>
             </a:r>
             <a:r>
-              <a:rPr lang="pl-PL" sz="1200" kern="0" dirty="0" smtClean="0"/>
+              <a:rPr lang="pl-PL" sz="1200" kern="0" dirty="0"/>
               <a:t> </a:t>
             </a:r>
             <a:r>
-              <a:rPr lang="pl-PL" sz="1200" kern="0" dirty="0" err="1" smtClean="0"/>
+              <a:rPr lang="pl-PL" sz="1200" kern="0" dirty="0" err="1"/>
               <a:t>page</a:t>
             </a:r>
             <a:r>
-              <a:rPr lang="pl-PL" sz="1200" kern="0" dirty="0" smtClean="0"/>
+              <a:rPr lang="pl-PL" sz="1200" kern="0" dirty="0"/>
               <a:t> </a:t>
             </a:r>
             <a:r>
               <a:rPr lang="en-US" sz="1200" dirty="0">
                 <a:hlinkClick r:id="rId4"/>
               </a:rPr>
-              <a:t>http://junit.org</a:t>
-            </a:r>
-            <a:r>
-              <a:rPr lang="en-US" sz="1200" dirty="0" smtClean="0">
-                <a:hlinkClick r:id="rId4"/>
-              </a:rPr>
-              <a:t>/</a:t>
-            </a:r>
-            <a:endParaRPr lang="pl-PL" sz="1200" dirty="0" smtClean="0"/>
+              <a:t>http://junit.org/</a:t>
+            </a:r>
+            <a:endParaRPr lang="pl-PL" sz="1200" dirty="0"/>
           </a:p>
           <a:p>
             <a:pPr marL="0" indent="0">
@@ -10053,42 +9842,36 @@
               <a:buNone/>
             </a:pPr>
             <a:r>
-              <a:rPr lang="pl-PL" sz="1200" kern="0" dirty="0" err="1" smtClean="0"/>
+              <a:rPr lang="pl-PL" sz="1200" kern="0" dirty="0" err="1"/>
               <a:t>Junit</a:t>
             </a:r>
             <a:r>
-              <a:rPr lang="pl-PL" sz="1200" kern="0" dirty="0" smtClean="0"/>
+              <a:rPr lang="pl-PL" sz="1200" kern="0" dirty="0"/>
               <a:t> </a:t>
             </a:r>
             <a:r>
-              <a:rPr lang="pl-PL" sz="1200" kern="0" dirty="0" err="1" smtClean="0"/>
+              <a:rPr lang="pl-PL" sz="1200" kern="0" dirty="0" err="1"/>
               <a:t>assetion</a:t>
             </a:r>
             <a:r>
-              <a:rPr lang="pl-PL" sz="1200" kern="0" dirty="0" smtClean="0"/>
+              <a:rPr lang="pl-PL" sz="1200" kern="0" dirty="0"/>
               <a:t> </a:t>
             </a:r>
             <a:r>
-              <a:rPr lang="pl-PL" sz="1200" kern="0" dirty="0" err="1" smtClean="0"/>
+              <a:rPr lang="pl-PL" sz="1200" kern="0" dirty="0" err="1"/>
               <a:t>catalog</a:t>
             </a:r>
             <a:r>
-              <a:rPr lang="pl-PL" sz="1200" kern="0" dirty="0" smtClean="0"/>
+              <a:rPr lang="pl-PL" sz="1200" kern="0" dirty="0"/>
               <a:t> </a:t>
             </a:r>
             <a:r>
               <a:rPr lang="pl-PL" sz="1200" kern="0" dirty="0">
                 <a:hlinkClick r:id="rId5"/>
               </a:rPr>
-              <a:t>http://</a:t>
-            </a:r>
-            <a:r>
-              <a:rPr lang="pl-PL" sz="1200" kern="0" dirty="0" smtClean="0">
-                <a:hlinkClick r:id="rId5"/>
-              </a:rPr>
-              <a:t>junit.sourceforge.net/javadoc/org/junit/Assert.html</a:t>
-            </a:r>
-            <a:endParaRPr lang="pl-PL" sz="1200" kern="0" dirty="0" smtClean="0"/>
+              <a:t>http://junit.sourceforge.net/javadoc/org/junit/Assert.html</a:t>
+            </a:r>
+            <a:endParaRPr lang="pl-PL" sz="1200" kern="0" dirty="0"/>
           </a:p>
           <a:p>
             <a:pPr marL="0" indent="0">
@@ -10112,13 +9895,6 @@
   <p:transition spd="slow">
     <p:push dir="u"/>
   </p:transition>
-  <p:timing>
-    <p:tnLst>
-      <p:par>
-        <p:cTn id="1" dur="indefinite" restart="never" nodeType="tmRoot"/>
-      </p:par>
-    </p:tnLst>
-  </p:timing>
 </p:sld>
 </file>
 
@@ -10160,24 +9936,24 @@
           <a:lstStyle/>
           <a:p>
             <a:r>
-              <a:rPr lang="en-US" dirty="0" err="1" smtClean="0"/>
+              <a:rPr lang="en-US" dirty="0" err="1"/>
               <a:t>Jacoco</a:t>
             </a:r>
             <a:r>
-              <a:rPr lang="en-US" dirty="0" smtClean="0"/>
+              <a:rPr lang="en-US" dirty="0"/>
               <a:t> is a utility that helps developer assess coverage metrics.</a:t>
             </a:r>
           </a:p>
           <a:p>
             <a:r>
-              <a:rPr lang="en-US" dirty="0" smtClean="0"/>
+              <a:rPr lang="en-US" dirty="0"/>
               <a:t>Provides following counters:</a:t>
             </a:r>
           </a:p>
           <a:p>
             <a:pPr lvl="1"/>
             <a:r>
-              <a:rPr lang="en-US" dirty="0" smtClean="0"/>
+              <a:rPr lang="en-US" dirty="0"/>
               <a:t>Instructions (C0 Coverage)</a:t>
             </a:r>
           </a:p>
@@ -10186,30 +9962,30 @@
               <a:buNone/>
             </a:pPr>
             <a:r>
-              <a:rPr lang="en-US" dirty="0" smtClean="0"/>
+              <a:rPr lang="en-US" dirty="0"/>
               <a:t>The smallest unit </a:t>
             </a:r>
             <a:r>
-              <a:rPr lang="en-US" dirty="0" err="1" smtClean="0"/>
+              <a:rPr lang="en-US" dirty="0" err="1"/>
               <a:t>JaCoCo</a:t>
             </a:r>
             <a:r>
-              <a:rPr lang="en-US" dirty="0" smtClean="0"/>
+              <a:rPr lang="en-US" dirty="0"/>
               <a:t> counts are single Java byte code instructions. </a:t>
             </a:r>
             <a:r>
-              <a:rPr lang="en-US" i="1" dirty="0" smtClean="0"/>
+              <a:rPr lang="en-US" i="1" dirty="0"/>
               <a:t>Instruction coverage</a:t>
             </a:r>
             <a:r>
-              <a:rPr lang="en-US" dirty="0" smtClean="0"/>
+              <a:rPr lang="en-US" dirty="0"/>
               <a:t> provides information about the amount of code that has been executed or missed. This metric is completely independent from source formatting.</a:t>
             </a:r>
           </a:p>
           <a:p>
             <a:pPr lvl="1"/>
             <a:r>
-              <a:rPr lang="en-US" dirty="0" smtClean="0"/>
+              <a:rPr lang="en-US" dirty="0"/>
               <a:t>Branches (C1 Coverage)</a:t>
             </a:r>
           </a:p>
@@ -10218,37 +9994,37 @@
               <a:buNone/>
             </a:pPr>
             <a:r>
-              <a:rPr lang="en-US" dirty="0" smtClean="0"/>
+              <a:rPr lang="en-US" dirty="0"/>
               <a:t>This metric counts the total number of such branches in a method and determines the number of executed or missed branches.</a:t>
             </a:r>
           </a:p>
           <a:p>
             <a:pPr lvl="1"/>
             <a:r>
-              <a:rPr lang="en-US" dirty="0" err="1" smtClean="0"/>
+              <a:rPr lang="en-US" dirty="0" err="1"/>
               <a:t>Cyclomatic</a:t>
             </a:r>
             <a:r>
-              <a:rPr lang="en-US" dirty="0" smtClean="0"/>
+              <a:rPr lang="en-US" dirty="0"/>
               <a:t> Complexity</a:t>
             </a:r>
           </a:p>
           <a:p>
             <a:pPr lvl="1"/>
             <a:r>
-              <a:rPr lang="en-US" dirty="0" smtClean="0"/>
+              <a:rPr lang="en-US" dirty="0"/>
               <a:t>Lines</a:t>
             </a:r>
           </a:p>
           <a:p>
             <a:pPr lvl="1"/>
             <a:r>
-              <a:rPr lang="en-US" dirty="0" smtClean="0"/>
+              <a:rPr lang="en-US" dirty="0"/>
               <a:t>Methods</a:t>
             </a:r>
           </a:p>
           <a:p>
-            <a:endParaRPr lang="en-US" dirty="0" smtClean="0"/>
+            <a:endParaRPr lang="en-US" dirty="0"/>
           </a:p>
           <a:p>
             <a:endParaRPr lang="en-US" dirty="0"/>
@@ -10271,10 +10047,9 @@
           <a:lstStyle/>
           <a:p>
             <a:r>
-              <a:rPr lang="en-US" dirty="0" smtClean="0"/>
+              <a:rPr lang="en-US" dirty="0"/>
               <a:t>Coverage measurement</a:t>
             </a:r>
-            <a:endParaRPr lang="en-US" dirty="0"/>
           </a:p>
         </p:txBody>
       </p:sp>
@@ -10360,10 +10135,6 @@
             <a:br>
               <a:rPr lang="pl-PL" sz="1000" dirty="0"/>
             </a:br>
-            <a:r>
-              <a:rPr lang="pl-PL" sz="1000" dirty="0"/>
-              <a:t/>
-            </a:r>
             <a:br>
               <a:rPr lang="pl-PL" sz="1000" dirty="0"/>
             </a:br>
@@ -10385,10 +10156,6 @@
             <a:br>
               <a:rPr lang="pl-PL" sz="1000" dirty="0"/>
             </a:br>
-            <a:r>
-              <a:rPr lang="pl-PL" sz="1000" dirty="0"/>
-              <a:t/>
-            </a:r>
             <a:br>
               <a:rPr lang="pl-PL" sz="1000" dirty="0"/>
             </a:br>
@@ -10425,10 +10192,6 @@
             <a:br>
               <a:rPr lang="pl-PL" sz="1000" dirty="0"/>
             </a:br>
-            <a:r>
-              <a:rPr lang="pl-PL" sz="1000" dirty="0"/>
-              <a:t/>
-            </a:r>
             <a:br>
               <a:rPr lang="pl-PL" sz="1000" dirty="0"/>
             </a:br>
@@ -10497,10 +10260,6 @@
             <a:br>
               <a:rPr lang="pl-PL" sz="1000" dirty="0"/>
             </a:br>
-            <a:r>
-              <a:rPr lang="pl-PL" sz="1000" dirty="0"/>
-              <a:t/>
-            </a:r>
             <a:br>
               <a:rPr lang="pl-PL" sz="1000" dirty="0"/>
             </a:br>
@@ -10568,10 +10327,6 @@
             <a:br>
               <a:rPr lang="pl-PL" sz="1000" dirty="0"/>
             </a:br>
-            <a:r>
-              <a:rPr lang="pl-PL" sz="1000" dirty="0"/>
-              <a:t/>
-            </a:r>
             <a:br>
               <a:rPr lang="pl-PL" sz="1000" dirty="0"/>
             </a:br>
@@ -10617,10 +10372,6 @@
               <a:rPr lang="pl-PL" sz="1000" dirty="0" err="1"/>
               <a:t>false</a:t>
             </a:r>
-            <a:r>
-              <a:rPr lang="pl-PL" sz="1000" dirty="0"/>
-              <a:t/>
-            </a:r>
             <a:br>
               <a:rPr lang="pl-PL" sz="1000" dirty="0"/>
             </a:br>
@@ -10639,10 +10390,6 @@
             <a:r>
               <a:rPr lang="pl-PL" sz="1000" dirty="0" err="1"/>
               <a:t>true</a:t>
-            </a:r>
-            <a:r>
-              <a:rPr lang="pl-PL" sz="1000" dirty="0"/>
-              <a:t/>
             </a:r>
             <a:br>
               <a:rPr lang="pl-PL" sz="1000" dirty="0"/>
@@ -10705,13 +10452,6 @@
   <p:transition spd="slow">
     <p:push dir="u"/>
   </p:transition>
-  <p:timing>
-    <p:tnLst>
-      <p:par>
-        <p:cTn id="1" dur="indefinite" restart="never" nodeType="tmRoot"/>
-      </p:par>
-    </p:tnLst>
-  </p:timing>
 </p:sld>
 </file>
 
@@ -10753,23 +10493,23 @@
           <a:lstStyle/>
           <a:p>
             <a:r>
-              <a:rPr lang="en-US" dirty="0" err="1" smtClean="0"/>
+              <a:rPr lang="en-US" dirty="0" err="1"/>
               <a:t>Junit</a:t>
             </a:r>
             <a:r>
-              <a:rPr lang="en-US" dirty="0" smtClean="0"/>
+              <a:rPr lang="en-US" dirty="0"/>
               <a:t> allows for running Data-Driven Test, that means run the same with different data sets. </a:t>
             </a:r>
           </a:p>
           <a:p>
             <a:r>
-              <a:rPr lang="en-US" dirty="0" smtClean="0"/>
+              <a:rPr lang="en-US" dirty="0"/>
               <a:t>Data sets can be defined in many convenient ways.</a:t>
             </a:r>
           </a:p>
           <a:p>
             <a:r>
-              <a:rPr lang="en-US" dirty="0" smtClean="0"/>
+              <a:rPr lang="en-US" dirty="0"/>
               <a:t>Written by Polish programmer.</a:t>
             </a:r>
           </a:p>
@@ -10777,7 +10517,7 @@
             <a:pPr marL="0" indent="0">
               <a:buNone/>
             </a:pPr>
-            <a:endParaRPr lang="en-US" dirty="0" smtClean="0"/>
+            <a:endParaRPr lang="en-US" dirty="0"/>
           </a:p>
           <a:p>
             <a:pPr marL="0" indent="0">
@@ -10803,15 +10543,15 @@
           <a:lstStyle/>
           <a:p>
             <a:r>
-              <a:rPr lang="en-US" dirty="0" err="1" smtClean="0"/>
+              <a:rPr lang="en-US" dirty="0" err="1"/>
               <a:t>Parametrized</a:t>
             </a:r>
             <a:r>
-              <a:rPr lang="en-US" dirty="0" smtClean="0"/>
+              <a:rPr lang="en-US" dirty="0"/>
               <a:t> tests with </a:t>
             </a:r>
             <a:r>
-              <a:rPr lang="en-US" dirty="0" err="1" smtClean="0"/>
+              <a:rPr lang="en-US" dirty="0" err="1"/>
               <a:t>JunitParams</a:t>
             </a:r>
             <a:endParaRPr lang="en-US" dirty="0"/>
@@ -10935,21 +10675,7 @@
                 <a:latin typeface="Courier New" panose="02070309020205020404" pitchFamily="49" charset="0"/>
                 <a:cs typeface="Courier New" panose="02070309020205020404" pitchFamily="49" charset="0"/>
               </a:rPr>
-              <a:t>    </a:t>
-            </a:r>
-            <a:r>
-              <a:rPr lang="pl-PL" sz="1000" dirty="0" smtClean="0">
-                <a:latin typeface="Courier New" panose="02070309020205020404" pitchFamily="49" charset="0"/>
-                <a:cs typeface="Courier New" panose="02070309020205020404" pitchFamily="49" charset="0"/>
-              </a:rPr>
-              <a:t>	@</a:t>
-            </a:r>
-            <a:r>
-              <a:rPr lang="pl-PL" sz="1000" dirty="0">
-                <a:latin typeface="Courier New" panose="02070309020205020404" pitchFamily="49" charset="0"/>
-                <a:cs typeface="Courier New" panose="02070309020205020404" pitchFamily="49" charset="0"/>
-              </a:rPr>
-              <a:t>Test</a:t>
+              <a:t>    	@Test</a:t>
             </a:r>
           </a:p>
           <a:p>
@@ -10959,14 +10685,7 @@
                 <a:latin typeface="Courier New" panose="02070309020205020404" pitchFamily="49" charset="0"/>
                 <a:cs typeface="Courier New" panose="02070309020205020404" pitchFamily="49" charset="0"/>
               </a:rPr>
-              <a:t>    </a:t>
-            </a:r>
-            <a:r>
-              <a:rPr lang="pl-PL" sz="1000" dirty="0" smtClean="0">
-                <a:latin typeface="Courier New" panose="02070309020205020404" pitchFamily="49" charset="0"/>
-                <a:cs typeface="Courier New" panose="02070309020205020404" pitchFamily="49" charset="0"/>
-              </a:rPr>
-              <a:t>	@</a:t>
+              <a:t>    	@</a:t>
             </a:r>
             <a:r>
               <a:rPr lang="pl-PL" sz="1000" dirty="0" err="1">
@@ -10986,7 +10705,7 @@
           <a:p>
             <a:pPr defTabSz="452438"/>
             <a:r>
-              <a:rPr lang="pl-PL" sz="1000" dirty="0" smtClean="0">
+              <a:rPr lang="pl-PL" sz="1000" dirty="0">
                 <a:latin typeface="Courier New" panose="02070309020205020404" pitchFamily="49" charset="0"/>
                 <a:cs typeface="Courier New" panose="02070309020205020404" pitchFamily="49" charset="0"/>
               </a:rPr>
@@ -11114,19 +10833,8 @@
                 <a:latin typeface="Courier New" panose="02070309020205020404" pitchFamily="49" charset="0"/>
                 <a:cs typeface="Courier New" panose="02070309020205020404" pitchFamily="49" charset="0"/>
               </a:rPr>
-              <a:t>, 0,   1500, Platinum</a:t>
-            </a:r>
-            <a:r>
-              <a:rPr lang="pl-PL" sz="1000" dirty="0" smtClean="0">
-                <a:latin typeface="Courier New" panose="02070309020205020404" pitchFamily="49" charset="0"/>
-                <a:cs typeface="Courier New" panose="02070309020205020404" pitchFamily="49" charset="0"/>
-              </a:rPr>
-              <a:t>"</a:t>
-            </a:r>
-            <a:endParaRPr lang="pl-PL" sz="1000" dirty="0">
-              <a:latin typeface="Courier New" panose="02070309020205020404" pitchFamily="49" charset="0"/>
-              <a:cs typeface="Courier New" panose="02070309020205020404" pitchFamily="49" charset="0"/>
-            </a:endParaRPr>
+              <a:t>, 0,   1500, Platinum"</a:t>
+            </a:r>
           </a:p>
           <a:p>
             <a:pPr defTabSz="452438"/>
@@ -11135,19 +10843,8 @@
                 <a:latin typeface="Courier New" panose="02070309020205020404" pitchFamily="49" charset="0"/>
                 <a:cs typeface="Courier New" panose="02070309020205020404" pitchFamily="49" charset="0"/>
               </a:rPr>
-              <a:t>    </a:t>
-            </a:r>
-            <a:r>
-              <a:rPr lang="pl-PL" sz="1000" dirty="0" smtClean="0">
-                <a:latin typeface="Courier New" panose="02070309020205020404" pitchFamily="49" charset="0"/>
-                <a:cs typeface="Courier New" panose="02070309020205020404" pitchFamily="49" charset="0"/>
-              </a:rPr>
-              <a:t>	})</a:t>
-            </a:r>
-            <a:endParaRPr lang="pl-PL" sz="1000" dirty="0">
-              <a:latin typeface="Courier New" panose="02070309020205020404" pitchFamily="49" charset="0"/>
-              <a:cs typeface="Courier New" panose="02070309020205020404" pitchFamily="49" charset="0"/>
-            </a:endParaRPr>
+              <a:t>    	})</a:t>
+            </a:r>
           </a:p>
           <a:p>
             <a:pPr defTabSz="452438"/>
@@ -11156,14 +10853,7 @@
                 <a:latin typeface="Courier New" panose="02070309020205020404" pitchFamily="49" charset="0"/>
                 <a:cs typeface="Courier New" panose="02070309020205020404" pitchFamily="49" charset="0"/>
               </a:rPr>
-              <a:t>    </a:t>
-            </a:r>
-            <a:r>
-              <a:rPr lang="pl-PL" sz="1000" dirty="0" smtClean="0">
-                <a:latin typeface="Courier New" panose="02070309020205020404" pitchFamily="49" charset="0"/>
-                <a:cs typeface="Courier New" panose="02070309020205020404" pitchFamily="49" charset="0"/>
-              </a:rPr>
-              <a:t>	public </a:t>
+              <a:t>    	public </a:t>
             </a:r>
             <a:r>
               <a:rPr lang="pl-PL" sz="1000" dirty="0" err="1">
@@ -11187,7 +10877,7 @@
               <a:t>shouldUpgradeStatusBasedOnPointsEarned</a:t>
             </a:r>
             <a:r>
-              <a:rPr lang="pl-PL" sz="1000" dirty="0" smtClean="0">
+              <a:rPr lang="pl-PL" sz="1000" dirty="0">
                 <a:latin typeface="Courier New" panose="02070309020205020404" pitchFamily="49" charset="0"/>
                 <a:cs typeface="Courier New" panose="02070309020205020404" pitchFamily="49" charset="0"/>
               </a:rPr>
@@ -11201,14 +10891,7 @@
                 <a:latin typeface="Courier New" panose="02070309020205020404" pitchFamily="49" charset="0"/>
                 <a:cs typeface="Courier New" panose="02070309020205020404" pitchFamily="49" charset="0"/>
               </a:rPr>
-              <a:t>	</a:t>
-            </a:r>
-            <a:r>
-              <a:rPr lang="pl-PL" sz="1000" dirty="0" smtClean="0">
-                <a:latin typeface="Courier New" panose="02070309020205020404" pitchFamily="49" charset="0"/>
-                <a:cs typeface="Courier New" panose="02070309020205020404" pitchFamily="49" charset="0"/>
-              </a:rPr>
-              <a:t>			Status </a:t>
+              <a:t>				Status </a:t>
             </a:r>
             <a:r>
               <a:rPr lang="pl-PL" sz="1000" dirty="0" err="1">
@@ -11224,10 +10907,6 @@
               </a:rPr>
               <a:t>, </a:t>
             </a:r>
-            <a:endParaRPr lang="pl-PL" sz="1000" dirty="0" smtClean="0">
-              <a:latin typeface="Courier New" panose="02070309020205020404" pitchFamily="49" charset="0"/>
-              <a:cs typeface="Courier New" panose="02070309020205020404" pitchFamily="49" charset="0"/>
-            </a:endParaRPr>
           </a:p>
           <a:p>
             <a:pPr defTabSz="452438"/>
@@ -11236,24 +10915,17 @@
                 <a:latin typeface="Courier New" panose="02070309020205020404" pitchFamily="49" charset="0"/>
                 <a:cs typeface="Courier New" panose="02070309020205020404" pitchFamily="49" charset="0"/>
               </a:rPr>
-              <a:t>	</a:t>
-            </a:r>
-            <a:r>
-              <a:rPr lang="pl-PL" sz="1000" dirty="0" smtClean="0">
-                <a:latin typeface="Courier New" panose="02070309020205020404" pitchFamily="49" charset="0"/>
-                <a:cs typeface="Courier New" panose="02070309020205020404" pitchFamily="49" charset="0"/>
-              </a:rPr>
-              <a:t>			</a:t>
-            </a:r>
-            <a:r>
-              <a:rPr lang="pl-PL" sz="1000" dirty="0" err="1" smtClean="0">
+              <a:t>				</a:t>
+            </a:r>
+            <a:r>
+              <a:rPr lang="pl-PL" sz="1000" dirty="0" err="1">
                 <a:latin typeface="Courier New" panose="02070309020205020404" pitchFamily="49" charset="0"/>
                 <a:cs typeface="Courier New" panose="02070309020205020404" pitchFamily="49" charset="0"/>
               </a:rPr>
               <a:t>int</a:t>
             </a:r>
             <a:r>
-              <a:rPr lang="pl-PL" sz="1000" dirty="0" smtClean="0">
+              <a:rPr lang="pl-PL" sz="1000" dirty="0">
                 <a:latin typeface="Courier New" panose="02070309020205020404" pitchFamily="49" charset="0"/>
                 <a:cs typeface="Courier New" panose="02070309020205020404" pitchFamily="49" charset="0"/>
               </a:rPr>
@@ -11284,14 +10956,14 @@
               <a:t>                        </a:t>
             </a:r>
             <a:r>
-              <a:rPr lang="pl-PL" sz="1000" dirty="0" err="1" smtClean="0">
+              <a:rPr lang="pl-PL" sz="1000" dirty="0" err="1">
                 <a:latin typeface="Courier New" panose="02070309020205020404" pitchFamily="49" charset="0"/>
                 <a:cs typeface="Courier New" panose="02070309020205020404" pitchFamily="49" charset="0"/>
               </a:rPr>
               <a:t>int</a:t>
             </a:r>
             <a:r>
-              <a:rPr lang="pl-PL" sz="1000" dirty="0" smtClean="0">
+              <a:rPr lang="pl-PL" sz="1000" dirty="0">
                 <a:latin typeface="Courier New" panose="02070309020205020404" pitchFamily="49" charset="0"/>
                 <a:cs typeface="Courier New" panose="02070309020205020404" pitchFamily="49" charset="0"/>
               </a:rPr>
@@ -11311,10 +10983,6 @@
               </a:rPr>
               <a:t>, </a:t>
             </a:r>
-            <a:endParaRPr lang="pl-PL" sz="1000" dirty="0" smtClean="0">
-              <a:latin typeface="Courier New" panose="02070309020205020404" pitchFamily="49" charset="0"/>
-              <a:cs typeface="Courier New" panose="02070309020205020404" pitchFamily="49" charset="0"/>
-            </a:endParaRPr>
           </a:p>
           <a:p>
             <a:pPr defTabSz="452438"/>
@@ -11323,14 +10991,7 @@
                 <a:latin typeface="Courier New" panose="02070309020205020404" pitchFamily="49" charset="0"/>
                 <a:cs typeface="Courier New" panose="02070309020205020404" pitchFamily="49" charset="0"/>
               </a:rPr>
-              <a:t>	</a:t>
-            </a:r>
-            <a:r>
-              <a:rPr lang="pl-PL" sz="1000" dirty="0" smtClean="0">
-                <a:latin typeface="Courier New" panose="02070309020205020404" pitchFamily="49" charset="0"/>
-                <a:cs typeface="Courier New" panose="02070309020205020404" pitchFamily="49" charset="0"/>
-              </a:rPr>
-              <a:t>			Status </a:t>
+              <a:t>				Status </a:t>
             </a:r>
             <a:r>
               <a:rPr lang="pl-PL" sz="1000" dirty="0" err="1">
@@ -11344,14 +11005,7 @@
                 <a:latin typeface="Courier New" panose="02070309020205020404" pitchFamily="49" charset="0"/>
                 <a:cs typeface="Courier New" panose="02070309020205020404" pitchFamily="49" charset="0"/>
               </a:rPr>
-              <a:t>) </a:t>
-            </a:r>
-            <a:r>
-              <a:rPr lang="pl-PL" sz="1000" dirty="0" smtClean="0">
-                <a:latin typeface="Courier New" panose="02070309020205020404" pitchFamily="49" charset="0"/>
-                <a:cs typeface="Courier New" panose="02070309020205020404" pitchFamily="49" charset="0"/>
-              </a:rPr>
-              <a:t>{</a:t>
+              <a:t>) {</a:t>
             </a:r>
           </a:p>
           <a:p>
@@ -11368,24 +11022,17 @@
                 <a:latin typeface="Courier New" panose="02070309020205020404" pitchFamily="49" charset="0"/>
                 <a:cs typeface="Courier New" panose="02070309020205020404" pitchFamily="49" charset="0"/>
               </a:rPr>
-              <a:t>        </a:t>
-            </a:r>
-            <a:r>
-              <a:rPr lang="pl-PL" sz="1000" dirty="0" smtClean="0">
-                <a:latin typeface="Courier New" panose="02070309020205020404" pitchFamily="49" charset="0"/>
-                <a:cs typeface="Courier New" panose="02070309020205020404" pitchFamily="49" charset="0"/>
-              </a:rPr>
-              <a:t>	</a:t>
-            </a:r>
-            <a:r>
-              <a:rPr lang="pl-PL" sz="1000" dirty="0" err="1" smtClean="0">
+              <a:t>        	</a:t>
+            </a:r>
+            <a:r>
+              <a:rPr lang="pl-PL" sz="1000" dirty="0" err="1">
                 <a:latin typeface="Courier New" panose="02070309020205020404" pitchFamily="49" charset="0"/>
                 <a:cs typeface="Courier New" panose="02070309020205020404" pitchFamily="49" charset="0"/>
               </a:rPr>
               <a:t>FrequentFlyer</a:t>
             </a:r>
             <a:r>
-              <a:rPr lang="pl-PL" sz="1000" dirty="0" smtClean="0">
+              <a:rPr lang="pl-PL" sz="1000" dirty="0">
                 <a:latin typeface="Courier New" panose="02070309020205020404" pitchFamily="49" charset="0"/>
                 <a:cs typeface="Courier New" panose="02070309020205020404" pitchFamily="49" charset="0"/>
               </a:rPr>
@@ -11403,23 +11050,16 @@
                 <a:latin typeface="Courier New" panose="02070309020205020404" pitchFamily="49" charset="0"/>
                 <a:cs typeface="Courier New" panose="02070309020205020404" pitchFamily="49" charset="0"/>
               </a:rPr>
-              <a:t> </a:t>
-            </a:r>
-            <a:r>
-              <a:rPr lang="pl-PL" sz="1000" dirty="0" smtClean="0">
-                <a:latin typeface="Courier New" panose="02070309020205020404" pitchFamily="49" charset="0"/>
-                <a:cs typeface="Courier New" panose="02070309020205020404" pitchFamily="49" charset="0"/>
-              </a:rPr>
-              <a:t>= </a:t>
-            </a:r>
-            <a:r>
-              <a:rPr lang="pl-PL" sz="1000" dirty="0" err="1" smtClean="0">
+              <a:t> = </a:t>
+            </a:r>
+            <a:r>
+              <a:rPr lang="pl-PL" sz="1000" dirty="0" err="1">
                 <a:latin typeface="Courier New" panose="02070309020205020404" pitchFamily="49" charset="0"/>
                 <a:cs typeface="Courier New" panose="02070309020205020404" pitchFamily="49" charset="0"/>
               </a:rPr>
               <a:t>FrequentFlyer</a:t>
             </a:r>
-            <a:endParaRPr lang="pl-PL" sz="1000" dirty="0" smtClean="0">
+            <a:endParaRPr lang="pl-PL" sz="1000" dirty="0">
               <a:latin typeface="Courier New" panose="02070309020205020404" pitchFamily="49" charset="0"/>
               <a:cs typeface="Courier New" panose="02070309020205020404" pitchFamily="49" charset="0"/>
             </a:endParaRPr>
@@ -11431,17 +11071,10 @@
                 <a:latin typeface="Courier New" panose="02070309020205020404" pitchFamily="49" charset="0"/>
                 <a:cs typeface="Courier New" panose="02070309020205020404" pitchFamily="49" charset="0"/>
               </a:rPr>
-              <a:t>	</a:t>
-            </a:r>
-            <a:r>
-              <a:rPr lang="pl-PL" sz="1000" dirty="0" smtClean="0">
-                <a:latin typeface="Courier New" panose="02070309020205020404" pitchFamily="49" charset="0"/>
-                <a:cs typeface="Courier New" panose="02070309020205020404" pitchFamily="49" charset="0"/>
-              </a:rPr>
-              <a:t>		.</a:t>
-            </a:r>
-            <a:r>
-              <a:rPr lang="pl-PL" sz="1000" dirty="0" err="1" smtClean="0">
+              <a:t>			.</a:t>
+            </a:r>
+            <a:r>
+              <a:rPr lang="pl-PL" sz="1000" dirty="0" err="1">
                 <a:latin typeface="Courier New" panose="02070309020205020404" pitchFamily="49" charset="0"/>
                 <a:cs typeface="Courier New" panose="02070309020205020404" pitchFamily="49" charset="0"/>
               </a:rPr>
@@ -11462,14 +11095,7 @@
                 <a:latin typeface="Courier New" panose="02070309020205020404" pitchFamily="49" charset="0"/>
                 <a:cs typeface="Courier New" panose="02070309020205020404" pitchFamily="49" charset="0"/>
               </a:rPr>
-              <a:t>                  </a:t>
-            </a:r>
-            <a:r>
-              <a:rPr lang="pl-PL" sz="1000" dirty="0" smtClean="0">
-                <a:latin typeface="Courier New" panose="02070309020205020404" pitchFamily="49" charset="0"/>
-                <a:cs typeface="Courier New" panose="02070309020205020404" pitchFamily="49" charset="0"/>
-              </a:rPr>
-              <a:t>.</a:t>
+              <a:t>                  .</a:t>
             </a:r>
             <a:r>
               <a:rPr lang="pl-PL" sz="1000" dirty="0" err="1">
@@ -11489,7 +11115,7 @@
           <a:p>
             <a:pPr defTabSz="452438"/>
             <a:r>
-              <a:rPr lang="pl-PL" sz="1000" dirty="0" smtClean="0">
+              <a:rPr lang="pl-PL" sz="1000" dirty="0">
                 <a:latin typeface="Courier New" panose="02070309020205020404" pitchFamily="49" charset="0"/>
                 <a:cs typeface="Courier New" panose="02070309020205020404" pitchFamily="49" charset="0"/>
               </a:rPr>
@@ -11531,14 +11157,7 @@
                 <a:latin typeface="Courier New" panose="02070309020205020404" pitchFamily="49" charset="0"/>
                 <a:cs typeface="Courier New" panose="02070309020205020404" pitchFamily="49" charset="0"/>
               </a:rPr>
-              <a:t>                  </a:t>
-            </a:r>
-            <a:r>
-              <a:rPr lang="pl-PL" sz="1000" dirty="0" smtClean="0">
-                <a:latin typeface="Courier New" panose="02070309020205020404" pitchFamily="49" charset="0"/>
-                <a:cs typeface="Courier New" panose="02070309020205020404" pitchFamily="49" charset="0"/>
-              </a:rPr>
-              <a:t>.</a:t>
+              <a:t>                  .</a:t>
             </a:r>
             <a:r>
               <a:rPr lang="pl-PL" sz="1000" dirty="0" err="1">
@@ -11583,31 +11202,24 @@
                 <a:latin typeface="Courier New" panose="02070309020205020404" pitchFamily="49" charset="0"/>
                 <a:cs typeface="Courier New" panose="02070309020205020404" pitchFamily="49" charset="0"/>
               </a:rPr>
-              <a:t>        </a:t>
-            </a:r>
-            <a:r>
-              <a:rPr lang="pl-PL" sz="1000" dirty="0" smtClean="0">
-                <a:latin typeface="Courier New" panose="02070309020205020404" pitchFamily="49" charset="0"/>
-                <a:cs typeface="Courier New" panose="02070309020205020404" pitchFamily="49" charset="0"/>
-              </a:rPr>
-              <a:t>	</a:t>
-            </a:r>
-            <a:r>
-              <a:rPr lang="pl-PL" sz="1000" dirty="0" err="1" smtClean="0">
+              <a:t>        	</a:t>
+            </a:r>
+            <a:r>
+              <a:rPr lang="pl-PL" sz="1000" dirty="0" err="1">
                 <a:latin typeface="Courier New" panose="02070309020205020404" pitchFamily="49" charset="0"/>
                 <a:cs typeface="Courier New" panose="02070309020205020404" pitchFamily="49" charset="0"/>
               </a:rPr>
               <a:t>member.earns</a:t>
             </a:r>
             <a:r>
-              <a:rPr lang="pl-PL" sz="1000" dirty="0" smtClean="0">
+              <a:rPr lang="pl-PL" sz="1000" dirty="0">
                 <a:latin typeface="Courier New" panose="02070309020205020404" pitchFamily="49" charset="0"/>
                 <a:cs typeface="Courier New" panose="02070309020205020404" pitchFamily="49" charset="0"/>
               </a:rPr>
               <a:t>(</a:t>
             </a:r>
             <a:r>
-              <a:rPr lang="pl-PL" sz="1000" dirty="0" err="1" smtClean="0">
+              <a:rPr lang="pl-PL" sz="1000" dirty="0" err="1">
                 <a:latin typeface="Courier New" panose="02070309020205020404" pitchFamily="49" charset="0"/>
                 <a:cs typeface="Courier New" panose="02070309020205020404" pitchFamily="49" charset="0"/>
               </a:rPr>
@@ -11649,31 +11261,24 @@
                 <a:latin typeface="Courier New" panose="02070309020205020404" pitchFamily="49" charset="0"/>
                 <a:cs typeface="Courier New" panose="02070309020205020404" pitchFamily="49" charset="0"/>
               </a:rPr>
-              <a:t>        </a:t>
-            </a:r>
-            <a:r>
-              <a:rPr lang="pl-PL" sz="1000" dirty="0" smtClean="0">
-                <a:latin typeface="Courier New" panose="02070309020205020404" pitchFamily="49" charset="0"/>
-                <a:cs typeface="Courier New" panose="02070309020205020404" pitchFamily="49" charset="0"/>
-              </a:rPr>
-              <a:t>	</a:t>
-            </a:r>
-            <a:r>
-              <a:rPr lang="pl-PL" sz="1000" dirty="0" err="1" smtClean="0">
+              <a:t>        	</a:t>
+            </a:r>
+            <a:r>
+              <a:rPr lang="pl-PL" sz="1000" dirty="0" err="1">
                 <a:latin typeface="Courier New" panose="02070309020205020404" pitchFamily="49" charset="0"/>
                 <a:cs typeface="Courier New" panose="02070309020205020404" pitchFamily="49" charset="0"/>
               </a:rPr>
               <a:t>assertThat</a:t>
             </a:r>
             <a:r>
-              <a:rPr lang="pl-PL" sz="1000" dirty="0" smtClean="0">
+              <a:rPr lang="pl-PL" sz="1000" dirty="0">
                 <a:latin typeface="Courier New" panose="02070309020205020404" pitchFamily="49" charset="0"/>
                 <a:cs typeface="Courier New" panose="02070309020205020404" pitchFamily="49" charset="0"/>
               </a:rPr>
               <a:t>(</a:t>
             </a:r>
             <a:r>
-              <a:rPr lang="pl-PL" sz="1000" dirty="0" err="1" smtClean="0">
+              <a:rPr lang="pl-PL" sz="1000" dirty="0" err="1">
                 <a:latin typeface="Courier New" panose="02070309020205020404" pitchFamily="49" charset="0"/>
                 <a:cs typeface="Courier New" panose="02070309020205020404" pitchFamily="49" charset="0"/>
               </a:rPr>
@@ -12001,42 +11606,30 @@
               <a:buNone/>
             </a:pPr>
             <a:r>
-              <a:rPr lang="pl-PL" sz="1200" b="1" kern="0" dirty="0" err="1" smtClean="0"/>
+              <a:rPr lang="pl-PL" sz="1200" b="1" kern="0" dirty="0" err="1"/>
               <a:t>References</a:t>
             </a:r>
-            <a:endParaRPr lang="pl-PL" sz="1200" b="1" kern="0" dirty="0" smtClean="0"/>
+            <a:endParaRPr lang="pl-PL" sz="1200" b="1" kern="0" dirty="0"/>
           </a:p>
           <a:p>
             <a:pPr marL="0" indent="0">
               <a:buNone/>
             </a:pPr>
             <a:r>
-              <a:rPr lang="pl-PL" sz="1200" dirty="0" err="1" smtClean="0"/>
+              <a:rPr lang="pl-PL" sz="1200" dirty="0" err="1"/>
               <a:t>JunitParams</a:t>
             </a:r>
             <a:r>
-              <a:rPr lang="pl-PL" sz="1200" dirty="0" smtClean="0"/>
+              <a:rPr lang="pl-PL" sz="1200" dirty="0"/>
               <a:t> User Guide </a:t>
-            </a:r>
-            <a:r>
-              <a:rPr lang="pl-PL" sz="1200" dirty="0" smtClean="0">
-                <a:hlinkClick r:id="rId4"/>
-              </a:rPr>
-              <a:t>https</a:t>
             </a:r>
             <a:r>
               <a:rPr lang="pl-PL" sz="1200" dirty="0">
                 <a:hlinkClick r:id="rId4"/>
               </a:rPr>
-              <a:t>://</a:t>
-            </a:r>
-            <a:r>
-              <a:rPr lang="pl-PL" sz="1200" dirty="0" smtClean="0">
-                <a:hlinkClick r:id="rId4"/>
-              </a:rPr>
-              <a:t>github.com/Pragmatists/junitparams/tree/master/src/test/java/junitparams/usage</a:t>
-            </a:r>
-            <a:endParaRPr lang="pl-PL" sz="1200" dirty="0" smtClean="0"/>
+              <a:t>https://github.com/Pragmatists/junitparams/tree/master/src/test/java/junitparams/usage</a:t>
+            </a:r>
+            <a:endParaRPr lang="pl-PL" sz="1200" dirty="0"/>
           </a:p>
           <a:p>
             <a:pPr marL="0" indent="0">
@@ -12066,13 +11659,6 @@
   <p:transition spd="slow">
     <p:push dir="u"/>
   </p:transition>
-  <p:timing>
-    <p:tnLst>
-      <p:par>
-        <p:cTn id="1" dur="indefinite" restart="never" nodeType="tmRoot"/>
-      </p:par>
-    </p:tnLst>
-  </p:timing>
 </p:sld>
 </file>
 
@@ -12114,17 +11700,17 @@
           <a:lstStyle/>
           <a:p>
             <a:r>
-              <a:rPr lang="en-US" dirty="0" err="1" smtClean="0"/>
+              <a:rPr lang="en-US" dirty="0" err="1"/>
               <a:t>Mockito</a:t>
             </a:r>
             <a:r>
-              <a:rPr lang="en-US" dirty="0" smtClean="0"/>
+              <a:rPr lang="en-US" dirty="0"/>
               <a:t> allows to mimic object behavior</a:t>
             </a:r>
           </a:p>
           <a:p>
             <a:r>
-              <a:rPr lang="en-US" dirty="0" smtClean="0"/>
+              <a:rPr lang="en-US" dirty="0"/>
               <a:t>Useful when testing interactions with objects that are not yet implemented</a:t>
             </a:r>
           </a:p>
@@ -12152,7 +11738,7 @@
           <a:lstStyle/>
           <a:p>
             <a:r>
-              <a:rPr lang="en-US" dirty="0" err="1" smtClean="0"/>
+              <a:rPr lang="en-US" dirty="0" err="1"/>
               <a:t>Mockito</a:t>
             </a:r>
             <a:endParaRPr lang="en-US" dirty="0"/>
@@ -12663,25 +12249,25 @@
               <a:buNone/>
             </a:pPr>
             <a:r>
-              <a:rPr lang="pl-PL" sz="1200" b="1" kern="0" dirty="0" err="1" smtClean="0"/>
+              <a:rPr lang="pl-PL" sz="1200" b="1" kern="0" dirty="0" err="1"/>
               <a:t>References</a:t>
             </a:r>
-            <a:endParaRPr lang="pl-PL" sz="1200" b="1" kern="0" dirty="0" smtClean="0"/>
+            <a:endParaRPr lang="pl-PL" sz="1200" b="1" kern="0" dirty="0"/>
           </a:p>
           <a:p>
             <a:pPr marL="0" indent="0">
               <a:buNone/>
             </a:pPr>
             <a:r>
-              <a:rPr lang="pl-PL" sz="1200" dirty="0" err="1" smtClean="0"/>
+              <a:rPr lang="pl-PL" sz="1200" dirty="0" err="1"/>
               <a:t>Mockito</a:t>
             </a:r>
             <a:r>
-              <a:rPr lang="pl-PL" sz="1200" dirty="0" smtClean="0"/>
+              <a:rPr lang="pl-PL" sz="1200" dirty="0"/>
               <a:t> Home </a:t>
             </a:r>
             <a:r>
-              <a:rPr lang="pl-PL" sz="1200" dirty="0" err="1" smtClean="0"/>
+              <a:rPr lang="pl-PL" sz="1200" dirty="0" err="1"/>
               <a:t>Page</a:t>
             </a:r>
             <a:r>
@@ -12692,21 +12278,15 @@
               <a:rPr lang="pl-PL" sz="1200" dirty="0">
                 <a:hlinkClick r:id="rId4"/>
               </a:rPr>
-              <a:t>http://mockito.org</a:t>
-            </a:r>
-            <a:r>
-              <a:rPr lang="pl-PL" sz="1200" dirty="0" smtClean="0">
-                <a:hlinkClick r:id="rId4"/>
-              </a:rPr>
-              <a:t>/</a:t>
-            </a:r>
-            <a:endParaRPr lang="pl-PL" sz="1200" dirty="0" smtClean="0"/>
+              <a:t>http://mockito.org/</a:t>
+            </a:r>
+            <a:endParaRPr lang="pl-PL" sz="1200" dirty="0"/>
           </a:p>
           <a:p>
             <a:pPr marL="0" indent="0">
               <a:buNone/>
             </a:pPr>
-            <a:endParaRPr lang="pl-PL" sz="1200" dirty="0" smtClean="0"/>
+            <a:endParaRPr lang="pl-PL" sz="1200" dirty="0"/>
           </a:p>
           <a:p>
             <a:pPr marL="0" indent="0">
@@ -12736,13 +12316,6 @@
   <p:transition spd="slow">
     <p:push dir="u"/>
   </p:transition>
-  <p:timing>
-    <p:tnLst>
-      <p:par>
-        <p:cTn id="1" dur="indefinite" restart="never" nodeType="tmRoot"/>
-      </p:par>
-    </p:tnLst>
-  </p:timing>
 </p:sld>
 </file>
 
@@ -12779,13 +12352,13 @@
           <a:lstStyle/>
           <a:p>
             <a:r>
-              <a:rPr lang="en-US" dirty="0" smtClean="0"/>
+              <a:rPr lang="en-US" dirty="0"/>
               <a:t>Majority of program testing is conducted by people other than the author</a:t>
             </a:r>
           </a:p>
           <a:p>
             <a:r>
-              <a:rPr lang="en-US" dirty="0" smtClean="0"/>
+              <a:rPr lang="en-US" dirty="0"/>
               <a:t>Primary human testing methods are code inspections and walkthroughs (...). These methods can be</a:t>
             </a:r>
           </a:p>
@@ -12794,43 +12367,42 @@
               <a:buNone/>
             </a:pPr>
             <a:r>
-              <a:rPr lang="en-US" dirty="0" smtClean="0"/>
+              <a:rPr lang="en-US" dirty="0"/>
               <a:t>used at virtually any stage of software development, after an application is deemed to be complete or as each module or unit is complete.</a:t>
             </a:r>
           </a:p>
           <a:p>
             <a:r>
-              <a:rPr lang="en-US" dirty="0" smtClean="0"/>
+              <a:rPr lang="en-US" dirty="0"/>
               <a:t>With either method, participants must conduct some preparatory work.</a:t>
             </a:r>
           </a:p>
           <a:p>
             <a:r>
-              <a:rPr lang="en-US" dirty="0" smtClean="0"/>
+              <a:rPr lang="en-US" dirty="0"/>
               <a:t>The objective of the meeting is to find errors but not to find solutions</a:t>
             </a:r>
           </a:p>
           <a:p>
             <a:r>
-              <a:rPr lang="en-US" dirty="0" smtClean="0"/>
+              <a:rPr lang="en-US" dirty="0"/>
               <a:t>Generally are effective in finding from 30 to 70 percent of the logic-design and coding errors in typical programs.</a:t>
             </a:r>
           </a:p>
           <a:p>
             <a:r>
-              <a:rPr lang="en-US" dirty="0" smtClean="0"/>
+              <a:rPr lang="en-US" dirty="0"/>
               <a:t>Learning and sharing good practice</a:t>
             </a:r>
           </a:p>
           <a:p>
-            <a:endParaRPr lang="en-US" dirty="0" smtClean="0"/>
-          </a:p>
-          <a:p>
-            <a:r>
-              <a:rPr lang="en-US" dirty="0" smtClean="0"/>
+            <a:endParaRPr lang="en-US" dirty="0"/>
+          </a:p>
+          <a:p>
+            <a:r>
+              <a:rPr lang="en-US" dirty="0"/>
               <a:t>Find only the ‘‘easy’’ errors (those that would be trivial to find with computer-based testing) and that the difficult, obscure, or tricky errors can be found only by computer-based testing.</a:t>
             </a:r>
-            <a:endParaRPr lang="en-US" dirty="0"/>
           </a:p>
         </p:txBody>
       </p:sp>
@@ -12850,10 +12422,9 @@
           <a:lstStyle/>
           <a:p>
             <a:r>
-              <a:rPr lang="en-US" dirty="0" smtClean="0"/>
+              <a:rPr lang="en-US" dirty="0"/>
               <a:t>Inspection and reviews</a:t>
             </a:r>
-            <a:endParaRPr lang="en-US" dirty="0"/>
           </a:p>
         </p:txBody>
       </p:sp>
@@ -12870,13 +12441,6 @@
   <p:transition spd="slow">
     <p:push dir="u"/>
   </p:transition>
-  <p:timing>
-    <p:tnLst>
-      <p:par>
-        <p:cTn id="1" dur="indefinite" restart="never" nodeType="tmRoot"/>
-      </p:par>
-    </p:tnLst>
-  </p:timing>
 </p:sld>
 </file>
 
@@ -12913,209 +12477,191 @@
           <a:lstStyle/>
           <a:p>
             <a:r>
-              <a:rPr lang="pl-PL" dirty="0" err="1" smtClean="0"/>
+              <a:rPr lang="pl-PL" dirty="0" err="1"/>
               <a:t>Create</a:t>
             </a:r>
             <a:r>
-              <a:rPr lang="pl-PL" dirty="0" smtClean="0"/>
+              <a:rPr lang="pl-PL" dirty="0"/>
               <a:t> </a:t>
             </a:r>
             <a:r>
-              <a:rPr lang="pl-PL" dirty="0" err="1" smtClean="0"/>
+              <a:rPr lang="pl-PL" dirty="0" err="1"/>
               <a:t>github</a:t>
             </a:r>
             <a:r>
-              <a:rPr lang="pl-PL" dirty="0" smtClean="0"/>
+              <a:rPr lang="pl-PL" dirty="0"/>
               <a:t> </a:t>
             </a:r>
             <a:r>
-              <a:rPr lang="pl-PL" dirty="0" err="1" smtClean="0"/>
+              <a:rPr lang="pl-PL" dirty="0" err="1"/>
               <a:t>account</a:t>
             </a:r>
             <a:r>
-              <a:rPr lang="pl-PL" dirty="0" smtClean="0"/>
+              <a:rPr lang="pl-PL" dirty="0"/>
               <a:t> and clone </a:t>
             </a:r>
             <a:r>
-              <a:rPr lang="pl-PL" dirty="0" err="1" smtClean="0"/>
+              <a:rPr lang="pl-PL" dirty="0" err="1"/>
               <a:t>project</a:t>
             </a:r>
             <a:r>
-              <a:rPr lang="pl-PL" dirty="0" smtClean="0"/>
+              <a:rPr lang="pl-PL" dirty="0"/>
               <a:t> </a:t>
             </a:r>
             <a:r>
               <a:rPr lang="en-US" dirty="0">
                 <a:hlinkClick r:id="rId2"/>
               </a:rPr>
-              <a:t>https://</a:t>
-            </a:r>
-            <a:r>
-              <a:rPr lang="en-US" dirty="0" smtClean="0">
-                <a:hlinkClick r:id="rId2"/>
-              </a:rPr>
-              <a:t>github.com/jacekokrojek/math.uni.lodz.pl</a:t>
-            </a:r>
-            <a:endParaRPr lang="pl-PL" dirty="0" smtClean="0"/>
-          </a:p>
-          <a:p>
-            <a:r>
-              <a:rPr lang="pl-PL" dirty="0" smtClean="0"/>
+              <a:t>https://github.com/jacekokrojek/math.uni.lodz.pl</a:t>
+            </a:r>
+            <a:endParaRPr lang="pl-PL" dirty="0"/>
+          </a:p>
+          <a:p>
+            <a:r>
+              <a:rPr lang="pl-PL" dirty="0"/>
               <a:t>Complete </a:t>
             </a:r>
             <a:r>
-              <a:rPr lang="pl-PL" dirty="0" err="1" smtClean="0"/>
+              <a:rPr lang="pl-PL" dirty="0" err="1"/>
               <a:t>tests</a:t>
             </a:r>
             <a:r>
-              <a:rPr lang="pl-PL" dirty="0" smtClean="0"/>
+              <a:rPr lang="pl-PL" dirty="0"/>
               <a:t> for </a:t>
             </a:r>
             <a:r>
-              <a:rPr lang="pl-PL" dirty="0" err="1" smtClean="0"/>
-              <a:t>AnserEntity</a:t>
-            </a:r>
-            <a:r>
-              <a:rPr lang="pl-PL" dirty="0" smtClean="0"/>
+              <a:rPr lang="pl-PL" dirty="0" err="1"/>
+              <a:t>AnswerEntity</a:t>
+            </a:r>
+            <a:r>
+              <a:rPr lang="pl-PL" dirty="0"/>
               <a:t> from </a:t>
-            </a:r>
-            <a:r>
-              <a:rPr lang="pl-PL" kern="1200" dirty="0" err="1" smtClean="0">
-                <a:latin typeface="Arial" pitchFamily="34" charset="0"/>
-              </a:rPr>
-              <a:t>com.gft.structuraltest.testconference.registrationdata</a:t>
-            </a:r>
-            <a:r>
-              <a:rPr lang="pl-PL" kern="1200" dirty="0" smtClean="0">
-                <a:latin typeface="Arial" pitchFamily="34" charset="0"/>
-              </a:rPr>
-              <a:t> </a:t>
             </a:r>
             <a:r>
               <a:rPr lang="pl-PL" kern="1200" dirty="0" err="1">
                 <a:latin typeface="Arial" pitchFamily="34" charset="0"/>
               </a:rPr>
-              <a:t>package</a:t>
+              <a:t>com.gft.structuraltest.testconference.registrationdata</a:t>
             </a:r>
             <a:r>
               <a:rPr lang="pl-PL" kern="1200" dirty="0">
                 <a:latin typeface="Arial" pitchFamily="34" charset="0"/>
               </a:rPr>
-              <a:t>. </a:t>
+              <a:t> </a:t>
             </a:r>
             <a:r>
               <a:rPr lang="pl-PL" kern="1200" dirty="0" err="1">
                 <a:latin typeface="Arial" pitchFamily="34" charset="0"/>
               </a:rPr>
-              <a:t>There</a:t>
+              <a:t>package</a:t>
             </a:r>
             <a:r>
               <a:rPr lang="pl-PL" kern="1200" dirty="0">
                 <a:latin typeface="Arial" pitchFamily="34" charset="0"/>
               </a:rPr>
-              <a:t> </a:t>
+              <a:t>. </a:t>
             </a:r>
             <a:r>
               <a:rPr lang="pl-PL" kern="1200" dirty="0" err="1">
                 <a:latin typeface="Arial" pitchFamily="34" charset="0"/>
               </a:rPr>
-              <a:t>is</a:t>
+              <a:t>There</a:t>
             </a:r>
             <a:r>
               <a:rPr lang="pl-PL" kern="1200" dirty="0">
                 <a:latin typeface="Arial" pitchFamily="34" charset="0"/>
               </a:rPr>
-              <a:t> a </a:t>
+              <a:t> </a:t>
             </a:r>
             <a:r>
               <a:rPr lang="pl-PL" kern="1200" dirty="0" err="1">
                 <a:latin typeface="Arial" pitchFamily="34" charset="0"/>
               </a:rPr>
-              <a:t>template</a:t>
+              <a:t>is</a:t>
             </a:r>
             <a:r>
               <a:rPr lang="pl-PL" kern="1200" dirty="0">
                 <a:latin typeface="Arial" pitchFamily="34" charset="0"/>
               </a:rPr>
-              <a:t> test for </a:t>
+              <a:t> a </a:t>
             </a:r>
             <a:r>
               <a:rPr lang="pl-PL" kern="1200" dirty="0" err="1">
                 <a:latin typeface="Arial" pitchFamily="34" charset="0"/>
               </a:rPr>
-              <a:t>method</a:t>
+              <a:t>template</a:t>
             </a:r>
             <a:r>
               <a:rPr lang="pl-PL" kern="1200" dirty="0">
                 <a:latin typeface="Arial" pitchFamily="34" charset="0"/>
               </a:rPr>
-              <a:t> </a:t>
+              <a:t> test for </a:t>
             </a:r>
             <a:r>
               <a:rPr lang="pl-PL" kern="1200" dirty="0" err="1">
                 <a:latin typeface="Arial" pitchFamily="34" charset="0"/>
               </a:rPr>
-              <a:t>equals</a:t>
+              <a:t>method</a:t>
             </a:r>
             <a:r>
               <a:rPr lang="pl-PL" kern="1200" dirty="0">
                 <a:latin typeface="Arial" pitchFamily="34" charset="0"/>
               </a:rPr>
-              <a:t>() of </a:t>
+              <a:t> </a:t>
             </a:r>
             <a:r>
               <a:rPr lang="pl-PL" kern="1200" dirty="0" err="1">
                 <a:latin typeface="Arial" pitchFamily="34" charset="0"/>
               </a:rPr>
-              <a:t>this</a:t>
+              <a:t>equals</a:t>
             </a:r>
             <a:r>
               <a:rPr lang="pl-PL" kern="1200" dirty="0">
                 <a:latin typeface="Arial" pitchFamily="34" charset="0"/>
               </a:rPr>
-              <a:t> </a:t>
+              <a:t>() of </a:t>
             </a:r>
             <a:r>
               <a:rPr lang="pl-PL" kern="1200" dirty="0" err="1">
                 <a:latin typeface="Arial" pitchFamily="34" charset="0"/>
               </a:rPr>
-              <a:t>class</a:t>
+              <a:t>this</a:t>
             </a:r>
             <a:r>
               <a:rPr lang="pl-PL" kern="1200" dirty="0">
                 <a:latin typeface="Arial" pitchFamily="34" charset="0"/>
               </a:rPr>
-              <a:t>. </a:t>
+              <a:t> </a:t>
             </a:r>
             <a:r>
               <a:rPr lang="pl-PL" kern="1200" dirty="0" err="1">
                 <a:latin typeface="Arial" pitchFamily="34" charset="0"/>
               </a:rPr>
-              <a:t>Based</a:t>
+              <a:t>class</a:t>
             </a:r>
             <a:r>
               <a:rPr lang="pl-PL" kern="1200" dirty="0">
                 <a:latin typeface="Arial" pitchFamily="34" charset="0"/>
               </a:rPr>
-              <a:t> on the </a:t>
+              <a:t>. </a:t>
             </a:r>
             <a:r>
               <a:rPr lang="pl-PL" kern="1200" dirty="0" err="1">
                 <a:latin typeface="Arial" pitchFamily="34" charset="0"/>
               </a:rPr>
-              <a:t>example</a:t>
+              <a:t>Based</a:t>
             </a:r>
             <a:r>
               <a:rPr lang="pl-PL" kern="1200" dirty="0">
                 <a:latin typeface="Arial" pitchFamily="34" charset="0"/>
               </a:rPr>
-              <a:t> </a:t>
+              <a:t> on the </a:t>
             </a:r>
             <a:r>
               <a:rPr lang="pl-PL" kern="1200" dirty="0" err="1">
                 <a:latin typeface="Arial" pitchFamily="34" charset="0"/>
               </a:rPr>
-              <a:t>add</a:t>
+              <a:t>example</a:t>
             </a:r>
             <a:r>
               <a:rPr lang="pl-PL" kern="1200" dirty="0">
@@ -13127,7 +12673,7 @@
               <a:rPr lang="pl-PL" kern="1200" dirty="0" err="1">
                 <a:latin typeface="Arial" pitchFamily="34" charset="0"/>
               </a:rPr>
-              <a:t>new</a:t>
+              <a:t>add</a:t>
             </a:r>
             <a:r>
               <a:rPr lang="pl-PL" kern="1200" dirty="0">
@@ -13139,46 +12685,58 @@
               <a:rPr lang="pl-PL" kern="1200" dirty="0" err="1">
                 <a:latin typeface="Arial" pitchFamily="34" charset="0"/>
               </a:rPr>
-              <a:t>tests</a:t>
+              <a:t>new</a:t>
             </a:r>
             <a:r>
               <a:rPr lang="pl-PL" kern="1200" dirty="0">
                 <a:latin typeface="Arial" pitchFamily="34" charset="0"/>
               </a:rPr>
+              <a:t> </a:t>
+            </a:r>
+            <a:r>
+              <a:rPr lang="pl-PL" kern="1200" dirty="0" err="1">
+                <a:latin typeface="Arial" pitchFamily="34" charset="0"/>
+              </a:rPr>
+              <a:t>tests</a:t>
+            </a:r>
+            <a:r>
+              <a:rPr lang="pl-PL" kern="1200" dirty="0">
+                <a:latin typeface="Arial" pitchFamily="34" charset="0"/>
+              </a:rPr>
               <a:t> to </a:t>
             </a:r>
             <a:r>
-              <a:rPr lang="pl-PL" kern="1200" dirty="0" err="1" smtClean="0">
+              <a:rPr lang="pl-PL" kern="1200" dirty="0" err="1">
                 <a:latin typeface="Arial" pitchFamily="34" charset="0"/>
               </a:rPr>
               <a:t>get</a:t>
             </a:r>
             <a:r>
-              <a:rPr lang="pl-PL" kern="1200" dirty="0" smtClean="0">
+              <a:rPr lang="pl-PL" kern="1200" dirty="0">
                 <a:latin typeface="Arial" pitchFamily="34" charset="0"/>
               </a:rPr>
               <a:t> 100% </a:t>
             </a:r>
             <a:r>
-              <a:rPr lang="pl-PL" kern="1200" dirty="0" err="1" smtClean="0">
+              <a:rPr lang="pl-PL" kern="1200" dirty="0" err="1">
                 <a:latin typeface="Arial" pitchFamily="34" charset="0"/>
               </a:rPr>
               <a:t>statement</a:t>
             </a:r>
             <a:r>
-              <a:rPr lang="pl-PL" kern="1200" dirty="0" smtClean="0">
+              <a:rPr lang="pl-PL" kern="1200" dirty="0">
                 <a:latin typeface="Arial" pitchFamily="34" charset="0"/>
               </a:rPr>
               <a:t> </a:t>
             </a:r>
             <a:r>
-              <a:rPr lang="pl-PL" kern="1200" dirty="0" err="1" smtClean="0">
+              <a:rPr lang="pl-PL" kern="1200" dirty="0" err="1">
                 <a:latin typeface="Arial" pitchFamily="34" charset="0"/>
               </a:rPr>
               <a:t>coverage</a:t>
             </a:r>
             <a:r>
-              <a:rPr lang="pl-PL" kern="1200" dirty="0" smtClean="0">
+              <a:rPr lang="pl-PL" kern="1200" dirty="0">
                 <a:latin typeface="Arial" pitchFamily="34" charset="0"/>
               </a:rPr>
               <a:t>.</a:t>
@@ -13186,19 +12744,19 @@
           </a:p>
           <a:p>
             <a:r>
-              <a:rPr lang="pl-PL" kern="1200" dirty="0" smtClean="0">
+              <a:rPr lang="pl-PL" kern="1200" dirty="0">
                 <a:latin typeface="Arial" pitchFamily="34" charset="0"/>
               </a:rPr>
               <a:t>Run </a:t>
             </a:r>
             <a:r>
-              <a:rPr lang="pl-PL" kern="1200" dirty="0" err="1" smtClean="0">
+              <a:rPr lang="pl-PL" kern="1200" dirty="0" err="1">
                 <a:latin typeface="Arial" pitchFamily="34" charset="0"/>
               </a:rPr>
               <a:t>jacoco</a:t>
             </a:r>
             <a:r>
-              <a:rPr lang="pl-PL" kern="1200" dirty="0" smtClean="0">
+              <a:rPr lang="pl-PL" kern="1200" dirty="0">
                 <a:latin typeface="Arial" pitchFamily="34" charset="0"/>
               </a:rPr>
               <a:t> report  (</a:t>
@@ -13212,182 +12770,182 @@
               <a:t> </a:t>
             </a:r>
             <a:r>
-              <a:rPr lang="pl-PL" dirty="0" err="1" smtClean="0"/>
+              <a:rPr lang="pl-PL" dirty="0" err="1"/>
               <a:t>jacocoTestReport</a:t>
             </a:r>
             <a:r>
-              <a:rPr lang="pl-PL" dirty="0" smtClean="0"/>
+              <a:rPr lang="pl-PL" dirty="0"/>
               <a:t>) </a:t>
             </a:r>
             <a:r>
-              <a:rPr lang="pl-PL" kern="1200" dirty="0" smtClean="0">
+              <a:rPr lang="pl-PL" kern="1200" dirty="0">
                 <a:latin typeface="Arial" pitchFamily="34" charset="0"/>
               </a:rPr>
               <a:t>to </a:t>
             </a:r>
             <a:r>
-              <a:rPr lang="pl-PL" kern="1200" dirty="0" err="1" smtClean="0">
+              <a:rPr lang="pl-PL" kern="1200" dirty="0" err="1">
                 <a:latin typeface="Arial" pitchFamily="34" charset="0"/>
               </a:rPr>
               <a:t>confirm</a:t>
             </a:r>
             <a:r>
-              <a:rPr lang="pl-PL" kern="1200" dirty="0" smtClean="0">
+              <a:rPr lang="pl-PL" kern="1200" dirty="0">
                 <a:latin typeface="Arial" pitchFamily="34" charset="0"/>
               </a:rPr>
               <a:t> </a:t>
             </a:r>
             <a:r>
-              <a:rPr lang="pl-PL" kern="1200" dirty="0" err="1" smtClean="0">
+              <a:rPr lang="pl-PL" kern="1200" dirty="0" err="1">
                 <a:latin typeface="Arial" pitchFamily="34" charset="0"/>
               </a:rPr>
               <a:t>coverage</a:t>
             </a:r>
-            <a:endParaRPr lang="pl-PL" kern="1200" dirty="0" smtClean="0">
+            <a:endParaRPr lang="pl-PL" kern="1200" dirty="0">
               <a:latin typeface="Arial" pitchFamily="34" charset="0"/>
             </a:endParaRPr>
           </a:p>
           <a:p>
             <a:r>
-              <a:rPr lang="pl-PL" kern="1200" dirty="0" smtClean="0">
+              <a:rPr lang="pl-PL" kern="1200" dirty="0">
                 <a:latin typeface="Arial" pitchFamily="34" charset="0"/>
               </a:rPr>
               <a:t>Links to </a:t>
             </a:r>
             <a:r>
-              <a:rPr lang="pl-PL" kern="1200" dirty="0" err="1" smtClean="0">
+              <a:rPr lang="pl-PL" kern="1200" dirty="0" err="1">
                 <a:latin typeface="Arial" pitchFamily="34" charset="0"/>
               </a:rPr>
               <a:t>all</a:t>
             </a:r>
             <a:r>
-              <a:rPr lang="pl-PL" kern="1200" dirty="0" smtClean="0">
+              <a:rPr lang="pl-PL" kern="1200" dirty="0">
                 <a:latin typeface="Arial" pitchFamily="34" charset="0"/>
               </a:rPr>
               <a:t> </a:t>
             </a:r>
             <a:r>
-              <a:rPr lang="pl-PL" kern="1200" dirty="0" err="1" smtClean="0">
+              <a:rPr lang="pl-PL" kern="1200" dirty="0" err="1">
                 <a:latin typeface="Arial" pitchFamily="34" charset="0"/>
               </a:rPr>
               <a:t>tools</a:t>
             </a:r>
             <a:r>
-              <a:rPr lang="pl-PL" kern="1200" dirty="0" smtClean="0">
+              <a:rPr lang="pl-PL" kern="1200" dirty="0">
                 <a:latin typeface="Arial" pitchFamily="34" charset="0"/>
               </a:rPr>
               <a:t> and materials </a:t>
             </a:r>
             <a:r>
-              <a:rPr lang="pl-PL" kern="1200" dirty="0" err="1" smtClean="0">
+              <a:rPr lang="pl-PL" kern="1200" dirty="0" err="1">
                 <a:latin typeface="Arial" pitchFamily="34" charset="0"/>
               </a:rPr>
               <a:t>that</a:t>
             </a:r>
             <a:r>
-              <a:rPr lang="pl-PL" kern="1200" dirty="0" smtClean="0">
+              <a:rPr lang="pl-PL" kern="1200" dirty="0">
                 <a:latin typeface="Arial" pitchFamily="34" charset="0"/>
               </a:rPr>
               <a:t> </a:t>
             </a:r>
             <a:r>
-              <a:rPr lang="pl-PL" kern="1200" dirty="0" err="1" smtClean="0">
+              <a:rPr lang="pl-PL" kern="1200" dirty="0" err="1">
                 <a:latin typeface="Arial" pitchFamily="34" charset="0"/>
               </a:rPr>
               <a:t>are</a:t>
             </a:r>
             <a:r>
-              <a:rPr lang="pl-PL" kern="1200" dirty="0" smtClean="0">
+              <a:rPr lang="pl-PL" kern="1200" dirty="0">
                 <a:latin typeface="Arial" pitchFamily="34" charset="0"/>
               </a:rPr>
               <a:t> </a:t>
             </a:r>
             <a:r>
-              <a:rPr lang="pl-PL" kern="1200" dirty="0" err="1" smtClean="0">
+              <a:rPr lang="pl-PL" kern="1200" dirty="0" err="1">
                 <a:latin typeface="Arial" pitchFamily="34" charset="0"/>
               </a:rPr>
               <a:t>required</a:t>
             </a:r>
             <a:r>
-              <a:rPr lang="pl-PL" kern="1200" dirty="0" smtClean="0">
+              <a:rPr lang="pl-PL" kern="1200" dirty="0">
                 <a:latin typeface="Arial" pitchFamily="34" charset="0"/>
               </a:rPr>
               <a:t> to </a:t>
             </a:r>
             <a:r>
-              <a:rPr lang="pl-PL" kern="1200" dirty="0" err="1" smtClean="0">
+              <a:rPr lang="pl-PL" kern="1200" dirty="0" err="1">
                 <a:latin typeface="Arial" pitchFamily="34" charset="0"/>
               </a:rPr>
               <a:t>comlete</a:t>
             </a:r>
             <a:r>
-              <a:rPr lang="pl-PL" kern="1200" dirty="0" smtClean="0">
+              <a:rPr lang="pl-PL" kern="1200" dirty="0">
                 <a:latin typeface="Arial" pitchFamily="34" charset="0"/>
               </a:rPr>
               <a:t> </a:t>
             </a:r>
             <a:r>
-              <a:rPr lang="pl-PL" kern="1200" dirty="0" err="1" smtClean="0">
+              <a:rPr lang="pl-PL" kern="1200" dirty="0" err="1">
                 <a:latin typeface="Arial" pitchFamily="34" charset="0"/>
               </a:rPr>
               <a:t>this</a:t>
             </a:r>
             <a:r>
-              <a:rPr lang="pl-PL" kern="1200" dirty="0" smtClean="0">
+              <a:rPr lang="pl-PL" kern="1200" dirty="0">
                 <a:latin typeface="Arial" pitchFamily="34" charset="0"/>
               </a:rPr>
               <a:t> </a:t>
             </a:r>
             <a:r>
-              <a:rPr lang="pl-PL" kern="1200" dirty="0" err="1" smtClean="0">
+              <a:rPr lang="pl-PL" kern="1200" dirty="0" err="1">
                 <a:latin typeface="Arial" pitchFamily="34" charset="0"/>
               </a:rPr>
               <a:t>task</a:t>
             </a:r>
             <a:r>
-              <a:rPr lang="pl-PL" kern="1200" dirty="0" smtClean="0">
+              <a:rPr lang="pl-PL" kern="1200" dirty="0">
                 <a:latin typeface="Arial" pitchFamily="34" charset="0"/>
               </a:rPr>
               <a:t> </a:t>
             </a:r>
             <a:r>
-              <a:rPr lang="pl-PL" kern="1200" dirty="0" err="1" smtClean="0">
+              <a:rPr lang="pl-PL" kern="1200" dirty="0" err="1">
                 <a:latin typeface="Arial" pitchFamily="34" charset="0"/>
               </a:rPr>
               <a:t>can</a:t>
             </a:r>
             <a:r>
-              <a:rPr lang="pl-PL" kern="1200" dirty="0" smtClean="0">
+              <a:rPr lang="pl-PL" kern="1200" dirty="0">
                 <a:latin typeface="Arial" pitchFamily="34" charset="0"/>
               </a:rPr>
               <a:t> be </a:t>
             </a:r>
             <a:r>
-              <a:rPr lang="pl-PL" kern="1200" dirty="0" err="1" smtClean="0">
+              <a:rPr lang="pl-PL" kern="1200" dirty="0" err="1">
                 <a:latin typeface="Arial" pitchFamily="34" charset="0"/>
               </a:rPr>
               <a:t>find</a:t>
             </a:r>
             <a:r>
-              <a:rPr lang="pl-PL" kern="1200" dirty="0" smtClean="0">
+              <a:rPr lang="pl-PL" kern="1200" dirty="0">
                 <a:latin typeface="Arial" pitchFamily="34" charset="0"/>
               </a:rPr>
               <a:t> in </a:t>
             </a:r>
             <a:r>
-              <a:rPr lang="pl-PL" kern="1200" dirty="0" err="1" smtClean="0">
+              <a:rPr lang="pl-PL" kern="1200" dirty="0" err="1">
                 <a:latin typeface="Arial" pitchFamily="34" charset="0"/>
               </a:rPr>
               <a:t>this</a:t>
             </a:r>
             <a:r>
-              <a:rPr lang="pl-PL" kern="1200" dirty="0" smtClean="0">
+              <a:rPr lang="pl-PL" kern="1200" dirty="0">
                 <a:latin typeface="Arial" pitchFamily="34" charset="0"/>
               </a:rPr>
               <a:t> </a:t>
             </a:r>
             <a:r>
-              <a:rPr lang="pl-PL" kern="1200" dirty="0" err="1" smtClean="0">
+              <a:rPr lang="pl-PL" kern="1200" dirty="0" err="1">
                 <a:latin typeface="Arial" pitchFamily="34" charset="0"/>
               </a:rPr>
               <a:t>presentation</a:t>
@@ -13423,11 +12981,11 @@
           <a:lstStyle/>
           <a:p>
             <a:r>
-              <a:rPr lang="pl-PL" dirty="0" err="1" smtClean="0"/>
+              <a:rPr lang="pl-PL" dirty="0" err="1"/>
               <a:t>Task</a:t>
             </a:r>
             <a:r>
-              <a:rPr lang="pl-PL" dirty="0" smtClean="0"/>
+              <a:rPr lang="pl-PL" dirty="0"/>
               <a:t> 1</a:t>
             </a:r>
             <a:endParaRPr lang="en-US" dirty="0"/>
@@ -13447,13 +13005,6 @@
   <p:transition spd="slow">
     <p:push dir="u"/>
   </p:transition>
-  <p:timing>
-    <p:tnLst>
-      <p:par>
-        <p:cTn id="1" dur="indefinite" restart="never" nodeType="tmRoot"/>
-      </p:par>
-    </p:tnLst>
-  </p:timing>
 </p:sld>
 </file>
 
@@ -13493,10 +13044,9 @@
               <a:buNone/>
             </a:pPr>
             <a:r>
-              <a:rPr lang="en-US" dirty="0" smtClean="0"/>
+              <a:rPr lang="en-US" dirty="0"/>
               <a:t> </a:t>
             </a:r>
-            <a:endParaRPr lang="en-US" dirty="0"/>
           </a:p>
         </p:txBody>
       </p:sp>
@@ -13516,10 +13066,9 @@
           <a:lstStyle/>
           <a:p>
             <a:r>
-              <a:rPr lang="en-US" dirty="0" smtClean="0"/>
+              <a:rPr lang="en-US" dirty="0"/>
               <a:t>Thank you!</a:t>
             </a:r>
-            <a:endParaRPr lang="en-US" dirty="0"/>
           </a:p>
         </p:txBody>
       </p:sp>
@@ -13536,13 +13085,6 @@
   <p:transition spd="slow">
     <p:push dir="u"/>
   </p:transition>
-  <p:timing>
-    <p:tnLst>
-      <p:par>
-        <p:cTn id="1" dur="indefinite" restart="never" nodeType="tmRoot"/>
-      </p:par>
-    </p:tnLst>
-  </p:timing>
 </p:sld>
 </file>
 
@@ -13579,70 +13121,70 @@
           <a:lstStyle/>
           <a:p>
             <a:r>
-              <a:rPr lang="en-US" dirty="0" smtClean="0"/>
+              <a:rPr lang="en-US" dirty="0"/>
               <a:t>Coverage criteria</a:t>
             </a:r>
           </a:p>
           <a:p>
             <a:pPr lvl="1"/>
             <a:r>
-              <a:rPr lang="en-US" dirty="0" smtClean="0"/>
+              <a:rPr lang="en-US" dirty="0"/>
               <a:t>Statements coverage</a:t>
             </a:r>
           </a:p>
           <a:p>
             <a:r>
-              <a:rPr lang="en-US" dirty="0" smtClean="0"/>
+              <a:rPr lang="en-US" dirty="0"/>
               <a:t>Unit testing</a:t>
             </a:r>
           </a:p>
           <a:p>
             <a:pPr lvl="1"/>
             <a:r>
-              <a:rPr lang="en-US" dirty="0" err="1" smtClean="0"/>
+              <a:rPr lang="en-US" dirty="0" err="1"/>
               <a:t>JUnit</a:t>
             </a:r>
-            <a:endParaRPr lang="en-US" dirty="0" smtClean="0"/>
+            <a:endParaRPr lang="en-US" dirty="0"/>
           </a:p>
           <a:p>
             <a:pPr lvl="1"/>
             <a:r>
-              <a:rPr lang="en-US" dirty="0" err="1" smtClean="0"/>
+              <a:rPr lang="en-US" dirty="0" err="1"/>
               <a:t>JUnitParam</a:t>
             </a:r>
-            <a:endParaRPr lang="en-US" dirty="0" smtClean="0"/>
+            <a:endParaRPr lang="en-US" dirty="0"/>
           </a:p>
           <a:p>
             <a:pPr lvl="1"/>
             <a:r>
-              <a:rPr lang="en-US" dirty="0" err="1" smtClean="0"/>
+              <a:rPr lang="en-US" dirty="0" err="1"/>
               <a:t>Mockito</a:t>
             </a:r>
-            <a:endParaRPr lang="en-US" dirty="0" smtClean="0"/>
+            <a:endParaRPr lang="en-US" dirty="0"/>
           </a:p>
           <a:p>
             <a:pPr lvl="1"/>
             <a:r>
-              <a:rPr lang="en-US" dirty="0" err="1" smtClean="0"/>
+              <a:rPr lang="en-US" dirty="0" err="1"/>
               <a:t>JaCoCo</a:t>
             </a:r>
-            <a:endParaRPr lang="en-US" dirty="0" smtClean="0"/>
-          </a:p>
-          <a:p>
-            <a:r>
-              <a:rPr lang="en-US" dirty="0" smtClean="0"/>
+            <a:endParaRPr lang="en-US" dirty="0"/>
+          </a:p>
+          <a:p>
+            <a:r>
+              <a:rPr lang="en-US" dirty="0"/>
               <a:t>Reviews</a:t>
             </a:r>
           </a:p>
           <a:p>
             <a:pPr lvl="1"/>
             <a:r>
-              <a:rPr lang="en-US" dirty="0" smtClean="0"/>
+              <a:rPr lang="en-US" dirty="0"/>
               <a:t>Code inspection</a:t>
             </a:r>
           </a:p>
           <a:p>
-            <a:endParaRPr lang="en-US" dirty="0" smtClean="0"/>
+            <a:endParaRPr lang="en-US" dirty="0"/>
           </a:p>
           <a:p>
             <a:pPr lvl="1"/>
@@ -13666,10 +13208,9 @@
           <a:lstStyle/>
           <a:p>
             <a:r>
-              <a:rPr lang="en-US" dirty="0" smtClean="0"/>
+              <a:rPr lang="en-US" dirty="0"/>
               <a:t>Agenda</a:t>
             </a:r>
-            <a:endParaRPr lang="en-US" dirty="0"/>
           </a:p>
         </p:txBody>
       </p:sp>
@@ -13937,11 +13478,11 @@
               <a:buNone/>
             </a:pPr>
             <a:r>
-              <a:rPr lang="pl-PL" sz="1200" b="1" kern="0" dirty="0" err="1" smtClean="0"/>
+              <a:rPr lang="pl-PL" sz="1200" b="1" kern="0" dirty="0" err="1"/>
               <a:t>Additional</a:t>
             </a:r>
             <a:r>
-              <a:rPr lang="pl-PL" sz="1200" b="1" kern="0" dirty="0" smtClean="0"/>
+              <a:rPr lang="pl-PL" sz="1200" b="1" kern="0" dirty="0"/>
               <a:t> materials </a:t>
             </a:r>
           </a:p>
@@ -13951,36 +13492,24 @@
               <a:buNone/>
             </a:pPr>
             <a:r>
-              <a:rPr lang="pl-PL" sz="1200" kern="0" dirty="0" smtClean="0"/>
+              <a:rPr lang="pl-PL" sz="1200" kern="0" dirty="0"/>
               <a:t>Source </a:t>
             </a:r>
             <a:r>
-              <a:rPr lang="pl-PL" sz="1200" kern="0" dirty="0" err="1" smtClean="0"/>
+              <a:rPr lang="pl-PL" sz="1200" kern="0" dirty="0" err="1"/>
               <a:t>code</a:t>
             </a:r>
             <a:r>
-              <a:rPr lang="pl-PL" sz="1200" kern="0" dirty="0" smtClean="0"/>
+              <a:rPr lang="pl-PL" sz="1200" kern="0" dirty="0"/>
               <a:t> </a:t>
-            </a:r>
-            <a:r>
-              <a:rPr lang="en-US" sz="1200" kern="0" dirty="0" smtClean="0">
-                <a:hlinkClick r:id="rId4"/>
-              </a:rPr>
-              <a:t>https</a:t>
             </a:r>
             <a:r>
               <a:rPr lang="en-US" sz="1200" kern="0" dirty="0">
                 <a:hlinkClick r:id="rId4"/>
               </a:rPr>
-              <a:t>://</a:t>
-            </a:r>
-            <a:r>
-              <a:rPr lang="en-US" sz="1200" kern="0" dirty="0" smtClean="0">
-                <a:hlinkClick r:id="rId4"/>
-              </a:rPr>
-              <a:t>github.com/jacekokrojek/math.uni.lodz.pl</a:t>
-            </a:r>
-            <a:endParaRPr lang="pl-PL" sz="1200" kern="0" dirty="0" smtClean="0"/>
+              <a:t>https://github.com/jacekokrojek/math.uni.lodz.pl</a:t>
+            </a:r>
+            <a:endParaRPr lang="pl-PL" sz="1200" kern="0" dirty="0"/>
           </a:p>
           <a:p>
             <a:pPr marL="0" indent="0">
@@ -14004,13 +13533,6 @@
   <p:transition spd="slow">
     <p:push dir="u"/>
   </p:transition>
-  <p:timing>
-    <p:tnLst>
-      <p:par>
-        <p:cTn id="1" dur="indefinite" restart="never" nodeType="tmRoot"/>
-      </p:par>
-    </p:tnLst>
-  </p:timing>
 </p:sld>
 </file>
 
@@ -14052,7 +13574,7 @@
           <a:lstStyle/>
           <a:p>
             <a:r>
-              <a:rPr lang="en-US" dirty="0" smtClean="0"/>
+              <a:rPr lang="en-US" dirty="0"/>
               <a:t>White Box or Structure based techniques</a:t>
             </a:r>
           </a:p>
@@ -14061,7 +13583,7 @@
               <a:buNone/>
             </a:pPr>
             <a:r>
-              <a:rPr lang="en-US" dirty="0" smtClean="0"/>
+              <a:rPr lang="en-US" dirty="0"/>
               <a:t>Testing or test design using knowledge of the details of the internals of the program (code and data). White Box testers typically ask “Does this code do what the programmer expects or intends?” in contrast to the black box question: “Does this do what the users (human and software) expect?”</a:t>
             </a:r>
           </a:p>
@@ -14069,11 +13591,11 @@
             <a:pPr marL="0" indent="0">
               <a:buNone/>
             </a:pPr>
-            <a:endParaRPr lang="en-US" dirty="0" smtClean="0"/>
-          </a:p>
-          <a:p>
-            <a:r>
-              <a:rPr lang="en-US" dirty="0" smtClean="0">
+            <a:endParaRPr lang="en-US" dirty="0"/>
+          </a:p>
+          <a:p>
+            <a:r>
+              <a:rPr lang="en-US" dirty="0">
                 <a:solidFill>
                   <a:srgbClr val="FF0000"/>
                 </a:solidFill>
@@ -14105,10 +13627,9 @@
           <a:lstStyle/>
           <a:p>
             <a:r>
-              <a:rPr lang="en-US" dirty="0" smtClean="0"/>
+              <a:rPr lang="en-US" dirty="0"/>
               <a:t>Testing techniques</a:t>
             </a:r>
-            <a:endParaRPr lang="en-US" dirty="0"/>
           </a:p>
         </p:txBody>
       </p:sp>
@@ -14149,35 +13670,35 @@
               <a:t>public </a:t>
             </a:r>
             <a:r>
-              <a:rPr lang="pl-PL" sz="1000" dirty="0" err="1" smtClean="0">
+              <a:rPr lang="pl-PL" sz="1000" dirty="0" err="1">
                 <a:latin typeface="Courier New" panose="02070309020205020404" pitchFamily="49" charset="0"/>
                 <a:cs typeface="Courier New" panose="02070309020205020404" pitchFamily="49" charset="0"/>
               </a:rPr>
               <a:t>int</a:t>
             </a:r>
             <a:r>
-              <a:rPr lang="pl-PL" sz="1000" dirty="0" smtClean="0">
+              <a:rPr lang="pl-PL" sz="1000" dirty="0">
                 <a:latin typeface="Courier New" panose="02070309020205020404" pitchFamily="49" charset="0"/>
                 <a:cs typeface="Courier New" panose="02070309020205020404" pitchFamily="49" charset="0"/>
               </a:rPr>
               <a:t> </a:t>
             </a:r>
             <a:r>
-              <a:rPr lang="en-US" sz="1000" dirty="0" smtClean="0">
+              <a:rPr lang="en-US" sz="1000" dirty="0">
                 <a:latin typeface="Courier New" panose="02070309020205020404" pitchFamily="49" charset="0"/>
                 <a:cs typeface="Courier New" panose="02070309020205020404" pitchFamily="49" charset="0"/>
               </a:rPr>
               <a:t>foo(</a:t>
             </a:r>
             <a:r>
-              <a:rPr lang="en-US" sz="1000" dirty="0" err="1" smtClean="0">
+              <a:rPr lang="en-US" sz="1000" dirty="0" err="1">
                 <a:latin typeface="Courier New" panose="02070309020205020404" pitchFamily="49" charset="0"/>
                 <a:cs typeface="Courier New" panose="02070309020205020404" pitchFamily="49" charset="0"/>
               </a:rPr>
               <a:t>int</a:t>
             </a:r>
             <a:r>
-              <a:rPr lang="en-US" sz="1000" dirty="0" smtClean="0">
+              <a:rPr lang="en-US" sz="1000" dirty="0">
                 <a:latin typeface="Courier New" panose="02070309020205020404" pitchFamily="49" charset="0"/>
                 <a:cs typeface="Courier New" panose="02070309020205020404" pitchFamily="49" charset="0"/>
               </a:rPr>
@@ -14215,131 +13736,85 @@
           <a:p>
             <a:pPr defTabSz="452438"/>
             <a:r>
-              <a:rPr lang="pl-PL" sz="1000" dirty="0" smtClean="0">
+              <a:rPr lang="pl-PL" sz="1000" dirty="0">
                 <a:latin typeface="Courier New" panose="02070309020205020404" pitchFamily="49" charset="0"/>
                 <a:cs typeface="Courier New" panose="02070309020205020404" pitchFamily="49" charset="0"/>
               </a:rPr>
               <a:t>	</a:t>
             </a:r>
             <a:r>
-              <a:rPr lang="pl-PL" sz="1000" dirty="0" err="1" smtClean="0">
+              <a:rPr lang="pl-PL" sz="1000" dirty="0" err="1">
                 <a:latin typeface="Courier New" panose="02070309020205020404" pitchFamily="49" charset="0"/>
                 <a:cs typeface="Courier New" panose="02070309020205020404" pitchFamily="49" charset="0"/>
               </a:rPr>
               <a:t>if</a:t>
             </a:r>
             <a:r>
-              <a:rPr lang="pl-PL" sz="1000" dirty="0" smtClean="0">
-                <a:latin typeface="Courier New" panose="02070309020205020404" pitchFamily="49" charset="0"/>
-                <a:cs typeface="Courier New" panose="02070309020205020404" pitchFamily="49" charset="0"/>
-              </a:rPr>
-              <a:t>(A&gt;1 </a:t>
-            </a:r>
-            <a:r>
-              <a:rPr lang="pl-PL" sz="1000" dirty="0">
-                <a:latin typeface="Courier New" panose="02070309020205020404" pitchFamily="49" charset="0"/>
-                <a:cs typeface="Courier New" panose="02070309020205020404" pitchFamily="49" charset="0"/>
-              </a:rPr>
-              <a:t>&amp;&amp; </a:t>
-            </a:r>
-            <a:r>
-              <a:rPr lang="pl-PL" sz="1000" dirty="0" smtClean="0">
-                <a:latin typeface="Courier New" panose="02070309020205020404" pitchFamily="49" charset="0"/>
-                <a:cs typeface="Courier New" panose="02070309020205020404" pitchFamily="49" charset="0"/>
-              </a:rPr>
-              <a:t>B==0</a:t>
-            </a:r>
-            <a:r>
-              <a:rPr lang="pl-PL" sz="1000" dirty="0">
-                <a:latin typeface="Courier New" panose="02070309020205020404" pitchFamily="49" charset="0"/>
-                <a:cs typeface="Courier New" panose="02070309020205020404" pitchFamily="49" charset="0"/>
-              </a:rPr>
-              <a:t>) {</a:t>
+              <a:rPr lang="pl-PL" sz="1000" dirty="0">
+                <a:latin typeface="Courier New" panose="02070309020205020404" pitchFamily="49" charset="0"/>
+                <a:cs typeface="Courier New" panose="02070309020205020404" pitchFamily="49" charset="0"/>
+              </a:rPr>
+              <a:t>(A&gt;1 &amp;&amp; B==0) {</a:t>
             </a:r>
           </a:p>
           <a:p>
             <a:pPr defTabSz="452438"/>
             <a:r>
-              <a:rPr lang="pl-PL" sz="1000" dirty="0" smtClean="0">
-                <a:latin typeface="Courier New" panose="02070309020205020404" pitchFamily="49" charset="0"/>
-                <a:cs typeface="Courier New" panose="02070309020205020404" pitchFamily="49" charset="0"/>
-              </a:rPr>
-              <a:t>		X=X/A</a:t>
-            </a:r>
-            <a:r>
-              <a:rPr lang="pl-PL" sz="1000" dirty="0">
-                <a:latin typeface="Courier New" panose="02070309020205020404" pitchFamily="49" charset="0"/>
-                <a:cs typeface="Courier New" panose="02070309020205020404" pitchFamily="49" charset="0"/>
-              </a:rPr>
-              <a:t>;</a:t>
+              <a:rPr lang="pl-PL" sz="1000" dirty="0">
+                <a:latin typeface="Courier New" panose="02070309020205020404" pitchFamily="49" charset="0"/>
+                <a:cs typeface="Courier New" panose="02070309020205020404" pitchFamily="49" charset="0"/>
+              </a:rPr>
+              <a:t>		X=X/A;</a:t>
             </a:r>
           </a:p>
           <a:p>
             <a:pPr defTabSz="452438"/>
             <a:r>
-              <a:rPr lang="pl-PL" sz="1000" dirty="0" smtClean="0">
+              <a:rPr lang="pl-PL" sz="1000" dirty="0">
                 <a:latin typeface="Courier New" panose="02070309020205020404" pitchFamily="49" charset="0"/>
                 <a:cs typeface="Courier New" panose="02070309020205020404" pitchFamily="49" charset="0"/>
               </a:rPr>
               <a:t>	}</a:t>
             </a:r>
-            <a:endParaRPr lang="pl-PL" sz="1000" dirty="0">
-              <a:latin typeface="Courier New" panose="02070309020205020404" pitchFamily="49" charset="0"/>
-              <a:cs typeface="Courier New" panose="02070309020205020404" pitchFamily="49" charset="0"/>
-            </a:endParaRPr>
           </a:p>
           <a:p>
             <a:pPr defTabSz="452438"/>
             <a:r>
-              <a:rPr lang="pl-PL" sz="1000" dirty="0" smtClean="0">
+              <a:rPr lang="pl-PL" sz="1000" dirty="0">
                 <a:latin typeface="Courier New" panose="02070309020205020404" pitchFamily="49" charset="0"/>
                 <a:cs typeface="Courier New" panose="02070309020205020404" pitchFamily="49" charset="0"/>
               </a:rPr>
               <a:t>	</a:t>
             </a:r>
             <a:r>
-              <a:rPr lang="pl-PL" sz="1000" dirty="0" err="1" smtClean="0">
+              <a:rPr lang="pl-PL" sz="1000" dirty="0" err="1">
                 <a:latin typeface="Courier New" panose="02070309020205020404" pitchFamily="49" charset="0"/>
                 <a:cs typeface="Courier New" panose="02070309020205020404" pitchFamily="49" charset="0"/>
               </a:rPr>
               <a:t>if</a:t>
             </a:r>
             <a:r>
-              <a:rPr lang="pl-PL" sz="1000" dirty="0" smtClean="0">
-                <a:latin typeface="Courier New" panose="02070309020205020404" pitchFamily="49" charset="0"/>
-                <a:cs typeface="Courier New" panose="02070309020205020404" pitchFamily="49" charset="0"/>
-              </a:rPr>
-              <a:t>(A==2 || </a:t>
-            </a:r>
-            <a:r>
-              <a:rPr lang="pl-PL" sz="1000" dirty="0">
-                <a:latin typeface="Courier New" panose="02070309020205020404" pitchFamily="49" charset="0"/>
-                <a:cs typeface="Courier New" panose="02070309020205020404" pitchFamily="49" charset="0"/>
-              </a:rPr>
-              <a:t>X&gt;1) {</a:t>
+              <a:rPr lang="pl-PL" sz="1000" dirty="0">
+                <a:latin typeface="Courier New" panose="02070309020205020404" pitchFamily="49" charset="0"/>
+                <a:cs typeface="Courier New" panose="02070309020205020404" pitchFamily="49" charset="0"/>
+              </a:rPr>
+              <a:t>(A==2 || X&gt;1) {</a:t>
             </a:r>
           </a:p>
           <a:p>
             <a:pPr defTabSz="452438"/>
             <a:r>
-              <a:rPr lang="pl-PL" sz="1000" dirty="0" smtClean="0">
-                <a:latin typeface="Courier New" panose="02070309020205020404" pitchFamily="49" charset="0"/>
-                <a:cs typeface="Courier New" panose="02070309020205020404" pitchFamily="49" charset="0"/>
-              </a:rPr>
-              <a:t>		X=X+1</a:t>
-            </a:r>
-            <a:r>
-              <a:rPr lang="pl-PL" sz="1000" dirty="0">
-                <a:latin typeface="Courier New" panose="02070309020205020404" pitchFamily="49" charset="0"/>
-                <a:cs typeface="Courier New" panose="02070309020205020404" pitchFamily="49" charset="0"/>
-              </a:rPr>
-              <a:t>;</a:t>
+              <a:rPr lang="pl-PL" sz="1000" dirty="0">
+                <a:latin typeface="Courier New" panose="02070309020205020404" pitchFamily="49" charset="0"/>
+                <a:cs typeface="Courier New" panose="02070309020205020404" pitchFamily="49" charset="0"/>
+              </a:rPr>
+              <a:t>		X=X+1;</a:t>
             </a:r>
           </a:p>
           <a:p>
             <a:pPr defTabSz="452438"/>
             <a:r>
-              <a:rPr lang="pl-PL" sz="1000" dirty="0" smtClean="0">
+              <a:rPr lang="pl-PL" sz="1000" dirty="0">
                 <a:latin typeface="Courier New" panose="02070309020205020404" pitchFamily="49" charset="0"/>
                 <a:cs typeface="Courier New" panose="02070309020205020404" pitchFamily="49" charset="0"/>
               </a:rPr>
@@ -14353,19 +13828,8 @@
                 <a:latin typeface="Courier New" panose="02070309020205020404" pitchFamily="49" charset="0"/>
                 <a:cs typeface="Courier New" panose="02070309020205020404" pitchFamily="49" charset="0"/>
               </a:rPr>
-              <a:t>	</a:t>
-            </a:r>
-            <a:r>
-              <a:rPr lang="pl-PL" sz="1000" dirty="0" smtClean="0">
-                <a:latin typeface="Courier New" panose="02070309020205020404" pitchFamily="49" charset="0"/>
-                <a:cs typeface="Courier New" panose="02070309020205020404" pitchFamily="49" charset="0"/>
-              </a:rPr>
-              <a:t>return X;</a:t>
-            </a:r>
-            <a:endParaRPr lang="pl-PL" sz="1000" dirty="0">
-              <a:latin typeface="Courier New" panose="02070309020205020404" pitchFamily="49" charset="0"/>
-              <a:cs typeface="Courier New" panose="02070309020205020404" pitchFamily="49" charset="0"/>
-            </a:endParaRPr>
+              <a:t>	return X;</a:t>
+            </a:r>
           </a:p>
           <a:p>
             <a:pPr defTabSz="452438"/>
@@ -14396,13 +13860,6 @@
   <p:transition spd="slow">
     <p:push dir="u"/>
   </p:transition>
-  <p:timing>
-    <p:tnLst>
-      <p:par>
-        <p:cTn id="1" dur="indefinite" restart="never" nodeType="tmRoot"/>
-      </p:par>
-    </p:tnLst>
-  </p:timing>
 </p:sld>
 </file>
 
@@ -14444,51 +13901,51 @@
           <a:lstStyle/>
           <a:p>
             <a:r>
-              <a:rPr lang="en-US" b="1" dirty="0" smtClean="0"/>
+              <a:rPr lang="en-US" b="1" dirty="0"/>
               <a:t>Statement (instruction) coverage </a:t>
             </a:r>
             <a:r>
-              <a:rPr lang="en-US" dirty="0" smtClean="0"/>
+              <a:rPr lang="en-US" dirty="0"/>
               <a:t>counts how many instruction is in the program and how many are executed</a:t>
             </a:r>
           </a:p>
           <a:p>
             <a:r>
-              <a:rPr lang="en-US" dirty="0" smtClean="0"/>
+              <a:rPr lang="en-US" dirty="0"/>
               <a:t>100% achieved by following test:</a:t>
             </a:r>
           </a:p>
           <a:p>
             <a:pPr lvl="1"/>
             <a:r>
-              <a:rPr lang="en-US" dirty="0" smtClean="0"/>
+              <a:rPr lang="en-US" dirty="0"/>
               <a:t>A=2, B=0, and X=3</a:t>
             </a:r>
           </a:p>
           <a:p>
             <a:r>
-              <a:rPr lang="en-US" dirty="0" smtClean="0"/>
+              <a:rPr lang="en-US" dirty="0"/>
               <a:t>Does not discover errors in combined logical conditions - what if following is the right implementation</a:t>
             </a:r>
           </a:p>
           <a:p>
             <a:pPr lvl="1"/>
             <a:r>
-              <a:rPr lang="en-US" dirty="0" smtClean="0">
+              <a:rPr lang="en-US" dirty="0">
                 <a:latin typeface="Courier New" panose="02070309020205020404" pitchFamily="49" charset="0"/>
                 <a:cs typeface="Courier New" panose="02070309020205020404" pitchFamily="49" charset="0"/>
               </a:rPr>
               <a:t>if(A==2 || </a:t>
             </a:r>
             <a:r>
-              <a:rPr lang="en-US" b="1" dirty="0" smtClean="0">
+              <a:rPr lang="en-US" b="1" dirty="0">
                 <a:latin typeface="Courier New" panose="02070309020205020404" pitchFamily="49" charset="0"/>
                 <a:cs typeface="Courier New" panose="02070309020205020404" pitchFamily="49" charset="0"/>
               </a:rPr>
               <a:t>X&gt;0</a:t>
             </a:r>
             <a:r>
-              <a:rPr lang="en-US" dirty="0" smtClean="0">
+              <a:rPr lang="en-US" dirty="0">
                 <a:latin typeface="Courier New" panose="02070309020205020404" pitchFamily="49" charset="0"/>
                 <a:cs typeface="Courier New" panose="02070309020205020404" pitchFamily="49" charset="0"/>
               </a:rPr>
@@ -14497,7 +13954,7 @@
           </a:p>
           <a:p>
             <a:r>
-              <a:rPr lang="en-US" dirty="0" smtClean="0">
+              <a:rPr lang="en-US" dirty="0">
                 <a:cs typeface="Courier New" panose="02070309020205020404" pitchFamily="49" charset="0"/>
               </a:rPr>
               <a:t>X should not be changed for some condition</a:t>
@@ -14510,7 +13967,7 @@
                 <a:tab pos="265113" algn="l"/>
               </a:tabLst>
             </a:pPr>
-            <a:endParaRPr lang="en-US" dirty="0" smtClean="0"/>
+            <a:endParaRPr lang="en-US" dirty="0"/>
           </a:p>
           <a:p>
             <a:pPr marL="0" indent="0" defTabSz="179388">
@@ -14519,35 +13976,35 @@
                 <a:tab pos="265113" algn="l"/>
               </a:tabLst>
             </a:pPr>
-            <a:endParaRPr lang="en-US" dirty="0" smtClean="0"/>
+            <a:endParaRPr lang="en-US" dirty="0"/>
           </a:p>
           <a:p>
             <a:pPr marL="0" indent="0">
               <a:buNone/>
             </a:pPr>
-            <a:endParaRPr lang="en-US" sz="1100" baseline="30000" dirty="0" smtClean="0"/>
+            <a:endParaRPr lang="en-US" sz="1100" baseline="30000" dirty="0"/>
           </a:p>
           <a:p>
             <a:pPr marL="0" indent="0">
               <a:buNone/>
             </a:pPr>
-            <a:endParaRPr lang="en-US" sz="1100" baseline="30000" dirty="0" smtClean="0"/>
+            <a:endParaRPr lang="en-US" sz="1100" baseline="30000" dirty="0"/>
           </a:p>
           <a:p>
             <a:pPr lvl="1"/>
-            <a:endParaRPr lang="en-US" sz="1100" dirty="0" smtClean="0"/>
-          </a:p>
-          <a:p>
-            <a:endParaRPr lang="en-US" sz="1100" b="1" dirty="0" smtClean="0"/>
+            <a:endParaRPr lang="en-US" sz="1100" dirty="0"/>
+          </a:p>
+          <a:p>
+            <a:endParaRPr lang="en-US" sz="1100" b="1" dirty="0"/>
           </a:p>
           <a:p>
             <a:pPr marL="0" indent="0">
               <a:buNone/>
             </a:pPr>
-            <a:endParaRPr lang="en-US" dirty="0" smtClean="0"/>
-          </a:p>
-          <a:p>
-            <a:endParaRPr lang="en-US" dirty="0" smtClean="0"/>
+            <a:endParaRPr lang="en-US" dirty="0"/>
+          </a:p>
+          <a:p>
+            <a:endParaRPr lang="en-US" dirty="0"/>
           </a:p>
           <a:p>
             <a:pPr lvl="1"/>
@@ -14571,10 +14028,9 @@
           <a:lstStyle/>
           <a:p>
             <a:r>
-              <a:rPr lang="en-US" dirty="0" smtClean="0"/>
+              <a:rPr lang="en-US" dirty="0"/>
               <a:t>Logic coverage testing</a:t>
             </a:r>
-            <a:endParaRPr lang="en-US" dirty="0"/>
           </a:p>
         </p:txBody>
       </p:sp>
@@ -14615,35 +14071,35 @@
               <a:t>public </a:t>
             </a:r>
             <a:r>
-              <a:rPr lang="pl-PL" sz="1000" dirty="0" err="1" smtClean="0">
+              <a:rPr lang="pl-PL" sz="1000" dirty="0" err="1">
                 <a:latin typeface="Courier New" panose="02070309020205020404" pitchFamily="49" charset="0"/>
                 <a:cs typeface="Courier New" panose="02070309020205020404" pitchFamily="49" charset="0"/>
               </a:rPr>
               <a:t>int</a:t>
             </a:r>
             <a:r>
-              <a:rPr lang="pl-PL" sz="1000" dirty="0" smtClean="0">
+              <a:rPr lang="pl-PL" sz="1000" dirty="0">
                 <a:latin typeface="Courier New" panose="02070309020205020404" pitchFamily="49" charset="0"/>
                 <a:cs typeface="Courier New" panose="02070309020205020404" pitchFamily="49" charset="0"/>
               </a:rPr>
               <a:t> </a:t>
             </a:r>
             <a:r>
-              <a:rPr lang="en-US" sz="1000" dirty="0" smtClean="0">
+              <a:rPr lang="en-US" sz="1000" dirty="0">
                 <a:latin typeface="Courier New" panose="02070309020205020404" pitchFamily="49" charset="0"/>
                 <a:cs typeface="Courier New" panose="02070309020205020404" pitchFamily="49" charset="0"/>
               </a:rPr>
               <a:t>foo(</a:t>
             </a:r>
             <a:r>
-              <a:rPr lang="en-US" sz="1000" dirty="0" err="1" smtClean="0">
+              <a:rPr lang="en-US" sz="1000" dirty="0" err="1">
                 <a:latin typeface="Courier New" panose="02070309020205020404" pitchFamily="49" charset="0"/>
                 <a:cs typeface="Courier New" panose="02070309020205020404" pitchFamily="49" charset="0"/>
               </a:rPr>
               <a:t>int</a:t>
             </a:r>
             <a:r>
-              <a:rPr lang="en-US" sz="1000" dirty="0" smtClean="0">
+              <a:rPr lang="en-US" sz="1000" dirty="0">
                 <a:latin typeface="Courier New" panose="02070309020205020404" pitchFamily="49" charset="0"/>
                 <a:cs typeface="Courier New" panose="02070309020205020404" pitchFamily="49" charset="0"/>
               </a:rPr>
@@ -14681,131 +14137,85 @@
           <a:p>
             <a:pPr defTabSz="452438"/>
             <a:r>
-              <a:rPr lang="pl-PL" sz="1000" dirty="0" smtClean="0">
+              <a:rPr lang="pl-PL" sz="1000" dirty="0">
                 <a:latin typeface="Courier New" panose="02070309020205020404" pitchFamily="49" charset="0"/>
                 <a:cs typeface="Courier New" panose="02070309020205020404" pitchFamily="49" charset="0"/>
               </a:rPr>
               <a:t>	</a:t>
             </a:r>
             <a:r>
-              <a:rPr lang="pl-PL" sz="1000" dirty="0" err="1" smtClean="0">
+              <a:rPr lang="pl-PL" sz="1000" dirty="0" err="1">
                 <a:latin typeface="Courier New" panose="02070309020205020404" pitchFamily="49" charset="0"/>
                 <a:cs typeface="Courier New" panose="02070309020205020404" pitchFamily="49" charset="0"/>
               </a:rPr>
               <a:t>if</a:t>
             </a:r>
             <a:r>
-              <a:rPr lang="pl-PL" sz="1000" dirty="0" smtClean="0">
-                <a:latin typeface="Courier New" panose="02070309020205020404" pitchFamily="49" charset="0"/>
-                <a:cs typeface="Courier New" panose="02070309020205020404" pitchFamily="49" charset="0"/>
-              </a:rPr>
-              <a:t>(A&gt;1 </a:t>
-            </a:r>
-            <a:r>
-              <a:rPr lang="pl-PL" sz="1000" dirty="0">
-                <a:latin typeface="Courier New" panose="02070309020205020404" pitchFamily="49" charset="0"/>
-                <a:cs typeface="Courier New" panose="02070309020205020404" pitchFamily="49" charset="0"/>
-              </a:rPr>
-              <a:t>&amp;&amp; </a:t>
-            </a:r>
-            <a:r>
-              <a:rPr lang="pl-PL" sz="1000" dirty="0" smtClean="0">
-                <a:latin typeface="Courier New" panose="02070309020205020404" pitchFamily="49" charset="0"/>
-                <a:cs typeface="Courier New" panose="02070309020205020404" pitchFamily="49" charset="0"/>
-              </a:rPr>
-              <a:t>B==0</a:t>
-            </a:r>
-            <a:r>
-              <a:rPr lang="pl-PL" sz="1000" dirty="0">
-                <a:latin typeface="Courier New" panose="02070309020205020404" pitchFamily="49" charset="0"/>
-                <a:cs typeface="Courier New" panose="02070309020205020404" pitchFamily="49" charset="0"/>
-              </a:rPr>
-              <a:t>) {</a:t>
+              <a:rPr lang="pl-PL" sz="1000" dirty="0">
+                <a:latin typeface="Courier New" panose="02070309020205020404" pitchFamily="49" charset="0"/>
+                <a:cs typeface="Courier New" panose="02070309020205020404" pitchFamily="49" charset="0"/>
+              </a:rPr>
+              <a:t>(A&gt;1 &amp;&amp; B==0) {</a:t>
             </a:r>
           </a:p>
           <a:p>
             <a:pPr defTabSz="452438"/>
             <a:r>
-              <a:rPr lang="pl-PL" sz="1000" dirty="0" smtClean="0">
-                <a:latin typeface="Courier New" panose="02070309020205020404" pitchFamily="49" charset="0"/>
-                <a:cs typeface="Courier New" panose="02070309020205020404" pitchFamily="49" charset="0"/>
-              </a:rPr>
-              <a:t>		X=X/A</a:t>
-            </a:r>
-            <a:r>
-              <a:rPr lang="pl-PL" sz="1000" dirty="0">
-                <a:latin typeface="Courier New" panose="02070309020205020404" pitchFamily="49" charset="0"/>
-                <a:cs typeface="Courier New" panose="02070309020205020404" pitchFamily="49" charset="0"/>
-              </a:rPr>
-              <a:t>;</a:t>
+              <a:rPr lang="pl-PL" sz="1000" dirty="0">
+                <a:latin typeface="Courier New" panose="02070309020205020404" pitchFamily="49" charset="0"/>
+                <a:cs typeface="Courier New" panose="02070309020205020404" pitchFamily="49" charset="0"/>
+              </a:rPr>
+              <a:t>		X=X/A;</a:t>
             </a:r>
           </a:p>
           <a:p>
             <a:pPr defTabSz="452438"/>
             <a:r>
-              <a:rPr lang="pl-PL" sz="1000" dirty="0" smtClean="0">
+              <a:rPr lang="pl-PL" sz="1000" dirty="0">
                 <a:latin typeface="Courier New" panose="02070309020205020404" pitchFamily="49" charset="0"/>
                 <a:cs typeface="Courier New" panose="02070309020205020404" pitchFamily="49" charset="0"/>
               </a:rPr>
               <a:t>	}</a:t>
             </a:r>
-            <a:endParaRPr lang="pl-PL" sz="1000" dirty="0">
-              <a:latin typeface="Courier New" panose="02070309020205020404" pitchFamily="49" charset="0"/>
-              <a:cs typeface="Courier New" panose="02070309020205020404" pitchFamily="49" charset="0"/>
-            </a:endParaRPr>
           </a:p>
           <a:p>
             <a:pPr defTabSz="452438"/>
             <a:r>
-              <a:rPr lang="pl-PL" sz="1000" dirty="0" smtClean="0">
+              <a:rPr lang="pl-PL" sz="1000" dirty="0">
                 <a:latin typeface="Courier New" panose="02070309020205020404" pitchFamily="49" charset="0"/>
                 <a:cs typeface="Courier New" panose="02070309020205020404" pitchFamily="49" charset="0"/>
               </a:rPr>
               <a:t>	</a:t>
             </a:r>
             <a:r>
-              <a:rPr lang="pl-PL" sz="1000" dirty="0" err="1" smtClean="0">
+              <a:rPr lang="pl-PL" sz="1000" dirty="0" err="1">
                 <a:latin typeface="Courier New" panose="02070309020205020404" pitchFamily="49" charset="0"/>
                 <a:cs typeface="Courier New" panose="02070309020205020404" pitchFamily="49" charset="0"/>
               </a:rPr>
               <a:t>if</a:t>
             </a:r>
             <a:r>
-              <a:rPr lang="pl-PL" sz="1000" dirty="0" smtClean="0">
-                <a:latin typeface="Courier New" panose="02070309020205020404" pitchFamily="49" charset="0"/>
-                <a:cs typeface="Courier New" panose="02070309020205020404" pitchFamily="49" charset="0"/>
-              </a:rPr>
-              <a:t>(A==2 || </a:t>
-            </a:r>
-            <a:r>
-              <a:rPr lang="pl-PL" sz="1000" dirty="0">
-                <a:latin typeface="Courier New" panose="02070309020205020404" pitchFamily="49" charset="0"/>
-                <a:cs typeface="Courier New" panose="02070309020205020404" pitchFamily="49" charset="0"/>
-              </a:rPr>
-              <a:t>X&gt;1) {</a:t>
+              <a:rPr lang="pl-PL" sz="1000" dirty="0">
+                <a:latin typeface="Courier New" panose="02070309020205020404" pitchFamily="49" charset="0"/>
+                <a:cs typeface="Courier New" panose="02070309020205020404" pitchFamily="49" charset="0"/>
+              </a:rPr>
+              <a:t>(A==2 || X&gt;1) {</a:t>
             </a:r>
           </a:p>
           <a:p>
             <a:pPr defTabSz="452438"/>
             <a:r>
-              <a:rPr lang="pl-PL" sz="1000" dirty="0" smtClean="0">
-                <a:latin typeface="Courier New" panose="02070309020205020404" pitchFamily="49" charset="0"/>
-                <a:cs typeface="Courier New" panose="02070309020205020404" pitchFamily="49" charset="0"/>
-              </a:rPr>
-              <a:t>		X=X+1</a:t>
-            </a:r>
-            <a:r>
-              <a:rPr lang="pl-PL" sz="1000" dirty="0">
-                <a:latin typeface="Courier New" panose="02070309020205020404" pitchFamily="49" charset="0"/>
-                <a:cs typeface="Courier New" panose="02070309020205020404" pitchFamily="49" charset="0"/>
-              </a:rPr>
-              <a:t>;</a:t>
+              <a:rPr lang="pl-PL" sz="1000" dirty="0">
+                <a:latin typeface="Courier New" panose="02070309020205020404" pitchFamily="49" charset="0"/>
+                <a:cs typeface="Courier New" panose="02070309020205020404" pitchFamily="49" charset="0"/>
+              </a:rPr>
+              <a:t>		X=X+1;</a:t>
             </a:r>
           </a:p>
           <a:p>
             <a:pPr defTabSz="452438"/>
             <a:r>
-              <a:rPr lang="pl-PL" sz="1000" dirty="0" smtClean="0">
+              <a:rPr lang="pl-PL" sz="1000" dirty="0">
                 <a:latin typeface="Courier New" panose="02070309020205020404" pitchFamily="49" charset="0"/>
                 <a:cs typeface="Courier New" panose="02070309020205020404" pitchFamily="49" charset="0"/>
               </a:rPr>
@@ -14819,19 +14229,8 @@
                 <a:latin typeface="Courier New" panose="02070309020205020404" pitchFamily="49" charset="0"/>
                 <a:cs typeface="Courier New" panose="02070309020205020404" pitchFamily="49" charset="0"/>
               </a:rPr>
-              <a:t>	</a:t>
-            </a:r>
-            <a:r>
-              <a:rPr lang="pl-PL" sz="1000" dirty="0" smtClean="0">
-                <a:latin typeface="Courier New" panose="02070309020205020404" pitchFamily="49" charset="0"/>
-                <a:cs typeface="Courier New" panose="02070309020205020404" pitchFamily="49" charset="0"/>
-              </a:rPr>
-              <a:t>return X;</a:t>
-            </a:r>
-            <a:endParaRPr lang="pl-PL" sz="1000" dirty="0">
-              <a:latin typeface="Courier New" panose="02070309020205020404" pitchFamily="49" charset="0"/>
-              <a:cs typeface="Courier New" panose="02070309020205020404" pitchFamily="49" charset="0"/>
-            </a:endParaRPr>
+              <a:t>	return X;</a:t>
+            </a:r>
           </a:p>
           <a:p>
             <a:pPr defTabSz="452438"/>
@@ -14901,7 +14300,7 @@
               <a:buNone/>
               <a:tabLst/>
             </a:pPr>
-            <a:endParaRPr kumimoji="0" lang="pl-PL" sz="1500" b="0" i="0" u="none" strike="noStrike" cap="none" normalizeH="0" baseline="0" smtClean="0">
+            <a:endParaRPr kumimoji="0" lang="pl-PL" sz="1500" b="0" i="0" u="none" strike="noStrike" cap="none" normalizeH="0" baseline="0">
               <a:ln>
                 <a:noFill/>
               </a:ln>
@@ -14966,7 +14365,7 @@
               <a:buNone/>
               <a:tabLst/>
             </a:pPr>
-            <a:endParaRPr kumimoji="0" lang="pl-PL" sz="1500" b="0" i="0" u="none" strike="noStrike" cap="none" normalizeH="0" baseline="0" smtClean="0">
+            <a:endParaRPr kumimoji="0" lang="pl-PL" sz="1500" b="0" i="0" u="none" strike="noStrike" cap="none" normalizeH="0" baseline="0">
               <a:ln>
                 <a:noFill/>
               </a:ln>
@@ -15031,7 +14430,7 @@
               <a:buNone/>
               <a:tabLst/>
             </a:pPr>
-            <a:endParaRPr kumimoji="0" lang="pl-PL" sz="1500" b="0" i="0" u="none" strike="noStrike" cap="none" normalizeH="0" baseline="0" smtClean="0">
+            <a:endParaRPr kumimoji="0" lang="pl-PL" sz="1500" b="0" i="0" u="none" strike="noStrike" cap="none" normalizeH="0" baseline="0">
               <a:ln>
                 <a:noFill/>
               </a:ln>
@@ -15096,7 +14495,7 @@
               <a:buNone/>
               <a:tabLst/>
             </a:pPr>
-            <a:endParaRPr kumimoji="0" lang="pl-PL" sz="1500" b="0" i="0" u="none" strike="noStrike" cap="none" normalizeH="0" baseline="0" smtClean="0">
+            <a:endParaRPr kumimoji="0" lang="pl-PL" sz="1500" b="0" i="0" u="none" strike="noStrike" cap="none" normalizeH="0" baseline="0">
               <a:ln>
                 <a:noFill/>
               </a:ln>
@@ -15161,7 +14560,7 @@
               <a:buNone/>
               <a:tabLst/>
             </a:pPr>
-            <a:endParaRPr kumimoji="0" lang="pl-PL" sz="1500" b="0" i="0" u="none" strike="noStrike" cap="none" normalizeH="0" baseline="0" smtClean="0">
+            <a:endParaRPr kumimoji="0" lang="pl-PL" sz="1500" b="0" i="0" u="none" strike="noStrike" cap="none" normalizeH="0" baseline="0">
               <a:ln>
                 <a:noFill/>
               </a:ln>
@@ -15187,13 +14586,6 @@
   <p:transition spd="slow">
     <p:push dir="u"/>
   </p:transition>
-  <p:timing>
-    <p:tnLst>
-      <p:par>
-        <p:cTn id="1" dur="indefinite" restart="never" nodeType="tmRoot"/>
-      </p:par>
-    </p:tnLst>
-  </p:timing>
 </p:sld>
 </file>
 
@@ -15235,64 +14627,64 @@
           <a:lstStyle/>
           <a:p>
             <a:r>
-              <a:rPr lang="en-US" b="1" dirty="0" smtClean="0"/>
+              <a:rPr lang="en-US" b="1" dirty="0"/>
               <a:t>Branch or decision coverage </a:t>
             </a:r>
             <a:r>
-              <a:rPr lang="en-US" dirty="0" smtClean="0"/>
+              <a:rPr lang="en-US" dirty="0"/>
               <a:t>states that you must write enough test cases that each decision has a true and a false outcome at least once. </a:t>
             </a:r>
           </a:p>
           <a:p>
             <a:r>
-              <a:rPr lang="en-US" dirty="0" smtClean="0"/>
+              <a:rPr lang="en-US" dirty="0"/>
               <a:t>Decision coverage usually can satisfy statement coverage</a:t>
             </a:r>
           </a:p>
           <a:p>
             <a:r>
-              <a:rPr lang="en-US" dirty="0" smtClean="0"/>
+              <a:rPr lang="en-US" dirty="0"/>
               <a:t>100% achieved by following test:</a:t>
             </a:r>
           </a:p>
           <a:p>
             <a:pPr lvl="1"/>
             <a:r>
-              <a:rPr lang="en-US" dirty="0" smtClean="0"/>
+              <a:rPr lang="en-US" dirty="0"/>
               <a:t>A=3, B=0, X=3 </a:t>
             </a:r>
           </a:p>
           <a:p>
             <a:pPr lvl="1"/>
             <a:r>
-              <a:rPr lang="en-US" dirty="0" smtClean="0"/>
+              <a:rPr lang="en-US" dirty="0"/>
               <a:t>A=2, B=1,X=1</a:t>
             </a:r>
           </a:p>
           <a:p>
             <a:r>
-              <a:rPr lang="en-US" dirty="0" smtClean="0"/>
+              <a:rPr lang="en-US" dirty="0"/>
               <a:t>Does not discover errors in combined logical conditions - what if following is the right implementation</a:t>
             </a:r>
           </a:p>
           <a:p>
             <a:pPr lvl="1"/>
             <a:r>
-              <a:rPr lang="en-US" dirty="0" smtClean="0">
+              <a:rPr lang="en-US" dirty="0">
                 <a:latin typeface="Courier New" panose="02070309020205020404" pitchFamily="49" charset="0"/>
                 <a:cs typeface="Courier New" panose="02070309020205020404" pitchFamily="49" charset="0"/>
               </a:rPr>
               <a:t>if(A==2 || </a:t>
             </a:r>
             <a:r>
-              <a:rPr lang="en-US" b="1" dirty="0" smtClean="0">
+              <a:rPr lang="en-US" b="1" dirty="0">
                 <a:latin typeface="Courier New" panose="02070309020205020404" pitchFamily="49" charset="0"/>
                 <a:cs typeface="Courier New" panose="02070309020205020404" pitchFamily="49" charset="0"/>
               </a:rPr>
               <a:t>X&lt;1</a:t>
             </a:r>
             <a:r>
-              <a:rPr lang="en-US" dirty="0" smtClean="0">
+              <a:rPr lang="en-US" dirty="0">
                 <a:latin typeface="Courier New" panose="02070309020205020404" pitchFamily="49" charset="0"/>
                 <a:cs typeface="Courier New" panose="02070309020205020404" pitchFamily="49" charset="0"/>
               </a:rPr>
@@ -15301,7 +14693,7 @@
           </a:p>
           <a:p>
             <a:r>
-              <a:rPr lang="en-US" dirty="0" smtClean="0">
+              <a:rPr lang="en-US" dirty="0">
                 <a:cs typeface="Courier New" panose="02070309020205020404" pitchFamily="49" charset="0"/>
               </a:rPr>
               <a:t>X should not be changed for some condition</a:t>
@@ -15309,44 +14701,44 @@
           </a:p>
           <a:p>
             <a:pPr lvl="1"/>
-            <a:endParaRPr lang="en-US" dirty="0" smtClean="0"/>
+            <a:endParaRPr lang="en-US" dirty="0"/>
           </a:p>
           <a:p>
             <a:pPr marL="0" indent="0">
               <a:buNone/>
             </a:pPr>
-            <a:endParaRPr lang="en-US" dirty="0" smtClean="0"/>
-          </a:p>
-          <a:p>
-            <a:endParaRPr lang="en-US" dirty="0" smtClean="0"/>
+            <a:endParaRPr lang="en-US" dirty="0"/>
+          </a:p>
+          <a:p>
+            <a:endParaRPr lang="en-US" dirty="0"/>
           </a:p>
           <a:p>
             <a:pPr marL="0" indent="0">
               <a:buNone/>
             </a:pPr>
-            <a:endParaRPr lang="en-US" sz="1100" baseline="30000" dirty="0" smtClean="0"/>
+            <a:endParaRPr lang="en-US" sz="1100" baseline="30000" dirty="0"/>
           </a:p>
           <a:p>
             <a:pPr marL="0" indent="0">
               <a:buNone/>
             </a:pPr>
-            <a:endParaRPr lang="en-US" sz="1100" baseline="30000" dirty="0" smtClean="0"/>
+            <a:endParaRPr lang="en-US" sz="1100" baseline="30000" dirty="0"/>
           </a:p>
           <a:p>
             <a:pPr lvl="1"/>
-            <a:endParaRPr lang="en-US" sz="1100" dirty="0" smtClean="0"/>
-          </a:p>
-          <a:p>
-            <a:endParaRPr lang="en-US" sz="1100" b="1" dirty="0" smtClean="0"/>
+            <a:endParaRPr lang="en-US" sz="1100" dirty="0"/>
+          </a:p>
+          <a:p>
+            <a:endParaRPr lang="en-US" sz="1100" b="1" dirty="0"/>
           </a:p>
           <a:p>
             <a:pPr marL="0" indent="0">
               <a:buNone/>
             </a:pPr>
-            <a:endParaRPr lang="en-US" dirty="0" smtClean="0"/>
-          </a:p>
-          <a:p>
-            <a:endParaRPr lang="en-US" dirty="0" smtClean="0"/>
+            <a:endParaRPr lang="en-US" dirty="0"/>
+          </a:p>
+          <a:p>
+            <a:endParaRPr lang="en-US" dirty="0"/>
           </a:p>
           <a:p>
             <a:pPr lvl="1"/>
@@ -15370,10 +14762,9 @@
           <a:lstStyle/>
           <a:p>
             <a:r>
-              <a:rPr lang="en-US" dirty="0" smtClean="0"/>
+              <a:rPr lang="en-US" dirty="0"/>
               <a:t>Logic coverage testing</a:t>
             </a:r>
-            <a:endParaRPr lang="en-US" dirty="0"/>
           </a:p>
         </p:txBody>
       </p:sp>
@@ -15414,35 +14805,35 @@
               <a:t>public </a:t>
             </a:r>
             <a:r>
-              <a:rPr lang="pl-PL" sz="1000" dirty="0" err="1" smtClean="0">
+              <a:rPr lang="pl-PL" sz="1000" dirty="0" err="1">
                 <a:latin typeface="Courier New" panose="02070309020205020404" pitchFamily="49" charset="0"/>
                 <a:cs typeface="Courier New" panose="02070309020205020404" pitchFamily="49" charset="0"/>
               </a:rPr>
               <a:t>int</a:t>
             </a:r>
             <a:r>
-              <a:rPr lang="pl-PL" sz="1000" dirty="0" smtClean="0">
+              <a:rPr lang="pl-PL" sz="1000" dirty="0">
                 <a:latin typeface="Courier New" panose="02070309020205020404" pitchFamily="49" charset="0"/>
                 <a:cs typeface="Courier New" panose="02070309020205020404" pitchFamily="49" charset="0"/>
               </a:rPr>
               <a:t> </a:t>
             </a:r>
             <a:r>
-              <a:rPr lang="en-US" sz="1000" dirty="0" smtClean="0">
+              <a:rPr lang="en-US" sz="1000" dirty="0">
                 <a:latin typeface="Courier New" panose="02070309020205020404" pitchFamily="49" charset="0"/>
                 <a:cs typeface="Courier New" panose="02070309020205020404" pitchFamily="49" charset="0"/>
               </a:rPr>
               <a:t>foo(</a:t>
             </a:r>
             <a:r>
-              <a:rPr lang="en-US" sz="1000" dirty="0" err="1" smtClean="0">
+              <a:rPr lang="en-US" sz="1000" dirty="0" err="1">
                 <a:latin typeface="Courier New" panose="02070309020205020404" pitchFamily="49" charset="0"/>
                 <a:cs typeface="Courier New" panose="02070309020205020404" pitchFamily="49" charset="0"/>
               </a:rPr>
               <a:t>int</a:t>
             </a:r>
             <a:r>
-              <a:rPr lang="en-US" sz="1000" dirty="0" smtClean="0">
+              <a:rPr lang="en-US" sz="1000" dirty="0">
                 <a:latin typeface="Courier New" panose="02070309020205020404" pitchFamily="49" charset="0"/>
                 <a:cs typeface="Courier New" panose="02070309020205020404" pitchFamily="49" charset="0"/>
               </a:rPr>
@@ -15480,131 +14871,85 @@
           <a:p>
             <a:pPr defTabSz="452438"/>
             <a:r>
-              <a:rPr lang="pl-PL" sz="1000" dirty="0" smtClean="0">
+              <a:rPr lang="pl-PL" sz="1000" dirty="0">
                 <a:latin typeface="Courier New" panose="02070309020205020404" pitchFamily="49" charset="0"/>
                 <a:cs typeface="Courier New" panose="02070309020205020404" pitchFamily="49" charset="0"/>
               </a:rPr>
               <a:t>	</a:t>
             </a:r>
             <a:r>
-              <a:rPr lang="pl-PL" sz="1000" dirty="0" err="1" smtClean="0">
+              <a:rPr lang="pl-PL" sz="1000" dirty="0" err="1">
                 <a:latin typeface="Courier New" panose="02070309020205020404" pitchFamily="49" charset="0"/>
                 <a:cs typeface="Courier New" panose="02070309020205020404" pitchFamily="49" charset="0"/>
               </a:rPr>
               <a:t>if</a:t>
             </a:r>
             <a:r>
-              <a:rPr lang="pl-PL" sz="1000" dirty="0" smtClean="0">
-                <a:latin typeface="Courier New" panose="02070309020205020404" pitchFamily="49" charset="0"/>
-                <a:cs typeface="Courier New" panose="02070309020205020404" pitchFamily="49" charset="0"/>
-              </a:rPr>
-              <a:t>(A&gt;1 </a:t>
-            </a:r>
-            <a:r>
-              <a:rPr lang="pl-PL" sz="1000" dirty="0">
-                <a:latin typeface="Courier New" panose="02070309020205020404" pitchFamily="49" charset="0"/>
-                <a:cs typeface="Courier New" panose="02070309020205020404" pitchFamily="49" charset="0"/>
-              </a:rPr>
-              <a:t>&amp;&amp; </a:t>
-            </a:r>
-            <a:r>
-              <a:rPr lang="pl-PL" sz="1000" dirty="0" smtClean="0">
-                <a:latin typeface="Courier New" panose="02070309020205020404" pitchFamily="49" charset="0"/>
-                <a:cs typeface="Courier New" panose="02070309020205020404" pitchFamily="49" charset="0"/>
-              </a:rPr>
-              <a:t>B==0</a:t>
-            </a:r>
-            <a:r>
-              <a:rPr lang="pl-PL" sz="1000" dirty="0">
-                <a:latin typeface="Courier New" panose="02070309020205020404" pitchFamily="49" charset="0"/>
-                <a:cs typeface="Courier New" panose="02070309020205020404" pitchFamily="49" charset="0"/>
-              </a:rPr>
-              <a:t>) {</a:t>
+              <a:rPr lang="pl-PL" sz="1000" dirty="0">
+                <a:latin typeface="Courier New" panose="02070309020205020404" pitchFamily="49" charset="0"/>
+                <a:cs typeface="Courier New" panose="02070309020205020404" pitchFamily="49" charset="0"/>
+              </a:rPr>
+              <a:t>(A&gt;1 &amp;&amp; B==0) {</a:t>
             </a:r>
           </a:p>
           <a:p>
             <a:pPr defTabSz="452438"/>
             <a:r>
-              <a:rPr lang="pl-PL" sz="1000" dirty="0" smtClean="0">
-                <a:latin typeface="Courier New" panose="02070309020205020404" pitchFamily="49" charset="0"/>
-                <a:cs typeface="Courier New" panose="02070309020205020404" pitchFamily="49" charset="0"/>
-              </a:rPr>
-              <a:t>		X=X/A</a:t>
-            </a:r>
-            <a:r>
-              <a:rPr lang="pl-PL" sz="1000" dirty="0">
-                <a:latin typeface="Courier New" panose="02070309020205020404" pitchFamily="49" charset="0"/>
-                <a:cs typeface="Courier New" panose="02070309020205020404" pitchFamily="49" charset="0"/>
-              </a:rPr>
-              <a:t>;</a:t>
+              <a:rPr lang="pl-PL" sz="1000" dirty="0">
+                <a:latin typeface="Courier New" panose="02070309020205020404" pitchFamily="49" charset="0"/>
+                <a:cs typeface="Courier New" panose="02070309020205020404" pitchFamily="49" charset="0"/>
+              </a:rPr>
+              <a:t>		X=X/A;</a:t>
             </a:r>
           </a:p>
           <a:p>
             <a:pPr defTabSz="452438"/>
             <a:r>
-              <a:rPr lang="pl-PL" sz="1000" dirty="0" smtClean="0">
+              <a:rPr lang="pl-PL" sz="1000" dirty="0">
                 <a:latin typeface="Courier New" panose="02070309020205020404" pitchFamily="49" charset="0"/>
                 <a:cs typeface="Courier New" panose="02070309020205020404" pitchFamily="49" charset="0"/>
               </a:rPr>
               <a:t>	}</a:t>
             </a:r>
-            <a:endParaRPr lang="pl-PL" sz="1000" dirty="0">
-              <a:latin typeface="Courier New" panose="02070309020205020404" pitchFamily="49" charset="0"/>
-              <a:cs typeface="Courier New" panose="02070309020205020404" pitchFamily="49" charset="0"/>
-            </a:endParaRPr>
           </a:p>
           <a:p>
             <a:pPr defTabSz="452438"/>
             <a:r>
-              <a:rPr lang="pl-PL" sz="1000" dirty="0" smtClean="0">
+              <a:rPr lang="pl-PL" sz="1000" dirty="0">
                 <a:latin typeface="Courier New" panose="02070309020205020404" pitchFamily="49" charset="0"/>
                 <a:cs typeface="Courier New" panose="02070309020205020404" pitchFamily="49" charset="0"/>
               </a:rPr>
               <a:t>	</a:t>
             </a:r>
             <a:r>
-              <a:rPr lang="pl-PL" sz="1000" dirty="0" err="1" smtClean="0">
+              <a:rPr lang="pl-PL" sz="1000" dirty="0" err="1">
                 <a:latin typeface="Courier New" panose="02070309020205020404" pitchFamily="49" charset="0"/>
                 <a:cs typeface="Courier New" panose="02070309020205020404" pitchFamily="49" charset="0"/>
               </a:rPr>
               <a:t>if</a:t>
             </a:r>
             <a:r>
-              <a:rPr lang="pl-PL" sz="1000" dirty="0" smtClean="0">
-                <a:latin typeface="Courier New" panose="02070309020205020404" pitchFamily="49" charset="0"/>
-                <a:cs typeface="Courier New" panose="02070309020205020404" pitchFamily="49" charset="0"/>
-              </a:rPr>
-              <a:t>(A==2 || </a:t>
-            </a:r>
-            <a:r>
-              <a:rPr lang="pl-PL" sz="1000" dirty="0">
-                <a:latin typeface="Courier New" panose="02070309020205020404" pitchFamily="49" charset="0"/>
-                <a:cs typeface="Courier New" panose="02070309020205020404" pitchFamily="49" charset="0"/>
-              </a:rPr>
-              <a:t>X&gt;1) {</a:t>
+              <a:rPr lang="pl-PL" sz="1000" dirty="0">
+                <a:latin typeface="Courier New" panose="02070309020205020404" pitchFamily="49" charset="0"/>
+                <a:cs typeface="Courier New" panose="02070309020205020404" pitchFamily="49" charset="0"/>
+              </a:rPr>
+              <a:t>(A==2 || X&gt;1) {</a:t>
             </a:r>
           </a:p>
           <a:p>
             <a:pPr defTabSz="452438"/>
             <a:r>
-              <a:rPr lang="pl-PL" sz="1000" dirty="0" smtClean="0">
-                <a:latin typeface="Courier New" panose="02070309020205020404" pitchFamily="49" charset="0"/>
-                <a:cs typeface="Courier New" panose="02070309020205020404" pitchFamily="49" charset="0"/>
-              </a:rPr>
-              <a:t>		X=X+1</a:t>
-            </a:r>
-            <a:r>
-              <a:rPr lang="pl-PL" sz="1000" dirty="0">
-                <a:latin typeface="Courier New" panose="02070309020205020404" pitchFamily="49" charset="0"/>
-                <a:cs typeface="Courier New" panose="02070309020205020404" pitchFamily="49" charset="0"/>
-              </a:rPr>
-              <a:t>;</a:t>
+              <a:rPr lang="pl-PL" sz="1000" dirty="0">
+                <a:latin typeface="Courier New" panose="02070309020205020404" pitchFamily="49" charset="0"/>
+                <a:cs typeface="Courier New" panose="02070309020205020404" pitchFamily="49" charset="0"/>
+              </a:rPr>
+              <a:t>		X=X+1;</a:t>
             </a:r>
           </a:p>
           <a:p>
             <a:pPr defTabSz="452438"/>
             <a:r>
-              <a:rPr lang="pl-PL" sz="1000" dirty="0" smtClean="0">
+              <a:rPr lang="pl-PL" sz="1000" dirty="0">
                 <a:latin typeface="Courier New" panose="02070309020205020404" pitchFamily="49" charset="0"/>
                 <a:cs typeface="Courier New" panose="02070309020205020404" pitchFamily="49" charset="0"/>
               </a:rPr>
@@ -15618,19 +14963,8 @@
                 <a:latin typeface="Courier New" panose="02070309020205020404" pitchFamily="49" charset="0"/>
                 <a:cs typeface="Courier New" panose="02070309020205020404" pitchFamily="49" charset="0"/>
               </a:rPr>
-              <a:t>	</a:t>
-            </a:r>
-            <a:r>
-              <a:rPr lang="pl-PL" sz="1000" dirty="0" smtClean="0">
-                <a:latin typeface="Courier New" panose="02070309020205020404" pitchFamily="49" charset="0"/>
-                <a:cs typeface="Courier New" panose="02070309020205020404" pitchFamily="49" charset="0"/>
-              </a:rPr>
-              <a:t>return X;</a:t>
-            </a:r>
-            <a:endParaRPr lang="pl-PL" sz="1000" dirty="0">
-              <a:latin typeface="Courier New" panose="02070309020205020404" pitchFamily="49" charset="0"/>
-              <a:cs typeface="Courier New" panose="02070309020205020404" pitchFamily="49" charset="0"/>
-            </a:endParaRPr>
+              <a:t>	return X;</a:t>
+            </a:r>
           </a:p>
           <a:p>
             <a:pPr defTabSz="452438"/>
@@ -15700,7 +15034,7 @@
               <a:buNone/>
               <a:tabLst/>
             </a:pPr>
-            <a:endParaRPr kumimoji="0" lang="pl-PL" sz="1500" b="0" i="0" u="none" strike="noStrike" cap="none" normalizeH="0" baseline="0" smtClean="0">
+            <a:endParaRPr kumimoji="0" lang="pl-PL" sz="1500" b="0" i="0" u="none" strike="noStrike" cap="none" normalizeH="0" baseline="0">
               <a:ln>
                 <a:noFill/>
               </a:ln>
@@ -15765,7 +15099,7 @@
               <a:buNone/>
               <a:tabLst/>
             </a:pPr>
-            <a:endParaRPr kumimoji="0" lang="pl-PL" sz="1500" b="0" i="0" u="none" strike="noStrike" cap="none" normalizeH="0" baseline="0" smtClean="0">
+            <a:endParaRPr kumimoji="0" lang="pl-PL" sz="1500" b="0" i="0" u="none" strike="noStrike" cap="none" normalizeH="0" baseline="0">
               <a:ln>
                 <a:noFill/>
               </a:ln>
@@ -15830,7 +15164,7 @@
               <a:buNone/>
               <a:tabLst/>
             </a:pPr>
-            <a:endParaRPr kumimoji="0" lang="pl-PL" sz="1500" b="0" i="0" u="none" strike="noStrike" cap="none" normalizeH="0" baseline="0" smtClean="0">
+            <a:endParaRPr kumimoji="0" lang="pl-PL" sz="1500" b="0" i="0" u="none" strike="noStrike" cap="none" normalizeH="0" baseline="0">
               <a:ln>
                 <a:noFill/>
               </a:ln>
@@ -15895,7 +15229,7 @@
               <a:buNone/>
               <a:tabLst/>
             </a:pPr>
-            <a:endParaRPr kumimoji="0" lang="pl-PL" sz="1500" b="0" i="0" u="none" strike="noStrike" cap="none" normalizeH="0" baseline="0" smtClean="0">
+            <a:endParaRPr kumimoji="0" lang="pl-PL" sz="1500" b="0" i="0" u="none" strike="noStrike" cap="none" normalizeH="0" baseline="0">
               <a:ln>
                 <a:noFill/>
               </a:ln>
@@ -15960,7 +15294,7 @@
               <a:buNone/>
               <a:tabLst/>
             </a:pPr>
-            <a:endParaRPr kumimoji="0" lang="pl-PL" sz="1500" b="0" i="0" u="none" strike="noStrike" cap="none" normalizeH="0" baseline="0" smtClean="0">
+            <a:endParaRPr kumimoji="0" lang="pl-PL" sz="1500" b="0" i="0" u="none" strike="noStrike" cap="none" normalizeH="0" baseline="0">
               <a:ln>
                 <a:noFill/>
               </a:ln>
@@ -15986,13 +15320,6 @@
   <p:transition spd="slow">
     <p:push dir="u"/>
   </p:transition>
-  <p:timing>
-    <p:tnLst>
-      <p:par>
-        <p:cTn id="1" dur="indefinite" restart="never" nodeType="tmRoot"/>
-      </p:par>
-    </p:tnLst>
-  </p:timing>
 </p:sld>
 </file>
 
@@ -16034,51 +15361,51 @@
           <a:lstStyle/>
           <a:p>
             <a:r>
-              <a:rPr lang="en-US" b="1" dirty="0" smtClean="0"/>
+              <a:rPr lang="en-US" b="1" dirty="0"/>
               <a:t>Condition coverage </a:t>
             </a:r>
             <a:r>
-              <a:rPr lang="en-US" dirty="0" smtClean="0"/>
+              <a:rPr lang="en-US" dirty="0"/>
               <a:t>ensures that each condition in a decision takes on all possible outcomes at least once.</a:t>
             </a:r>
           </a:p>
           <a:p>
             <a:r>
-              <a:rPr lang="en-US" dirty="0" smtClean="0"/>
+              <a:rPr lang="en-US" dirty="0"/>
               <a:t>100% achieved by following test:</a:t>
             </a:r>
           </a:p>
           <a:p>
             <a:pPr lvl="1"/>
             <a:r>
-              <a:rPr lang="en-US" dirty="0" smtClean="0"/>
+              <a:rPr lang="en-US" dirty="0"/>
               <a:t>A=2, B=0, X=4 </a:t>
             </a:r>
           </a:p>
           <a:p>
             <a:pPr lvl="1"/>
             <a:r>
-              <a:rPr lang="en-US" dirty="0" smtClean="0"/>
+              <a:rPr lang="en-US" dirty="0"/>
               <a:t>A=1, B=1, X=1 </a:t>
             </a:r>
           </a:p>
           <a:p>
             <a:r>
-              <a:rPr lang="en-US" dirty="0" smtClean="0"/>
+              <a:rPr lang="en-US" dirty="0"/>
               <a:t>Condition coverage criterion appears to satisfy the decision coverage criterion, it does not always do so. If the decision     IF(A &amp; B) is being tested, you could write two tests</a:t>
             </a:r>
           </a:p>
           <a:p>
             <a:pPr lvl="1"/>
             <a:r>
-              <a:rPr lang="en-US" dirty="0" smtClean="0"/>
+              <a:rPr lang="en-US" dirty="0"/>
               <a:t>A is true, B is false</a:t>
             </a:r>
           </a:p>
           <a:p>
             <a:pPr lvl="1"/>
             <a:r>
-              <a:rPr lang="en-US" dirty="0" smtClean="0"/>
+              <a:rPr lang="en-US" dirty="0"/>
               <a:t>A is false, B is true</a:t>
             </a:r>
           </a:p>
@@ -16090,21 +15417,21 @@
               </a:tabLst>
             </a:pPr>
             <a:r>
-              <a:rPr lang="en-US" dirty="0" smtClean="0"/>
+              <a:rPr lang="en-US" dirty="0"/>
               <a:t>but this would not cause the THEN clause of the IF to execute. The condition coverage tests for the earlier example covered all decision outcomes, but two alternative tests</a:t>
             </a:r>
           </a:p>
           <a:p>
             <a:pPr lvl="1"/>
             <a:r>
-              <a:rPr lang="en-US" dirty="0" smtClean="0"/>
+              <a:rPr lang="en-US" dirty="0"/>
               <a:t>A=1, B=0, X=3</a:t>
             </a:r>
           </a:p>
           <a:p>
             <a:pPr lvl="1"/>
             <a:r>
-              <a:rPr lang="en-US" dirty="0" smtClean="0"/>
+              <a:rPr lang="en-US" dirty="0"/>
               <a:t>A=2, B=1, X=1</a:t>
             </a:r>
           </a:p>
@@ -16113,50 +15440,50 @@
               <a:buNone/>
             </a:pPr>
             <a:r>
-              <a:rPr lang="en-US" dirty="0" smtClean="0"/>
+              <a:rPr lang="en-US" dirty="0"/>
               <a:t>cover all condition outcomes but only two of the four decision outcomes.</a:t>
             </a:r>
           </a:p>
           <a:p>
             <a:pPr lvl="1"/>
-            <a:endParaRPr lang="en-US" dirty="0" smtClean="0"/>
+            <a:endParaRPr lang="en-US" dirty="0"/>
           </a:p>
           <a:p>
             <a:pPr marL="0" indent="0">
               <a:buNone/>
             </a:pPr>
-            <a:endParaRPr lang="en-US" dirty="0" smtClean="0"/>
-          </a:p>
-          <a:p>
-            <a:endParaRPr lang="en-US" dirty="0" smtClean="0"/>
+            <a:endParaRPr lang="en-US" dirty="0"/>
+          </a:p>
+          <a:p>
+            <a:endParaRPr lang="en-US" dirty="0"/>
           </a:p>
           <a:p>
             <a:pPr marL="0" indent="0">
               <a:buNone/>
             </a:pPr>
-            <a:endParaRPr lang="en-US" sz="1100" baseline="30000" dirty="0" smtClean="0"/>
+            <a:endParaRPr lang="en-US" sz="1100" baseline="30000" dirty="0"/>
           </a:p>
           <a:p>
             <a:pPr marL="0" indent="0">
               <a:buNone/>
             </a:pPr>
-            <a:endParaRPr lang="en-US" sz="1100" baseline="30000" dirty="0" smtClean="0"/>
+            <a:endParaRPr lang="en-US" sz="1100" baseline="30000" dirty="0"/>
           </a:p>
           <a:p>
             <a:pPr lvl="1"/>
-            <a:endParaRPr lang="en-US" sz="1100" dirty="0" smtClean="0"/>
-          </a:p>
-          <a:p>
-            <a:endParaRPr lang="en-US" sz="1100" b="1" dirty="0" smtClean="0"/>
+            <a:endParaRPr lang="en-US" sz="1100" dirty="0"/>
+          </a:p>
+          <a:p>
+            <a:endParaRPr lang="en-US" sz="1100" b="1" dirty="0"/>
           </a:p>
           <a:p>
             <a:pPr marL="0" indent="0">
               <a:buNone/>
             </a:pPr>
-            <a:endParaRPr lang="en-US" dirty="0" smtClean="0"/>
-          </a:p>
-          <a:p>
-            <a:endParaRPr lang="en-US" dirty="0" smtClean="0"/>
+            <a:endParaRPr lang="en-US" dirty="0"/>
+          </a:p>
+          <a:p>
+            <a:endParaRPr lang="en-US" dirty="0"/>
           </a:p>
           <a:p>
             <a:pPr lvl="1"/>
@@ -16180,10 +15507,9 @@
           <a:lstStyle/>
           <a:p>
             <a:r>
-              <a:rPr lang="en-US" dirty="0" smtClean="0"/>
+              <a:rPr lang="en-US" dirty="0"/>
               <a:t>Logic coverage testing</a:t>
             </a:r>
-            <a:endParaRPr lang="en-US" dirty="0"/>
           </a:p>
         </p:txBody>
       </p:sp>
@@ -16224,35 +15550,35 @@
               <a:t>public </a:t>
             </a:r>
             <a:r>
-              <a:rPr lang="pl-PL" sz="1000" dirty="0" err="1" smtClean="0">
+              <a:rPr lang="pl-PL" sz="1000" dirty="0" err="1">
                 <a:latin typeface="Courier New" panose="02070309020205020404" pitchFamily="49" charset="0"/>
                 <a:cs typeface="Courier New" panose="02070309020205020404" pitchFamily="49" charset="0"/>
               </a:rPr>
               <a:t>int</a:t>
             </a:r>
             <a:r>
-              <a:rPr lang="pl-PL" sz="1000" dirty="0" smtClean="0">
+              <a:rPr lang="pl-PL" sz="1000" dirty="0">
                 <a:latin typeface="Courier New" panose="02070309020205020404" pitchFamily="49" charset="0"/>
                 <a:cs typeface="Courier New" panose="02070309020205020404" pitchFamily="49" charset="0"/>
               </a:rPr>
               <a:t> </a:t>
             </a:r>
             <a:r>
-              <a:rPr lang="en-US" sz="1000" dirty="0" smtClean="0">
+              <a:rPr lang="en-US" sz="1000" dirty="0">
                 <a:latin typeface="Courier New" panose="02070309020205020404" pitchFamily="49" charset="0"/>
                 <a:cs typeface="Courier New" panose="02070309020205020404" pitchFamily="49" charset="0"/>
               </a:rPr>
               <a:t>foo(</a:t>
             </a:r>
             <a:r>
-              <a:rPr lang="en-US" sz="1000" dirty="0" err="1" smtClean="0">
+              <a:rPr lang="en-US" sz="1000" dirty="0" err="1">
                 <a:latin typeface="Courier New" panose="02070309020205020404" pitchFamily="49" charset="0"/>
                 <a:cs typeface="Courier New" panose="02070309020205020404" pitchFamily="49" charset="0"/>
               </a:rPr>
               <a:t>int</a:t>
             </a:r>
             <a:r>
-              <a:rPr lang="en-US" sz="1000" dirty="0" smtClean="0">
+              <a:rPr lang="en-US" sz="1000" dirty="0">
                 <a:latin typeface="Courier New" panose="02070309020205020404" pitchFamily="49" charset="0"/>
                 <a:cs typeface="Courier New" panose="02070309020205020404" pitchFamily="49" charset="0"/>
               </a:rPr>
@@ -16290,131 +15616,85 @@
           <a:p>
             <a:pPr defTabSz="452438"/>
             <a:r>
-              <a:rPr lang="pl-PL" sz="1000" dirty="0" smtClean="0">
+              <a:rPr lang="pl-PL" sz="1000" dirty="0">
                 <a:latin typeface="Courier New" panose="02070309020205020404" pitchFamily="49" charset="0"/>
                 <a:cs typeface="Courier New" panose="02070309020205020404" pitchFamily="49" charset="0"/>
               </a:rPr>
               <a:t>	</a:t>
             </a:r>
             <a:r>
-              <a:rPr lang="pl-PL" sz="1000" dirty="0" err="1" smtClean="0">
+              <a:rPr lang="pl-PL" sz="1000" dirty="0" err="1">
                 <a:latin typeface="Courier New" panose="02070309020205020404" pitchFamily="49" charset="0"/>
                 <a:cs typeface="Courier New" panose="02070309020205020404" pitchFamily="49" charset="0"/>
               </a:rPr>
               <a:t>if</a:t>
             </a:r>
             <a:r>
-              <a:rPr lang="pl-PL" sz="1000" dirty="0" smtClean="0">
-                <a:latin typeface="Courier New" panose="02070309020205020404" pitchFamily="49" charset="0"/>
-                <a:cs typeface="Courier New" panose="02070309020205020404" pitchFamily="49" charset="0"/>
-              </a:rPr>
-              <a:t>( A&gt;1 </a:t>
-            </a:r>
-            <a:r>
-              <a:rPr lang="pl-PL" sz="1000" dirty="0">
-                <a:latin typeface="Courier New" panose="02070309020205020404" pitchFamily="49" charset="0"/>
-                <a:cs typeface="Courier New" panose="02070309020205020404" pitchFamily="49" charset="0"/>
-              </a:rPr>
-              <a:t>&amp;&amp; </a:t>
-            </a:r>
-            <a:r>
-              <a:rPr lang="pl-PL" sz="1000" dirty="0" smtClean="0">
-                <a:latin typeface="Courier New" panose="02070309020205020404" pitchFamily="49" charset="0"/>
-                <a:cs typeface="Courier New" panose="02070309020205020404" pitchFamily="49" charset="0"/>
-              </a:rPr>
-              <a:t>B==0</a:t>
-            </a:r>
-            <a:r>
-              <a:rPr lang="pl-PL" sz="1000" dirty="0">
-                <a:latin typeface="Courier New" panose="02070309020205020404" pitchFamily="49" charset="0"/>
-                <a:cs typeface="Courier New" panose="02070309020205020404" pitchFamily="49" charset="0"/>
-              </a:rPr>
-              <a:t>) {</a:t>
+              <a:rPr lang="pl-PL" sz="1000" dirty="0">
+                <a:latin typeface="Courier New" panose="02070309020205020404" pitchFamily="49" charset="0"/>
+                <a:cs typeface="Courier New" panose="02070309020205020404" pitchFamily="49" charset="0"/>
+              </a:rPr>
+              <a:t>( A&gt;1 &amp;&amp; B==0) {</a:t>
             </a:r>
           </a:p>
           <a:p>
             <a:pPr defTabSz="452438"/>
             <a:r>
-              <a:rPr lang="pl-PL" sz="1000" dirty="0" smtClean="0">
-                <a:latin typeface="Courier New" panose="02070309020205020404" pitchFamily="49" charset="0"/>
-                <a:cs typeface="Courier New" panose="02070309020205020404" pitchFamily="49" charset="0"/>
-              </a:rPr>
-              <a:t>		X=X/A</a:t>
-            </a:r>
-            <a:r>
-              <a:rPr lang="pl-PL" sz="1000" dirty="0">
-                <a:latin typeface="Courier New" panose="02070309020205020404" pitchFamily="49" charset="0"/>
-                <a:cs typeface="Courier New" panose="02070309020205020404" pitchFamily="49" charset="0"/>
-              </a:rPr>
-              <a:t>;</a:t>
+              <a:rPr lang="pl-PL" sz="1000" dirty="0">
+                <a:latin typeface="Courier New" panose="02070309020205020404" pitchFamily="49" charset="0"/>
+                <a:cs typeface="Courier New" panose="02070309020205020404" pitchFamily="49" charset="0"/>
+              </a:rPr>
+              <a:t>		X=X/A;</a:t>
             </a:r>
           </a:p>
           <a:p>
             <a:pPr defTabSz="452438"/>
             <a:r>
-              <a:rPr lang="pl-PL" sz="1000" dirty="0" smtClean="0">
+              <a:rPr lang="pl-PL" sz="1000" dirty="0">
                 <a:latin typeface="Courier New" panose="02070309020205020404" pitchFamily="49" charset="0"/>
                 <a:cs typeface="Courier New" panose="02070309020205020404" pitchFamily="49" charset="0"/>
               </a:rPr>
               <a:t>	}</a:t>
             </a:r>
-            <a:endParaRPr lang="pl-PL" sz="1000" dirty="0">
-              <a:latin typeface="Courier New" panose="02070309020205020404" pitchFamily="49" charset="0"/>
-              <a:cs typeface="Courier New" panose="02070309020205020404" pitchFamily="49" charset="0"/>
-            </a:endParaRPr>
           </a:p>
           <a:p>
             <a:pPr defTabSz="452438"/>
             <a:r>
-              <a:rPr lang="pl-PL" sz="1000" dirty="0" smtClean="0">
+              <a:rPr lang="pl-PL" sz="1000" dirty="0">
                 <a:latin typeface="Courier New" panose="02070309020205020404" pitchFamily="49" charset="0"/>
                 <a:cs typeface="Courier New" panose="02070309020205020404" pitchFamily="49" charset="0"/>
               </a:rPr>
               <a:t>	</a:t>
             </a:r>
             <a:r>
-              <a:rPr lang="pl-PL" sz="1000" dirty="0" err="1" smtClean="0">
+              <a:rPr lang="pl-PL" sz="1000" dirty="0" err="1">
                 <a:latin typeface="Courier New" panose="02070309020205020404" pitchFamily="49" charset="0"/>
                 <a:cs typeface="Courier New" panose="02070309020205020404" pitchFamily="49" charset="0"/>
               </a:rPr>
               <a:t>if</a:t>
             </a:r>
             <a:r>
-              <a:rPr lang="pl-PL" sz="1000" dirty="0" smtClean="0">
-                <a:latin typeface="Courier New" panose="02070309020205020404" pitchFamily="49" charset="0"/>
-                <a:cs typeface="Courier New" panose="02070309020205020404" pitchFamily="49" charset="0"/>
-              </a:rPr>
-              <a:t>(A==2 || </a:t>
-            </a:r>
-            <a:r>
-              <a:rPr lang="pl-PL" sz="1000" dirty="0">
-                <a:latin typeface="Courier New" panose="02070309020205020404" pitchFamily="49" charset="0"/>
-                <a:cs typeface="Courier New" panose="02070309020205020404" pitchFamily="49" charset="0"/>
-              </a:rPr>
-              <a:t>X&gt;1) {</a:t>
+              <a:rPr lang="pl-PL" sz="1000" dirty="0">
+                <a:latin typeface="Courier New" panose="02070309020205020404" pitchFamily="49" charset="0"/>
+                <a:cs typeface="Courier New" panose="02070309020205020404" pitchFamily="49" charset="0"/>
+              </a:rPr>
+              <a:t>(A==2 || X&gt;1) {</a:t>
             </a:r>
           </a:p>
           <a:p>
             <a:pPr defTabSz="452438"/>
             <a:r>
-              <a:rPr lang="pl-PL" sz="1000" dirty="0" smtClean="0">
-                <a:latin typeface="Courier New" panose="02070309020205020404" pitchFamily="49" charset="0"/>
-                <a:cs typeface="Courier New" panose="02070309020205020404" pitchFamily="49" charset="0"/>
-              </a:rPr>
-              <a:t>		X=X+1</a:t>
-            </a:r>
-            <a:r>
-              <a:rPr lang="pl-PL" sz="1000" dirty="0">
-                <a:latin typeface="Courier New" panose="02070309020205020404" pitchFamily="49" charset="0"/>
-                <a:cs typeface="Courier New" panose="02070309020205020404" pitchFamily="49" charset="0"/>
-              </a:rPr>
-              <a:t>;</a:t>
+              <a:rPr lang="pl-PL" sz="1000" dirty="0">
+                <a:latin typeface="Courier New" panose="02070309020205020404" pitchFamily="49" charset="0"/>
+                <a:cs typeface="Courier New" panose="02070309020205020404" pitchFamily="49" charset="0"/>
+              </a:rPr>
+              <a:t>		X=X+1;</a:t>
             </a:r>
           </a:p>
           <a:p>
             <a:pPr defTabSz="452438"/>
             <a:r>
-              <a:rPr lang="pl-PL" sz="1000" dirty="0" smtClean="0">
+              <a:rPr lang="pl-PL" sz="1000" dirty="0">
                 <a:latin typeface="Courier New" panose="02070309020205020404" pitchFamily="49" charset="0"/>
                 <a:cs typeface="Courier New" panose="02070309020205020404" pitchFamily="49" charset="0"/>
               </a:rPr>
@@ -16428,19 +15708,8 @@
                 <a:latin typeface="Courier New" panose="02070309020205020404" pitchFamily="49" charset="0"/>
                 <a:cs typeface="Courier New" panose="02070309020205020404" pitchFamily="49" charset="0"/>
               </a:rPr>
-              <a:t>	</a:t>
-            </a:r>
-            <a:r>
-              <a:rPr lang="pl-PL" sz="1000" dirty="0" smtClean="0">
-                <a:latin typeface="Courier New" panose="02070309020205020404" pitchFamily="49" charset="0"/>
-                <a:cs typeface="Courier New" panose="02070309020205020404" pitchFamily="49" charset="0"/>
-              </a:rPr>
-              <a:t>return X;</a:t>
-            </a:r>
-            <a:endParaRPr lang="pl-PL" sz="1000" dirty="0">
-              <a:latin typeface="Courier New" panose="02070309020205020404" pitchFamily="49" charset="0"/>
-              <a:cs typeface="Courier New" panose="02070309020205020404" pitchFamily="49" charset="0"/>
-            </a:endParaRPr>
+              <a:t>	return X;</a:t>
+            </a:r>
           </a:p>
           <a:p>
             <a:pPr defTabSz="452438"/>
@@ -16510,7 +15779,7 @@
               <a:buNone/>
               <a:tabLst/>
             </a:pPr>
-            <a:endParaRPr kumimoji="0" lang="pl-PL" sz="1500" b="0" i="0" u="none" strike="noStrike" cap="none" normalizeH="0" baseline="0" smtClean="0">
+            <a:endParaRPr kumimoji="0" lang="pl-PL" sz="1500" b="0" i="0" u="none" strike="noStrike" cap="none" normalizeH="0" baseline="0">
               <a:ln>
                 <a:noFill/>
               </a:ln>
@@ -16575,7 +15844,7 @@
               <a:buNone/>
               <a:tabLst/>
             </a:pPr>
-            <a:endParaRPr kumimoji="0" lang="pl-PL" sz="1500" b="0" i="0" u="none" strike="noStrike" cap="none" normalizeH="0" baseline="0" smtClean="0">
+            <a:endParaRPr kumimoji="0" lang="pl-PL" sz="1500" b="0" i="0" u="none" strike="noStrike" cap="none" normalizeH="0" baseline="0">
               <a:ln>
                 <a:noFill/>
               </a:ln>
@@ -16640,7 +15909,7 @@
               <a:buNone/>
               <a:tabLst/>
             </a:pPr>
-            <a:endParaRPr kumimoji="0" lang="pl-PL" sz="1500" b="0" i="0" u="none" strike="noStrike" cap="none" normalizeH="0" baseline="0" smtClean="0">
+            <a:endParaRPr kumimoji="0" lang="pl-PL" sz="1500" b="0" i="0" u="none" strike="noStrike" cap="none" normalizeH="0" baseline="0">
               <a:ln>
                 <a:noFill/>
               </a:ln>
@@ -16705,7 +15974,7 @@
               <a:buNone/>
               <a:tabLst/>
             </a:pPr>
-            <a:endParaRPr kumimoji="0" lang="pl-PL" sz="1500" b="0" i="0" u="none" strike="noStrike" cap="none" normalizeH="0" baseline="0" smtClean="0">
+            <a:endParaRPr kumimoji="0" lang="pl-PL" sz="1500" b="0" i="0" u="none" strike="noStrike" cap="none" normalizeH="0" baseline="0">
               <a:ln>
                 <a:noFill/>
               </a:ln>
@@ -16770,7 +16039,7 @@
               <a:buNone/>
               <a:tabLst/>
             </a:pPr>
-            <a:endParaRPr kumimoji="0" lang="pl-PL" sz="1500" b="0" i="0" u="none" strike="noStrike" cap="none" normalizeH="0" baseline="0" smtClean="0">
+            <a:endParaRPr kumimoji="0" lang="pl-PL" sz="1500" b="0" i="0" u="none" strike="noStrike" cap="none" normalizeH="0" baseline="0">
               <a:ln>
                 <a:noFill/>
               </a:ln>
@@ -16835,7 +16104,7 @@
               <a:buNone/>
               <a:tabLst/>
             </a:pPr>
-            <a:endParaRPr kumimoji="0" lang="pl-PL" sz="1500" b="0" i="0" u="none" strike="noStrike" cap="none" normalizeH="0" baseline="0" smtClean="0">
+            <a:endParaRPr kumimoji="0" lang="pl-PL" sz="1500" b="0" i="0" u="none" strike="noStrike" cap="none" normalizeH="0" baseline="0">
               <a:ln>
                 <a:noFill/>
               </a:ln>
@@ -16900,7 +16169,7 @@
               <a:buNone/>
               <a:tabLst/>
             </a:pPr>
-            <a:endParaRPr kumimoji="0" lang="pl-PL" sz="1500" b="0" i="0" u="none" strike="noStrike" cap="none" normalizeH="0" baseline="0" smtClean="0">
+            <a:endParaRPr kumimoji="0" lang="pl-PL" sz="1500" b="0" i="0" u="none" strike="noStrike" cap="none" normalizeH="0" baseline="0">
               <a:ln>
                 <a:noFill/>
               </a:ln>
@@ -16926,13 +16195,6 @@
   <p:transition spd="slow">
     <p:push dir="u"/>
   </p:transition>
-  <p:timing>
-    <p:tnLst>
-      <p:par>
-        <p:cTn id="1" dur="indefinite" restart="never" nodeType="tmRoot"/>
-      </p:par>
-    </p:tnLst>
-  </p:timing>
 </p:sld>
 </file>
 
@@ -16974,34 +16236,33 @@
           <a:lstStyle/>
           <a:p>
             <a:r>
-              <a:rPr lang="en-US" b="1" dirty="0" smtClean="0"/>
+              <a:rPr lang="en-US" b="1" dirty="0"/>
               <a:t>Condition/decision coverage </a:t>
             </a:r>
             <a:r>
-              <a:rPr lang="en-US" dirty="0" smtClean="0"/>
+              <a:rPr lang="en-US" dirty="0"/>
               <a:t>requires sufficient test cases such that each condition in a decision takes on all possible outcomes at least once, each decision takes on all possible outcomes at least once, and each point of entry is invoked at least once.</a:t>
             </a:r>
           </a:p>
           <a:p>
             <a:r>
-              <a:rPr lang="en-US" dirty="0" smtClean="0"/>
+              <a:rPr lang="en-US" dirty="0"/>
               <a:t>100% achieved by following test:</a:t>
             </a:r>
           </a:p>
           <a:p>
             <a:pPr lvl="1"/>
             <a:r>
-              <a:rPr lang="en-US" dirty="0" smtClean="0"/>
+              <a:rPr lang="en-US" dirty="0"/>
               <a:t>A=2, B=0, X=4 </a:t>
             </a:r>
           </a:p>
           <a:p>
             <a:pPr lvl="1"/>
             <a:r>
-              <a:rPr lang="en-US" dirty="0" smtClean="0"/>
+              <a:rPr lang="en-US" dirty="0"/>
               <a:t>A=1, B=1, X=1 </a:t>
             </a:r>
-            <a:endParaRPr lang="en-US" dirty="0"/>
           </a:p>
         </p:txBody>
       </p:sp>
@@ -17021,10 +16282,9 @@
           <a:lstStyle/>
           <a:p>
             <a:r>
-              <a:rPr lang="en-US" dirty="0" smtClean="0"/>
+              <a:rPr lang="en-US" dirty="0"/>
               <a:t>Logic coverage testing</a:t>
             </a:r>
-            <a:endParaRPr lang="en-US" dirty="0"/>
           </a:p>
         </p:txBody>
       </p:sp>
@@ -17065,35 +16325,35 @@
               <a:t>public </a:t>
             </a:r>
             <a:r>
-              <a:rPr lang="pl-PL" sz="1000" dirty="0" err="1" smtClean="0">
+              <a:rPr lang="pl-PL" sz="1000" dirty="0" err="1">
                 <a:latin typeface="Courier New" panose="02070309020205020404" pitchFamily="49" charset="0"/>
                 <a:cs typeface="Courier New" panose="02070309020205020404" pitchFamily="49" charset="0"/>
               </a:rPr>
               <a:t>int</a:t>
             </a:r>
             <a:r>
-              <a:rPr lang="pl-PL" sz="1000" dirty="0" smtClean="0">
+              <a:rPr lang="pl-PL" sz="1000" dirty="0">
                 <a:latin typeface="Courier New" panose="02070309020205020404" pitchFamily="49" charset="0"/>
                 <a:cs typeface="Courier New" panose="02070309020205020404" pitchFamily="49" charset="0"/>
               </a:rPr>
               <a:t> </a:t>
             </a:r>
             <a:r>
-              <a:rPr lang="en-US" sz="1000" dirty="0" smtClean="0">
+              <a:rPr lang="en-US" sz="1000" dirty="0">
                 <a:latin typeface="Courier New" panose="02070309020205020404" pitchFamily="49" charset="0"/>
                 <a:cs typeface="Courier New" panose="02070309020205020404" pitchFamily="49" charset="0"/>
               </a:rPr>
               <a:t>foo(</a:t>
             </a:r>
             <a:r>
-              <a:rPr lang="en-US" sz="1000" dirty="0" err="1" smtClean="0">
+              <a:rPr lang="en-US" sz="1000" dirty="0" err="1">
                 <a:latin typeface="Courier New" panose="02070309020205020404" pitchFamily="49" charset="0"/>
                 <a:cs typeface="Courier New" panose="02070309020205020404" pitchFamily="49" charset="0"/>
               </a:rPr>
               <a:t>int</a:t>
             </a:r>
             <a:r>
-              <a:rPr lang="en-US" sz="1000" dirty="0" smtClean="0">
+              <a:rPr lang="en-US" sz="1000" dirty="0">
                 <a:latin typeface="Courier New" panose="02070309020205020404" pitchFamily="49" charset="0"/>
                 <a:cs typeface="Courier New" panose="02070309020205020404" pitchFamily="49" charset="0"/>
               </a:rPr>
@@ -17131,131 +16391,85 @@
           <a:p>
             <a:pPr defTabSz="452438"/>
             <a:r>
-              <a:rPr lang="pl-PL" sz="1000" dirty="0" smtClean="0">
+              <a:rPr lang="pl-PL" sz="1000" dirty="0">
                 <a:latin typeface="Courier New" panose="02070309020205020404" pitchFamily="49" charset="0"/>
                 <a:cs typeface="Courier New" panose="02070309020205020404" pitchFamily="49" charset="0"/>
               </a:rPr>
               <a:t>	</a:t>
             </a:r>
             <a:r>
-              <a:rPr lang="pl-PL" sz="1000" dirty="0" err="1" smtClean="0">
+              <a:rPr lang="pl-PL" sz="1000" dirty="0" err="1">
                 <a:latin typeface="Courier New" panose="02070309020205020404" pitchFamily="49" charset="0"/>
                 <a:cs typeface="Courier New" panose="02070309020205020404" pitchFamily="49" charset="0"/>
               </a:rPr>
               <a:t>if</a:t>
             </a:r>
             <a:r>
-              <a:rPr lang="pl-PL" sz="1000" dirty="0" smtClean="0">
-                <a:latin typeface="Courier New" panose="02070309020205020404" pitchFamily="49" charset="0"/>
-                <a:cs typeface="Courier New" panose="02070309020205020404" pitchFamily="49" charset="0"/>
-              </a:rPr>
-              <a:t>( A&gt;1 </a:t>
-            </a:r>
-            <a:r>
-              <a:rPr lang="pl-PL" sz="1000" dirty="0">
-                <a:latin typeface="Courier New" panose="02070309020205020404" pitchFamily="49" charset="0"/>
-                <a:cs typeface="Courier New" panose="02070309020205020404" pitchFamily="49" charset="0"/>
-              </a:rPr>
-              <a:t>&amp;&amp; </a:t>
-            </a:r>
-            <a:r>
-              <a:rPr lang="pl-PL" sz="1000" dirty="0" smtClean="0">
-                <a:latin typeface="Courier New" panose="02070309020205020404" pitchFamily="49" charset="0"/>
-                <a:cs typeface="Courier New" panose="02070309020205020404" pitchFamily="49" charset="0"/>
-              </a:rPr>
-              <a:t>B==0</a:t>
-            </a:r>
-            <a:r>
-              <a:rPr lang="pl-PL" sz="1000" dirty="0">
-                <a:latin typeface="Courier New" panose="02070309020205020404" pitchFamily="49" charset="0"/>
-                <a:cs typeface="Courier New" panose="02070309020205020404" pitchFamily="49" charset="0"/>
-              </a:rPr>
-              <a:t>) {</a:t>
+              <a:rPr lang="pl-PL" sz="1000" dirty="0">
+                <a:latin typeface="Courier New" panose="02070309020205020404" pitchFamily="49" charset="0"/>
+                <a:cs typeface="Courier New" panose="02070309020205020404" pitchFamily="49" charset="0"/>
+              </a:rPr>
+              <a:t>( A&gt;1 &amp;&amp; B==0) {</a:t>
             </a:r>
           </a:p>
           <a:p>
             <a:pPr defTabSz="452438"/>
             <a:r>
-              <a:rPr lang="pl-PL" sz="1000" dirty="0" smtClean="0">
-                <a:latin typeface="Courier New" panose="02070309020205020404" pitchFamily="49" charset="0"/>
-                <a:cs typeface="Courier New" panose="02070309020205020404" pitchFamily="49" charset="0"/>
-              </a:rPr>
-              <a:t>		X=X/A</a:t>
-            </a:r>
-            <a:r>
-              <a:rPr lang="pl-PL" sz="1000" dirty="0">
-                <a:latin typeface="Courier New" panose="02070309020205020404" pitchFamily="49" charset="0"/>
-                <a:cs typeface="Courier New" panose="02070309020205020404" pitchFamily="49" charset="0"/>
-              </a:rPr>
-              <a:t>;</a:t>
+              <a:rPr lang="pl-PL" sz="1000" dirty="0">
+                <a:latin typeface="Courier New" panose="02070309020205020404" pitchFamily="49" charset="0"/>
+                <a:cs typeface="Courier New" panose="02070309020205020404" pitchFamily="49" charset="0"/>
+              </a:rPr>
+              <a:t>		X=X/A;</a:t>
             </a:r>
           </a:p>
           <a:p>
             <a:pPr defTabSz="452438"/>
             <a:r>
-              <a:rPr lang="pl-PL" sz="1000" dirty="0" smtClean="0">
+              <a:rPr lang="pl-PL" sz="1000" dirty="0">
                 <a:latin typeface="Courier New" panose="02070309020205020404" pitchFamily="49" charset="0"/>
                 <a:cs typeface="Courier New" panose="02070309020205020404" pitchFamily="49" charset="0"/>
               </a:rPr>
               <a:t>	}</a:t>
             </a:r>
-            <a:endParaRPr lang="pl-PL" sz="1000" dirty="0">
-              <a:latin typeface="Courier New" panose="02070309020205020404" pitchFamily="49" charset="0"/>
-              <a:cs typeface="Courier New" panose="02070309020205020404" pitchFamily="49" charset="0"/>
-            </a:endParaRPr>
           </a:p>
           <a:p>
             <a:pPr defTabSz="452438"/>
             <a:r>
-              <a:rPr lang="pl-PL" sz="1000" dirty="0" smtClean="0">
+              <a:rPr lang="pl-PL" sz="1000" dirty="0">
                 <a:latin typeface="Courier New" panose="02070309020205020404" pitchFamily="49" charset="0"/>
                 <a:cs typeface="Courier New" panose="02070309020205020404" pitchFamily="49" charset="0"/>
               </a:rPr>
               <a:t>	</a:t>
             </a:r>
             <a:r>
-              <a:rPr lang="pl-PL" sz="1000" dirty="0" err="1" smtClean="0">
+              <a:rPr lang="pl-PL" sz="1000" dirty="0" err="1">
                 <a:latin typeface="Courier New" panose="02070309020205020404" pitchFamily="49" charset="0"/>
                 <a:cs typeface="Courier New" panose="02070309020205020404" pitchFamily="49" charset="0"/>
               </a:rPr>
               <a:t>if</a:t>
             </a:r>
             <a:r>
-              <a:rPr lang="pl-PL" sz="1000" dirty="0" smtClean="0">
-                <a:latin typeface="Courier New" panose="02070309020205020404" pitchFamily="49" charset="0"/>
-                <a:cs typeface="Courier New" panose="02070309020205020404" pitchFamily="49" charset="0"/>
-              </a:rPr>
-              <a:t>(A==2 || </a:t>
-            </a:r>
-            <a:r>
-              <a:rPr lang="pl-PL" sz="1000" dirty="0">
-                <a:latin typeface="Courier New" panose="02070309020205020404" pitchFamily="49" charset="0"/>
-                <a:cs typeface="Courier New" panose="02070309020205020404" pitchFamily="49" charset="0"/>
-              </a:rPr>
-              <a:t>X&gt;1) {</a:t>
+              <a:rPr lang="pl-PL" sz="1000" dirty="0">
+                <a:latin typeface="Courier New" panose="02070309020205020404" pitchFamily="49" charset="0"/>
+                <a:cs typeface="Courier New" panose="02070309020205020404" pitchFamily="49" charset="0"/>
+              </a:rPr>
+              <a:t>(A==2 || X&gt;1) {</a:t>
             </a:r>
           </a:p>
           <a:p>
             <a:pPr defTabSz="452438"/>
             <a:r>
-              <a:rPr lang="pl-PL" sz="1000" dirty="0" smtClean="0">
-                <a:latin typeface="Courier New" panose="02070309020205020404" pitchFamily="49" charset="0"/>
-                <a:cs typeface="Courier New" panose="02070309020205020404" pitchFamily="49" charset="0"/>
-              </a:rPr>
-              <a:t>		X=X+1</a:t>
-            </a:r>
-            <a:r>
-              <a:rPr lang="pl-PL" sz="1000" dirty="0">
-                <a:latin typeface="Courier New" panose="02070309020205020404" pitchFamily="49" charset="0"/>
-                <a:cs typeface="Courier New" panose="02070309020205020404" pitchFamily="49" charset="0"/>
-              </a:rPr>
-              <a:t>;</a:t>
+              <a:rPr lang="pl-PL" sz="1000" dirty="0">
+                <a:latin typeface="Courier New" panose="02070309020205020404" pitchFamily="49" charset="0"/>
+                <a:cs typeface="Courier New" panose="02070309020205020404" pitchFamily="49" charset="0"/>
+              </a:rPr>
+              <a:t>		X=X+1;</a:t>
             </a:r>
           </a:p>
           <a:p>
             <a:pPr defTabSz="452438"/>
             <a:r>
-              <a:rPr lang="pl-PL" sz="1000" dirty="0" smtClean="0">
+              <a:rPr lang="pl-PL" sz="1000" dirty="0">
                 <a:latin typeface="Courier New" panose="02070309020205020404" pitchFamily="49" charset="0"/>
                 <a:cs typeface="Courier New" panose="02070309020205020404" pitchFamily="49" charset="0"/>
               </a:rPr>
@@ -17269,19 +16483,8 @@
                 <a:latin typeface="Courier New" panose="02070309020205020404" pitchFamily="49" charset="0"/>
                 <a:cs typeface="Courier New" panose="02070309020205020404" pitchFamily="49" charset="0"/>
               </a:rPr>
-              <a:t>	</a:t>
-            </a:r>
-            <a:r>
-              <a:rPr lang="pl-PL" sz="1000" dirty="0" smtClean="0">
-                <a:latin typeface="Courier New" panose="02070309020205020404" pitchFamily="49" charset="0"/>
-                <a:cs typeface="Courier New" panose="02070309020205020404" pitchFamily="49" charset="0"/>
-              </a:rPr>
-              <a:t>return X;</a:t>
-            </a:r>
-            <a:endParaRPr lang="pl-PL" sz="1000" dirty="0">
-              <a:latin typeface="Courier New" panose="02070309020205020404" pitchFamily="49" charset="0"/>
-              <a:cs typeface="Courier New" panose="02070309020205020404" pitchFamily="49" charset="0"/>
-            </a:endParaRPr>
+              <a:t>	return X;</a:t>
+            </a:r>
           </a:p>
           <a:p>
             <a:pPr defTabSz="452438"/>
@@ -17351,7 +16554,7 @@
               <a:buNone/>
               <a:tabLst/>
             </a:pPr>
-            <a:endParaRPr kumimoji="0" lang="pl-PL" sz="1500" b="0" i="0" u="none" strike="noStrike" cap="none" normalizeH="0" baseline="0" smtClean="0">
+            <a:endParaRPr kumimoji="0" lang="pl-PL" sz="1500" b="0" i="0" u="none" strike="noStrike" cap="none" normalizeH="0" baseline="0">
               <a:ln>
                 <a:noFill/>
               </a:ln>
@@ -17416,7 +16619,7 @@
               <a:buNone/>
               <a:tabLst/>
             </a:pPr>
-            <a:endParaRPr kumimoji="0" lang="pl-PL" sz="1500" b="0" i="0" u="none" strike="noStrike" cap="none" normalizeH="0" baseline="0" smtClean="0">
+            <a:endParaRPr kumimoji="0" lang="pl-PL" sz="1500" b="0" i="0" u="none" strike="noStrike" cap="none" normalizeH="0" baseline="0">
               <a:ln>
                 <a:noFill/>
               </a:ln>
@@ -17481,7 +16684,7 @@
               <a:buNone/>
               <a:tabLst/>
             </a:pPr>
-            <a:endParaRPr kumimoji="0" lang="pl-PL" sz="1500" b="0" i="0" u="none" strike="noStrike" cap="none" normalizeH="0" baseline="0" smtClean="0">
+            <a:endParaRPr kumimoji="0" lang="pl-PL" sz="1500" b="0" i="0" u="none" strike="noStrike" cap="none" normalizeH="0" baseline="0">
               <a:ln>
                 <a:noFill/>
               </a:ln>
@@ -17546,7 +16749,7 @@
               <a:buNone/>
               <a:tabLst/>
             </a:pPr>
-            <a:endParaRPr kumimoji="0" lang="pl-PL" sz="1500" b="0" i="0" u="none" strike="noStrike" cap="none" normalizeH="0" baseline="0" smtClean="0">
+            <a:endParaRPr kumimoji="0" lang="pl-PL" sz="1500" b="0" i="0" u="none" strike="noStrike" cap="none" normalizeH="0" baseline="0">
               <a:ln>
                 <a:noFill/>
               </a:ln>
@@ -17611,7 +16814,7 @@
               <a:buNone/>
               <a:tabLst/>
             </a:pPr>
-            <a:endParaRPr kumimoji="0" lang="pl-PL" sz="1500" b="0" i="0" u="none" strike="noStrike" cap="none" normalizeH="0" baseline="0" smtClean="0">
+            <a:endParaRPr kumimoji="0" lang="pl-PL" sz="1500" b="0" i="0" u="none" strike="noStrike" cap="none" normalizeH="0" baseline="0">
               <a:ln>
                 <a:noFill/>
               </a:ln>
@@ -17676,7 +16879,7 @@
               <a:buNone/>
               <a:tabLst/>
             </a:pPr>
-            <a:endParaRPr kumimoji="0" lang="pl-PL" sz="1500" b="0" i="0" u="none" strike="noStrike" cap="none" normalizeH="0" baseline="0" smtClean="0">
+            <a:endParaRPr kumimoji="0" lang="pl-PL" sz="1500" b="0" i="0" u="none" strike="noStrike" cap="none" normalizeH="0" baseline="0">
               <a:ln>
                 <a:noFill/>
               </a:ln>
@@ -17741,7 +16944,7 @@
               <a:buNone/>
               <a:tabLst/>
             </a:pPr>
-            <a:endParaRPr kumimoji="0" lang="pl-PL" sz="1500" b="0" i="0" u="none" strike="noStrike" cap="none" normalizeH="0" baseline="0" smtClean="0">
+            <a:endParaRPr kumimoji="0" lang="pl-PL" sz="1500" b="0" i="0" u="none" strike="noStrike" cap="none" normalizeH="0" baseline="0">
               <a:ln>
                 <a:noFill/>
               </a:ln>
@@ -17806,7 +17009,7 @@
               <a:buNone/>
               <a:tabLst/>
             </a:pPr>
-            <a:endParaRPr kumimoji="0" lang="pl-PL" sz="1500" b="0" i="0" u="none" strike="noStrike" cap="none" normalizeH="0" baseline="0" smtClean="0">
+            <a:endParaRPr kumimoji="0" lang="pl-PL" sz="1500" b="0" i="0" u="none" strike="noStrike" cap="none" normalizeH="0" baseline="0">
               <a:ln>
                 <a:noFill/>
               </a:ln>
@@ -17871,7 +17074,7 @@
               <a:buNone/>
               <a:tabLst/>
             </a:pPr>
-            <a:endParaRPr kumimoji="0" lang="pl-PL" sz="1500" b="0" i="0" u="none" strike="noStrike" cap="none" normalizeH="0" baseline="0" smtClean="0">
+            <a:endParaRPr kumimoji="0" lang="pl-PL" sz="1500" b="0" i="0" u="none" strike="noStrike" cap="none" normalizeH="0" baseline="0">
               <a:ln>
                 <a:noFill/>
               </a:ln>
@@ -17897,13 +17100,6 @@
   <p:transition spd="slow">
     <p:push dir="u"/>
   </p:transition>
-  <p:timing>
-    <p:tnLst>
-      <p:par>
-        <p:cTn id="1" dur="indefinite" restart="never" nodeType="tmRoot"/>
-      </p:par>
-    </p:tnLst>
-  </p:timing>
 </p:sld>
 </file>
 
@@ -17945,44 +17141,43 @@
           <a:lstStyle/>
           <a:p>
             <a:r>
-              <a:rPr lang="en-US" dirty="0" smtClean="0"/>
+              <a:rPr lang="en-US" dirty="0"/>
               <a:t>Multiple-condition coverage criterion requires that you write sufficient test cases such that all possible combinations of condition outcomes in each decision, and all points of entry, are invoked at least once.</a:t>
             </a:r>
           </a:p>
           <a:p>
             <a:r>
-              <a:rPr lang="en-US" dirty="0" smtClean="0"/>
+              <a:rPr lang="en-US" dirty="0"/>
               <a:t>100% achieved by following test:</a:t>
             </a:r>
           </a:p>
           <a:p>
             <a:pPr lvl="1"/>
             <a:r>
-              <a:rPr lang="en-US" dirty="0" smtClean="0"/>
+              <a:rPr lang="en-US" dirty="0"/>
               <a:t>A=2, B=0, X=4</a:t>
             </a:r>
           </a:p>
           <a:p>
             <a:pPr lvl="1"/>
             <a:r>
-              <a:rPr lang="en-US" dirty="0" smtClean="0"/>
+              <a:rPr lang="en-US" dirty="0"/>
               <a:t>A=2, B=1, X=1 </a:t>
             </a:r>
           </a:p>
           <a:p>
             <a:pPr lvl="1"/>
             <a:r>
-              <a:rPr lang="en-US" dirty="0" smtClean="0"/>
+              <a:rPr lang="en-US" dirty="0"/>
               <a:t>A=1, B=0, X=2</a:t>
             </a:r>
           </a:p>
           <a:p>
             <a:pPr lvl="1"/>
             <a:r>
-              <a:rPr lang="en-US" dirty="0" smtClean="0"/>
+              <a:rPr lang="en-US" dirty="0"/>
               <a:t>A=1, B=1, X=1</a:t>
             </a:r>
-            <a:endParaRPr lang="en-US" dirty="0"/>
           </a:p>
         </p:txBody>
       </p:sp>
@@ -18002,10 +17197,9 @@
           <a:lstStyle/>
           <a:p>
             <a:r>
-              <a:rPr lang="en-US" dirty="0" smtClean="0"/>
+              <a:rPr lang="en-US" dirty="0"/>
               <a:t>Logic coverage testing</a:t>
             </a:r>
-            <a:endParaRPr lang="en-US" dirty="0"/>
           </a:p>
         </p:txBody>
       </p:sp>
@@ -18046,42 +17240,42 @@
               <a:t>public </a:t>
             </a:r>
             <a:r>
-              <a:rPr lang="pl-PL" sz="1000" dirty="0" err="1" smtClean="0">
+              <a:rPr lang="pl-PL" sz="1000" dirty="0" err="1">
                 <a:latin typeface="Courier New" panose="02070309020205020404" pitchFamily="49" charset="0"/>
                 <a:cs typeface="Courier New" panose="02070309020205020404" pitchFamily="49" charset="0"/>
               </a:rPr>
               <a:t>int</a:t>
             </a:r>
             <a:r>
-              <a:rPr lang="en-US" sz="1000" dirty="0" smtClean="0">
+              <a:rPr lang="en-US" sz="1000" dirty="0">
                 <a:latin typeface="Courier New" panose="02070309020205020404" pitchFamily="49" charset="0"/>
                 <a:cs typeface="Courier New" panose="02070309020205020404" pitchFamily="49" charset="0"/>
               </a:rPr>
               <a:t> f</a:t>
             </a:r>
             <a:r>
-              <a:rPr lang="pl-PL" sz="1000" dirty="0" err="1" smtClean="0">
+              <a:rPr lang="pl-PL" sz="1000" dirty="0" err="1">
                 <a:latin typeface="Courier New" panose="02070309020205020404" pitchFamily="49" charset="0"/>
                 <a:cs typeface="Courier New" panose="02070309020205020404" pitchFamily="49" charset="0"/>
               </a:rPr>
               <a:t>oo</a:t>
             </a:r>
             <a:r>
-              <a:rPr lang="en-US" sz="1000" dirty="0" smtClean="0">
+              <a:rPr lang="en-US" sz="1000" dirty="0">
                 <a:latin typeface="Courier New" panose="02070309020205020404" pitchFamily="49" charset="0"/>
                 <a:cs typeface="Courier New" panose="02070309020205020404" pitchFamily="49" charset="0"/>
               </a:rPr>
               <a:t>(</a:t>
             </a:r>
             <a:r>
-              <a:rPr lang="en-US" sz="1000" dirty="0" err="1" smtClean="0">
+              <a:rPr lang="en-US" sz="1000" dirty="0" err="1">
                 <a:latin typeface="Courier New" panose="02070309020205020404" pitchFamily="49" charset="0"/>
                 <a:cs typeface="Courier New" panose="02070309020205020404" pitchFamily="49" charset="0"/>
               </a:rPr>
               <a:t>int</a:t>
             </a:r>
             <a:r>
-              <a:rPr lang="en-US" sz="1000" dirty="0" smtClean="0">
+              <a:rPr lang="en-US" sz="1000" dirty="0">
                 <a:latin typeface="Courier New" panose="02070309020205020404" pitchFamily="49" charset="0"/>
                 <a:cs typeface="Courier New" panose="02070309020205020404" pitchFamily="49" charset="0"/>
               </a:rPr>
@@ -18119,131 +17313,85 @@
           <a:p>
             <a:pPr defTabSz="452438"/>
             <a:r>
-              <a:rPr lang="pl-PL" sz="1000" dirty="0" smtClean="0">
+              <a:rPr lang="pl-PL" sz="1000" dirty="0">
                 <a:latin typeface="Courier New" panose="02070309020205020404" pitchFamily="49" charset="0"/>
                 <a:cs typeface="Courier New" panose="02070309020205020404" pitchFamily="49" charset="0"/>
               </a:rPr>
               <a:t>	</a:t>
             </a:r>
             <a:r>
-              <a:rPr lang="pl-PL" sz="1000" dirty="0" err="1" smtClean="0">
+              <a:rPr lang="pl-PL" sz="1000" dirty="0" err="1">
                 <a:latin typeface="Courier New" panose="02070309020205020404" pitchFamily="49" charset="0"/>
                 <a:cs typeface="Courier New" panose="02070309020205020404" pitchFamily="49" charset="0"/>
               </a:rPr>
               <a:t>if</a:t>
             </a:r>
             <a:r>
-              <a:rPr lang="pl-PL" sz="1000" dirty="0" smtClean="0">
-                <a:latin typeface="Courier New" panose="02070309020205020404" pitchFamily="49" charset="0"/>
-                <a:cs typeface="Courier New" panose="02070309020205020404" pitchFamily="49" charset="0"/>
-              </a:rPr>
-              <a:t>( A&gt;1 </a:t>
-            </a:r>
-            <a:r>
-              <a:rPr lang="pl-PL" sz="1000" dirty="0">
-                <a:latin typeface="Courier New" panose="02070309020205020404" pitchFamily="49" charset="0"/>
-                <a:cs typeface="Courier New" panose="02070309020205020404" pitchFamily="49" charset="0"/>
-              </a:rPr>
-              <a:t>&amp;&amp; </a:t>
-            </a:r>
-            <a:r>
-              <a:rPr lang="pl-PL" sz="1000" dirty="0" smtClean="0">
-                <a:latin typeface="Courier New" panose="02070309020205020404" pitchFamily="49" charset="0"/>
-                <a:cs typeface="Courier New" panose="02070309020205020404" pitchFamily="49" charset="0"/>
-              </a:rPr>
-              <a:t>B==0</a:t>
-            </a:r>
-            <a:r>
-              <a:rPr lang="pl-PL" sz="1000" dirty="0">
-                <a:latin typeface="Courier New" panose="02070309020205020404" pitchFamily="49" charset="0"/>
-                <a:cs typeface="Courier New" panose="02070309020205020404" pitchFamily="49" charset="0"/>
-              </a:rPr>
-              <a:t>) {</a:t>
+              <a:rPr lang="pl-PL" sz="1000" dirty="0">
+                <a:latin typeface="Courier New" panose="02070309020205020404" pitchFamily="49" charset="0"/>
+                <a:cs typeface="Courier New" panose="02070309020205020404" pitchFamily="49" charset="0"/>
+              </a:rPr>
+              <a:t>( A&gt;1 &amp;&amp; B==0) {</a:t>
             </a:r>
           </a:p>
           <a:p>
             <a:pPr defTabSz="452438"/>
             <a:r>
-              <a:rPr lang="pl-PL" sz="1000" dirty="0" smtClean="0">
-                <a:latin typeface="Courier New" panose="02070309020205020404" pitchFamily="49" charset="0"/>
-                <a:cs typeface="Courier New" panose="02070309020205020404" pitchFamily="49" charset="0"/>
-              </a:rPr>
-              <a:t>		X=X/A</a:t>
-            </a:r>
-            <a:r>
-              <a:rPr lang="pl-PL" sz="1000" dirty="0">
-                <a:latin typeface="Courier New" panose="02070309020205020404" pitchFamily="49" charset="0"/>
-                <a:cs typeface="Courier New" panose="02070309020205020404" pitchFamily="49" charset="0"/>
-              </a:rPr>
-              <a:t>;</a:t>
+              <a:rPr lang="pl-PL" sz="1000" dirty="0">
+                <a:latin typeface="Courier New" panose="02070309020205020404" pitchFamily="49" charset="0"/>
+                <a:cs typeface="Courier New" panose="02070309020205020404" pitchFamily="49" charset="0"/>
+              </a:rPr>
+              <a:t>		X=X/A;</a:t>
             </a:r>
           </a:p>
           <a:p>
             <a:pPr defTabSz="452438"/>
             <a:r>
-              <a:rPr lang="pl-PL" sz="1000" dirty="0" smtClean="0">
+              <a:rPr lang="pl-PL" sz="1000" dirty="0">
                 <a:latin typeface="Courier New" panose="02070309020205020404" pitchFamily="49" charset="0"/>
                 <a:cs typeface="Courier New" panose="02070309020205020404" pitchFamily="49" charset="0"/>
               </a:rPr>
               <a:t>	}</a:t>
             </a:r>
-            <a:endParaRPr lang="pl-PL" sz="1000" dirty="0">
-              <a:latin typeface="Courier New" panose="02070309020205020404" pitchFamily="49" charset="0"/>
-              <a:cs typeface="Courier New" panose="02070309020205020404" pitchFamily="49" charset="0"/>
-            </a:endParaRPr>
           </a:p>
           <a:p>
             <a:pPr defTabSz="452438"/>
             <a:r>
-              <a:rPr lang="pl-PL" sz="1000" dirty="0" smtClean="0">
+              <a:rPr lang="pl-PL" sz="1000" dirty="0">
                 <a:latin typeface="Courier New" panose="02070309020205020404" pitchFamily="49" charset="0"/>
                 <a:cs typeface="Courier New" panose="02070309020205020404" pitchFamily="49" charset="0"/>
               </a:rPr>
               <a:t>	</a:t>
             </a:r>
             <a:r>
-              <a:rPr lang="pl-PL" sz="1000" dirty="0" err="1" smtClean="0">
+              <a:rPr lang="pl-PL" sz="1000" dirty="0" err="1">
                 <a:latin typeface="Courier New" panose="02070309020205020404" pitchFamily="49" charset="0"/>
                 <a:cs typeface="Courier New" panose="02070309020205020404" pitchFamily="49" charset="0"/>
               </a:rPr>
               <a:t>if</a:t>
             </a:r>
             <a:r>
-              <a:rPr lang="pl-PL" sz="1000" dirty="0" smtClean="0">
-                <a:latin typeface="Courier New" panose="02070309020205020404" pitchFamily="49" charset="0"/>
-                <a:cs typeface="Courier New" panose="02070309020205020404" pitchFamily="49" charset="0"/>
-              </a:rPr>
-              <a:t>(A==2 || </a:t>
-            </a:r>
-            <a:r>
-              <a:rPr lang="pl-PL" sz="1000" dirty="0">
-                <a:latin typeface="Courier New" panose="02070309020205020404" pitchFamily="49" charset="0"/>
-                <a:cs typeface="Courier New" panose="02070309020205020404" pitchFamily="49" charset="0"/>
-              </a:rPr>
-              <a:t>X&gt;1) {</a:t>
+              <a:rPr lang="pl-PL" sz="1000" dirty="0">
+                <a:latin typeface="Courier New" panose="02070309020205020404" pitchFamily="49" charset="0"/>
+                <a:cs typeface="Courier New" panose="02070309020205020404" pitchFamily="49" charset="0"/>
+              </a:rPr>
+              <a:t>(A==2 || X&gt;1) {</a:t>
             </a:r>
           </a:p>
           <a:p>
             <a:pPr defTabSz="452438"/>
             <a:r>
-              <a:rPr lang="pl-PL" sz="1000" dirty="0" smtClean="0">
-                <a:latin typeface="Courier New" panose="02070309020205020404" pitchFamily="49" charset="0"/>
-                <a:cs typeface="Courier New" panose="02070309020205020404" pitchFamily="49" charset="0"/>
-              </a:rPr>
-              <a:t>		X=X+1</a:t>
-            </a:r>
-            <a:r>
-              <a:rPr lang="pl-PL" sz="1000" dirty="0">
-                <a:latin typeface="Courier New" panose="02070309020205020404" pitchFamily="49" charset="0"/>
-                <a:cs typeface="Courier New" panose="02070309020205020404" pitchFamily="49" charset="0"/>
-              </a:rPr>
-              <a:t>;</a:t>
+              <a:rPr lang="pl-PL" sz="1000" dirty="0">
+                <a:latin typeface="Courier New" panose="02070309020205020404" pitchFamily="49" charset="0"/>
+                <a:cs typeface="Courier New" panose="02070309020205020404" pitchFamily="49" charset="0"/>
+              </a:rPr>
+              <a:t>		X=X+1;</a:t>
             </a:r>
           </a:p>
           <a:p>
             <a:pPr defTabSz="452438"/>
             <a:r>
-              <a:rPr lang="pl-PL" sz="1000" dirty="0" smtClean="0">
+              <a:rPr lang="pl-PL" sz="1000" dirty="0">
                 <a:latin typeface="Courier New" panose="02070309020205020404" pitchFamily="49" charset="0"/>
                 <a:cs typeface="Courier New" panose="02070309020205020404" pitchFamily="49" charset="0"/>
               </a:rPr>
@@ -18257,19 +17405,8 @@
                 <a:latin typeface="Courier New" panose="02070309020205020404" pitchFamily="49" charset="0"/>
                 <a:cs typeface="Courier New" panose="02070309020205020404" pitchFamily="49" charset="0"/>
               </a:rPr>
-              <a:t>	</a:t>
-            </a:r>
-            <a:r>
-              <a:rPr lang="pl-PL" sz="1000" dirty="0" smtClean="0">
-                <a:latin typeface="Courier New" panose="02070309020205020404" pitchFamily="49" charset="0"/>
-                <a:cs typeface="Courier New" panose="02070309020205020404" pitchFamily="49" charset="0"/>
-              </a:rPr>
-              <a:t>return X;</a:t>
-            </a:r>
-            <a:endParaRPr lang="pl-PL" sz="1000" dirty="0">
-              <a:latin typeface="Courier New" panose="02070309020205020404" pitchFamily="49" charset="0"/>
-              <a:cs typeface="Courier New" panose="02070309020205020404" pitchFamily="49" charset="0"/>
-            </a:endParaRPr>
+              <a:t>	return X;</a:t>
+            </a:r>
           </a:p>
           <a:p>
             <a:pPr defTabSz="452438"/>
@@ -18339,7 +17476,7 @@
               <a:buNone/>
               <a:tabLst/>
             </a:pPr>
-            <a:endParaRPr kumimoji="0" lang="pl-PL" sz="1500" b="0" i="0" u="none" strike="noStrike" cap="none" normalizeH="0" baseline="0" smtClean="0">
+            <a:endParaRPr kumimoji="0" lang="pl-PL" sz="1500" b="0" i="0" u="none" strike="noStrike" cap="none" normalizeH="0" baseline="0">
               <a:ln>
                 <a:noFill/>
               </a:ln>
@@ -18404,7 +17541,7 @@
               <a:buNone/>
               <a:tabLst/>
             </a:pPr>
-            <a:endParaRPr kumimoji="0" lang="pl-PL" sz="1500" b="0" i="0" u="none" strike="noStrike" cap="none" normalizeH="0" baseline="0" smtClean="0">
+            <a:endParaRPr kumimoji="0" lang="pl-PL" sz="1500" b="0" i="0" u="none" strike="noStrike" cap="none" normalizeH="0" baseline="0">
               <a:ln>
                 <a:noFill/>
               </a:ln>
@@ -18469,7 +17606,7 @@
               <a:buNone/>
               <a:tabLst/>
             </a:pPr>
-            <a:endParaRPr kumimoji="0" lang="pl-PL" sz="1500" b="0" i="0" u="none" strike="noStrike" cap="none" normalizeH="0" baseline="0" smtClean="0">
+            <a:endParaRPr kumimoji="0" lang="pl-PL" sz="1500" b="0" i="0" u="none" strike="noStrike" cap="none" normalizeH="0" baseline="0">
               <a:ln>
                 <a:noFill/>
               </a:ln>
@@ -18534,7 +17671,7 @@
               <a:buNone/>
               <a:tabLst/>
             </a:pPr>
-            <a:endParaRPr kumimoji="0" lang="pl-PL" sz="1500" b="0" i="0" u="none" strike="noStrike" cap="none" normalizeH="0" baseline="0" smtClean="0">
+            <a:endParaRPr kumimoji="0" lang="pl-PL" sz="1500" b="0" i="0" u="none" strike="noStrike" cap="none" normalizeH="0" baseline="0">
               <a:ln>
                 <a:noFill/>
               </a:ln>
@@ -18599,7 +17736,7 @@
               <a:buNone/>
               <a:tabLst/>
             </a:pPr>
-            <a:endParaRPr kumimoji="0" lang="pl-PL" sz="1500" b="0" i="0" u="none" strike="noStrike" cap="none" normalizeH="0" baseline="0" smtClean="0">
+            <a:endParaRPr kumimoji="0" lang="pl-PL" sz="1500" b="0" i="0" u="none" strike="noStrike" cap="none" normalizeH="0" baseline="0">
               <a:ln>
                 <a:noFill/>
               </a:ln>
@@ -18664,7 +17801,7 @@
               <a:buNone/>
               <a:tabLst/>
             </a:pPr>
-            <a:endParaRPr kumimoji="0" lang="pl-PL" sz="1500" b="0" i="0" u="none" strike="noStrike" cap="none" normalizeH="0" baseline="0" smtClean="0">
+            <a:endParaRPr kumimoji="0" lang="pl-PL" sz="1500" b="0" i="0" u="none" strike="noStrike" cap="none" normalizeH="0" baseline="0">
               <a:ln>
                 <a:noFill/>
               </a:ln>
@@ -18729,7 +17866,7 @@
               <a:buNone/>
               <a:tabLst/>
             </a:pPr>
-            <a:endParaRPr kumimoji="0" lang="pl-PL" sz="1500" b="0" i="0" u="none" strike="noStrike" cap="none" normalizeH="0" baseline="0" smtClean="0">
+            <a:endParaRPr kumimoji="0" lang="pl-PL" sz="1500" b="0" i="0" u="none" strike="noStrike" cap="none" normalizeH="0" baseline="0">
               <a:ln>
                 <a:noFill/>
               </a:ln>
@@ -18755,13 +17892,6 @@
   <p:transition spd="slow">
     <p:push dir="u"/>
   </p:transition>
-  <p:timing>
-    <p:tnLst>
-      <p:par>
-        <p:cTn id="1" dur="indefinite" restart="never" nodeType="tmRoot"/>
-      </p:par>
-    </p:tnLst>
-  </p:timing>
 </p:sld>
 </file>
 
@@ -18803,73 +17933,72 @@
           <a:lstStyle/>
           <a:p>
             <a:r>
-              <a:rPr lang="en-US" dirty="0" smtClean="0"/>
+              <a:rPr lang="en-US" dirty="0"/>
               <a:t>Modified Condition</a:t>
             </a:r>
             <a:r>
-              <a:rPr lang="pl-PL" dirty="0" smtClean="0"/>
+              <a:rPr lang="pl-PL" dirty="0"/>
               <a:t>/</a:t>
             </a:r>
             <a:r>
-              <a:rPr lang="en-US" dirty="0" smtClean="0"/>
+              <a:rPr lang="en-US" dirty="0"/>
               <a:t>Decision Coverage</a:t>
             </a:r>
           </a:p>
           <a:p>
             <a:pPr lvl="1"/>
             <a:r>
-              <a:rPr lang="en-US" dirty="0" smtClean="0"/>
+              <a:rPr lang="en-US" dirty="0"/>
               <a:t>Each decision tries every possible outcome</a:t>
             </a:r>
           </a:p>
           <a:p>
             <a:pPr lvl="1"/>
             <a:r>
-              <a:rPr lang="en-US" dirty="0" smtClean="0"/>
+              <a:rPr lang="en-US" dirty="0"/>
               <a:t>Each condition in a decision takes on every possible outcome</a:t>
             </a:r>
           </a:p>
           <a:p>
             <a:pPr lvl="1"/>
             <a:r>
-              <a:rPr lang="en-US" dirty="0" smtClean="0"/>
+              <a:rPr lang="en-US" dirty="0"/>
               <a:t>Each condition in a decision is shown to independently affect the outcome of the decision </a:t>
             </a:r>
           </a:p>
           <a:p>
             <a:r>
-              <a:rPr lang="en-US" dirty="0" smtClean="0"/>
+              <a:rPr lang="en-US" dirty="0"/>
               <a:t>100% achieved by following test:</a:t>
             </a:r>
           </a:p>
           <a:p>
             <a:pPr lvl="1"/>
             <a:r>
-              <a:rPr lang="en-US" dirty="0" smtClean="0"/>
+              <a:rPr lang="en-US" dirty="0"/>
               <a:t>A=2, B=0, X=4</a:t>
             </a:r>
           </a:p>
           <a:p>
             <a:pPr lvl="1"/>
             <a:r>
-              <a:rPr lang="en-US" dirty="0" smtClean="0"/>
+              <a:rPr lang="en-US" dirty="0"/>
               <a:t>A=2, B=1, X=1 </a:t>
             </a:r>
           </a:p>
           <a:p>
             <a:pPr lvl="1"/>
             <a:r>
-              <a:rPr lang="en-US" dirty="0" smtClean="0"/>
+              <a:rPr lang="en-US" dirty="0"/>
               <a:t>A=1, B=0, X=2</a:t>
             </a:r>
           </a:p>
           <a:p>
             <a:pPr lvl="1"/>
             <a:r>
-              <a:rPr lang="en-US" strike="sngStrike" dirty="0" smtClean="0"/>
+              <a:rPr lang="en-US" strike="sngStrike" dirty="0"/>
               <a:t>A=1, B=1, X=1</a:t>
             </a:r>
-            <a:endParaRPr lang="en-US" strike="sngStrike" dirty="0"/>
           </a:p>
         </p:txBody>
       </p:sp>
@@ -18889,10 +18018,9 @@
           <a:lstStyle/>
           <a:p>
             <a:r>
-              <a:rPr lang="en-US" dirty="0" smtClean="0"/>
+              <a:rPr lang="en-US" dirty="0"/>
               <a:t>Logic coverage testing</a:t>
             </a:r>
-            <a:endParaRPr lang="en-US" dirty="0"/>
           </a:p>
         </p:txBody>
       </p:sp>
@@ -18978,131 +18106,85 @@
           <a:p>
             <a:pPr defTabSz="452438"/>
             <a:r>
-              <a:rPr lang="pl-PL" sz="1000" dirty="0" smtClean="0">
+              <a:rPr lang="pl-PL" sz="1000" dirty="0">
                 <a:latin typeface="Courier New" panose="02070309020205020404" pitchFamily="49" charset="0"/>
                 <a:cs typeface="Courier New" panose="02070309020205020404" pitchFamily="49" charset="0"/>
               </a:rPr>
               <a:t>	</a:t>
             </a:r>
             <a:r>
-              <a:rPr lang="pl-PL" sz="1000" dirty="0" err="1" smtClean="0">
+              <a:rPr lang="pl-PL" sz="1000" dirty="0" err="1">
                 <a:latin typeface="Courier New" panose="02070309020205020404" pitchFamily="49" charset="0"/>
                 <a:cs typeface="Courier New" panose="02070309020205020404" pitchFamily="49" charset="0"/>
               </a:rPr>
               <a:t>if</a:t>
             </a:r>
             <a:r>
-              <a:rPr lang="pl-PL" sz="1000" dirty="0" smtClean="0">
-                <a:latin typeface="Courier New" panose="02070309020205020404" pitchFamily="49" charset="0"/>
-                <a:cs typeface="Courier New" panose="02070309020205020404" pitchFamily="49" charset="0"/>
-              </a:rPr>
-              <a:t>( A&gt;1 </a:t>
-            </a:r>
-            <a:r>
-              <a:rPr lang="pl-PL" sz="1000" dirty="0">
-                <a:latin typeface="Courier New" panose="02070309020205020404" pitchFamily="49" charset="0"/>
-                <a:cs typeface="Courier New" panose="02070309020205020404" pitchFamily="49" charset="0"/>
-              </a:rPr>
-              <a:t>&amp;&amp; </a:t>
-            </a:r>
-            <a:r>
-              <a:rPr lang="pl-PL" sz="1000" dirty="0" smtClean="0">
-                <a:latin typeface="Courier New" panose="02070309020205020404" pitchFamily="49" charset="0"/>
-                <a:cs typeface="Courier New" panose="02070309020205020404" pitchFamily="49" charset="0"/>
-              </a:rPr>
-              <a:t>B==0</a:t>
-            </a:r>
-            <a:r>
-              <a:rPr lang="pl-PL" sz="1000" dirty="0">
-                <a:latin typeface="Courier New" panose="02070309020205020404" pitchFamily="49" charset="0"/>
-                <a:cs typeface="Courier New" panose="02070309020205020404" pitchFamily="49" charset="0"/>
-              </a:rPr>
-              <a:t>) {</a:t>
+              <a:rPr lang="pl-PL" sz="1000" dirty="0">
+                <a:latin typeface="Courier New" panose="02070309020205020404" pitchFamily="49" charset="0"/>
+                <a:cs typeface="Courier New" panose="02070309020205020404" pitchFamily="49" charset="0"/>
+              </a:rPr>
+              <a:t>( A&gt;1 &amp;&amp; B==0) {</a:t>
             </a:r>
           </a:p>
           <a:p>
             <a:pPr defTabSz="452438"/>
             <a:r>
-              <a:rPr lang="pl-PL" sz="1000" dirty="0" smtClean="0">
-                <a:latin typeface="Courier New" panose="02070309020205020404" pitchFamily="49" charset="0"/>
-                <a:cs typeface="Courier New" panose="02070309020205020404" pitchFamily="49" charset="0"/>
-              </a:rPr>
-              <a:t>		X=X/A</a:t>
-            </a:r>
-            <a:r>
-              <a:rPr lang="pl-PL" sz="1000" dirty="0">
-                <a:latin typeface="Courier New" panose="02070309020205020404" pitchFamily="49" charset="0"/>
-                <a:cs typeface="Courier New" panose="02070309020205020404" pitchFamily="49" charset="0"/>
-              </a:rPr>
-              <a:t>;</a:t>
+              <a:rPr lang="pl-PL" sz="1000" dirty="0">
+                <a:latin typeface="Courier New" panose="02070309020205020404" pitchFamily="49" charset="0"/>
+                <a:cs typeface="Courier New" panose="02070309020205020404" pitchFamily="49" charset="0"/>
+              </a:rPr>
+              <a:t>		X=X/A;</a:t>
             </a:r>
           </a:p>
           <a:p>
             <a:pPr defTabSz="452438"/>
             <a:r>
-              <a:rPr lang="pl-PL" sz="1000" dirty="0" smtClean="0">
+              <a:rPr lang="pl-PL" sz="1000" dirty="0">
                 <a:latin typeface="Courier New" panose="02070309020205020404" pitchFamily="49" charset="0"/>
                 <a:cs typeface="Courier New" panose="02070309020205020404" pitchFamily="49" charset="0"/>
               </a:rPr>
               <a:t>	}</a:t>
             </a:r>
-            <a:endParaRPr lang="pl-PL" sz="1000" dirty="0">
-              <a:latin typeface="Courier New" panose="02070309020205020404" pitchFamily="49" charset="0"/>
-              <a:cs typeface="Courier New" panose="02070309020205020404" pitchFamily="49" charset="0"/>
-            </a:endParaRPr>
           </a:p>
           <a:p>
             <a:pPr defTabSz="452438"/>
             <a:r>
-              <a:rPr lang="pl-PL" sz="1000" dirty="0" smtClean="0">
+              <a:rPr lang="pl-PL" sz="1000" dirty="0">
                 <a:latin typeface="Courier New" panose="02070309020205020404" pitchFamily="49" charset="0"/>
                 <a:cs typeface="Courier New" panose="02070309020205020404" pitchFamily="49" charset="0"/>
               </a:rPr>
               <a:t>	</a:t>
             </a:r>
             <a:r>
-              <a:rPr lang="pl-PL" sz="1000" dirty="0" err="1" smtClean="0">
+              <a:rPr lang="pl-PL" sz="1000" dirty="0" err="1">
                 <a:latin typeface="Courier New" panose="02070309020205020404" pitchFamily="49" charset="0"/>
                 <a:cs typeface="Courier New" panose="02070309020205020404" pitchFamily="49" charset="0"/>
               </a:rPr>
               <a:t>if</a:t>
             </a:r>
             <a:r>
-              <a:rPr lang="pl-PL" sz="1000" dirty="0" smtClean="0">
-                <a:latin typeface="Courier New" panose="02070309020205020404" pitchFamily="49" charset="0"/>
-                <a:cs typeface="Courier New" panose="02070309020205020404" pitchFamily="49" charset="0"/>
-              </a:rPr>
-              <a:t>(A==2 || </a:t>
-            </a:r>
-            <a:r>
-              <a:rPr lang="pl-PL" sz="1000" dirty="0">
-                <a:latin typeface="Courier New" panose="02070309020205020404" pitchFamily="49" charset="0"/>
-                <a:cs typeface="Courier New" panose="02070309020205020404" pitchFamily="49" charset="0"/>
-              </a:rPr>
-              <a:t>X&gt;1) {</a:t>
+              <a:rPr lang="pl-PL" sz="1000" dirty="0">
+                <a:latin typeface="Courier New" panose="02070309020205020404" pitchFamily="49" charset="0"/>
+                <a:cs typeface="Courier New" panose="02070309020205020404" pitchFamily="49" charset="0"/>
+              </a:rPr>
+              <a:t>(A==2 || X&gt;1) {</a:t>
             </a:r>
           </a:p>
           <a:p>
             <a:pPr defTabSz="452438"/>
             <a:r>
-              <a:rPr lang="pl-PL" sz="1000" dirty="0" smtClean="0">
-                <a:latin typeface="Courier New" panose="02070309020205020404" pitchFamily="49" charset="0"/>
-                <a:cs typeface="Courier New" panose="02070309020205020404" pitchFamily="49" charset="0"/>
-              </a:rPr>
-              <a:t>		X=X+1</a:t>
-            </a:r>
-            <a:r>
-              <a:rPr lang="pl-PL" sz="1000" dirty="0">
-                <a:latin typeface="Courier New" panose="02070309020205020404" pitchFamily="49" charset="0"/>
-                <a:cs typeface="Courier New" panose="02070309020205020404" pitchFamily="49" charset="0"/>
-              </a:rPr>
-              <a:t>;</a:t>
+              <a:rPr lang="pl-PL" sz="1000" dirty="0">
+                <a:latin typeface="Courier New" panose="02070309020205020404" pitchFamily="49" charset="0"/>
+                <a:cs typeface="Courier New" panose="02070309020205020404" pitchFamily="49" charset="0"/>
+              </a:rPr>
+              <a:t>		X=X+1;</a:t>
             </a:r>
           </a:p>
           <a:p>
             <a:pPr defTabSz="452438"/>
             <a:r>
-              <a:rPr lang="pl-PL" sz="1000" dirty="0" smtClean="0">
+              <a:rPr lang="pl-PL" sz="1000" dirty="0">
                 <a:latin typeface="Courier New" panose="02070309020205020404" pitchFamily="49" charset="0"/>
                 <a:cs typeface="Courier New" panose="02070309020205020404" pitchFamily="49" charset="0"/>
               </a:rPr>
@@ -19116,19 +18198,8 @@
                 <a:latin typeface="Courier New" panose="02070309020205020404" pitchFamily="49" charset="0"/>
                 <a:cs typeface="Courier New" panose="02070309020205020404" pitchFamily="49" charset="0"/>
               </a:rPr>
-              <a:t>	</a:t>
-            </a:r>
-            <a:r>
-              <a:rPr lang="pl-PL" sz="1000" dirty="0" smtClean="0">
-                <a:latin typeface="Courier New" panose="02070309020205020404" pitchFamily="49" charset="0"/>
-                <a:cs typeface="Courier New" panose="02070309020205020404" pitchFamily="49" charset="0"/>
-              </a:rPr>
-              <a:t>return X;</a:t>
-            </a:r>
-            <a:endParaRPr lang="pl-PL" sz="1000" dirty="0">
-              <a:latin typeface="Courier New" panose="02070309020205020404" pitchFamily="49" charset="0"/>
-              <a:cs typeface="Courier New" panose="02070309020205020404" pitchFamily="49" charset="0"/>
-            </a:endParaRPr>
+              <a:t>	return X;</a:t>
+            </a:r>
           </a:p>
           <a:p>
             <a:pPr defTabSz="452438"/>
@@ -19198,7 +18269,7 @@
               <a:buNone/>
               <a:tabLst/>
             </a:pPr>
-            <a:endParaRPr kumimoji="0" lang="pl-PL" sz="1500" b="0" i="0" u="none" strike="noStrike" cap="none" normalizeH="0" baseline="0" smtClean="0">
+            <a:endParaRPr kumimoji="0" lang="pl-PL" sz="1500" b="0" i="0" u="none" strike="noStrike" cap="none" normalizeH="0" baseline="0">
               <a:ln>
                 <a:noFill/>
               </a:ln>
@@ -19263,7 +18334,7 @@
               <a:buNone/>
               <a:tabLst/>
             </a:pPr>
-            <a:endParaRPr kumimoji="0" lang="pl-PL" sz="1500" b="0" i="0" u="none" strike="noStrike" cap="none" normalizeH="0" baseline="0" smtClean="0">
+            <a:endParaRPr kumimoji="0" lang="pl-PL" sz="1500" b="0" i="0" u="none" strike="noStrike" cap="none" normalizeH="0" baseline="0">
               <a:ln>
                 <a:noFill/>
               </a:ln>
@@ -19328,7 +18399,7 @@
               <a:buNone/>
               <a:tabLst/>
             </a:pPr>
-            <a:endParaRPr kumimoji="0" lang="pl-PL" sz="1500" b="0" i="0" u="none" strike="noStrike" cap="none" normalizeH="0" baseline="0" smtClean="0">
+            <a:endParaRPr kumimoji="0" lang="pl-PL" sz="1500" b="0" i="0" u="none" strike="noStrike" cap="none" normalizeH="0" baseline="0">
               <a:ln>
                 <a:noFill/>
               </a:ln>
@@ -19393,7 +18464,7 @@
               <a:buNone/>
               <a:tabLst/>
             </a:pPr>
-            <a:endParaRPr kumimoji="0" lang="pl-PL" sz="1500" b="0" i="0" u="none" strike="noStrike" cap="none" normalizeH="0" baseline="0" smtClean="0">
+            <a:endParaRPr kumimoji="0" lang="pl-PL" sz="1500" b="0" i="0" u="none" strike="noStrike" cap="none" normalizeH="0" baseline="0">
               <a:ln>
                 <a:noFill/>
               </a:ln>
@@ -19458,7 +18529,7 @@
               <a:buNone/>
               <a:tabLst/>
             </a:pPr>
-            <a:endParaRPr kumimoji="0" lang="pl-PL" sz="1500" b="0" i="0" u="none" strike="noStrike" cap="none" normalizeH="0" baseline="0" smtClean="0">
+            <a:endParaRPr kumimoji="0" lang="pl-PL" sz="1500" b="0" i="0" u="none" strike="noStrike" cap="none" normalizeH="0" baseline="0">
               <a:ln>
                 <a:noFill/>
               </a:ln>
@@ -19523,7 +18594,7 @@
               <a:buNone/>
               <a:tabLst/>
             </a:pPr>
-            <a:endParaRPr kumimoji="0" lang="pl-PL" sz="1500" b="0" i="0" u="none" strike="noStrike" cap="none" normalizeH="0" baseline="0" smtClean="0">
+            <a:endParaRPr kumimoji="0" lang="pl-PL" sz="1500" b="0" i="0" u="none" strike="noStrike" cap="none" normalizeH="0" baseline="0">
               <a:ln>
                 <a:noFill/>
               </a:ln>
@@ -19588,7 +18659,7 @@
               <a:buNone/>
               <a:tabLst/>
             </a:pPr>
-            <a:endParaRPr kumimoji="0" lang="pl-PL" sz="1500" b="0" i="0" u="none" strike="noStrike" cap="none" normalizeH="0" baseline="0" smtClean="0">
+            <a:endParaRPr kumimoji="0" lang="pl-PL" sz="1500" b="0" i="0" u="none" strike="noStrike" cap="none" normalizeH="0" baseline="0">
               <a:ln>
                 <a:noFill/>
               </a:ln>
@@ -19614,13 +18685,6 @@
   <p:transition spd="slow">
     <p:push dir="u"/>
   </p:transition>
-  <p:timing>
-    <p:tnLst>
-      <p:par>
-        <p:cTn id="1" dur="indefinite" restart="never" nodeType="tmRoot"/>
-      </p:par>
-    </p:tnLst>
-  </p:timing>
 </p:sld>
 </file>
 
@@ -20656,12 +19720,9 @@
 </file>
 
 <file path=customXml/item1.xml><?xml version="1.0" encoding="utf-8"?>
-<?mso-contentType ?>
-<FormTemplates xmlns="http://schemas.microsoft.com/sharepoint/v3/contenttype/forms">
-  <Display>DocumentLibraryForm</Display>
-  <Edit>DocumentLibraryForm</Edit>
-  <New>DocumentLibraryForm</New>
-</FormTemplates>
+<p:properties xmlns:p="http://schemas.microsoft.com/office/2006/metadata/properties" xmlns:xsi="http://www.w3.org/2001/XMLSchema-instance" xmlns:pc="http://schemas.microsoft.com/office/infopath/2007/PartnerControls">
+  <documentManagement/>
+</p:properties>
 </file>
 
 <file path=customXml/item2.xml><?xml version="1.0" encoding="utf-8"?>
@@ -20779,15 +19840,25 @@
 </file>
 
 <file path=customXml/item3.xml><?xml version="1.0" encoding="utf-8"?>
-<p:properties xmlns:p="http://schemas.microsoft.com/office/2006/metadata/properties" xmlns:xsi="http://www.w3.org/2001/XMLSchema-instance" xmlns:pc="http://schemas.microsoft.com/office/infopath/2007/PartnerControls">
-  <documentManagement/>
-</p:properties>
+<?mso-contentType ?>
+<FormTemplates xmlns="http://schemas.microsoft.com/sharepoint/v3/contenttype/forms">
+  <Display>DocumentLibraryForm</Display>
+  <Edit>DocumentLibraryForm</Edit>
+  <New>DocumentLibraryForm</New>
+</FormTemplates>
 </file>
 
 <file path=customXml/itemProps1.xml><?xml version="1.0" encoding="utf-8"?>
-<ds:datastoreItem xmlns:ds="http://schemas.openxmlformats.org/officeDocument/2006/customXml" ds:itemID="{A99115DC-C02A-4EF3-990D-5FF7CC0EE91A}">
+<ds:datastoreItem xmlns:ds="http://schemas.openxmlformats.org/officeDocument/2006/customXml" ds:itemID="{ED5C1EDB-6CF4-4DF3-AC39-1ADF53226D00}">
   <ds:schemaRefs>
-    <ds:schemaRef ds:uri="http://schemas.microsoft.com/sharepoint/v3/contenttype/forms"/>
+    <ds:schemaRef ds:uri="http://purl.org/dc/terms/"/>
+    <ds:schemaRef ds:uri="http://schemas.openxmlformats.org/package/2006/metadata/core-properties"/>
+    <ds:schemaRef ds:uri="http://schemas.microsoft.com/office/2006/documentManagement/types"/>
+    <ds:schemaRef ds:uri="http://schemas.microsoft.com/office/infopath/2007/PartnerControls"/>
+    <ds:schemaRef ds:uri="http://purl.org/dc/elements/1.1/"/>
+    <ds:schemaRef ds:uri="http://schemas.microsoft.com/office/2006/metadata/properties"/>
+    <ds:schemaRef ds:uri="http://www.w3.org/XML/1998/namespace"/>
+    <ds:schemaRef ds:uri="http://purl.org/dc/dcmitype/"/>
   </ds:schemaRefs>
 </ds:datastoreItem>
 </file>
@@ -20809,16 +19880,9 @@
 </file>
 
 <file path=customXml/itemProps3.xml><?xml version="1.0" encoding="utf-8"?>
-<ds:datastoreItem xmlns:ds="http://schemas.openxmlformats.org/officeDocument/2006/customXml" ds:itemID="{ED5C1EDB-6CF4-4DF3-AC39-1ADF53226D00}">
+<ds:datastoreItem xmlns:ds="http://schemas.openxmlformats.org/officeDocument/2006/customXml" ds:itemID="{A99115DC-C02A-4EF3-990D-5FF7CC0EE91A}">
   <ds:schemaRefs>
-    <ds:schemaRef ds:uri="http://purl.org/dc/terms/"/>
-    <ds:schemaRef ds:uri="http://schemas.openxmlformats.org/package/2006/metadata/core-properties"/>
-    <ds:schemaRef ds:uri="http://schemas.microsoft.com/office/2006/documentManagement/types"/>
-    <ds:schemaRef ds:uri="http://schemas.microsoft.com/office/infopath/2007/PartnerControls"/>
-    <ds:schemaRef ds:uri="http://purl.org/dc/elements/1.1/"/>
-    <ds:schemaRef ds:uri="http://schemas.microsoft.com/office/2006/metadata/properties"/>
-    <ds:schemaRef ds:uri="http://www.w3.org/XML/1998/namespace"/>
-    <ds:schemaRef ds:uri="http://purl.org/dc/dcmitype/"/>
+    <ds:schemaRef ds:uri="http://schemas.microsoft.com/sharepoint/v3/contenttype/forms"/>
   </ds:schemaRefs>
 </ds:datastoreItem>
 </file>